--- a/Scrum Insight - P2A.pptx
+++ b/Scrum Insight - P2A.pptx
@@ -5,7 +5,7 @@
     <p:sldMasterId id="2147483660" r:id="rId1"/>
   </p:sldMasterIdLst>
   <p:notesMasterIdLst>
-    <p:notesMasterId r:id="rId18"/>
+    <p:notesMasterId r:id="rId20"/>
   </p:notesMasterIdLst>
   <p:sldIdLst>
     <p:sldId id="256" r:id="rId2"/>
@@ -24,6 +24,8 @@
     <p:sldId id="271" r:id="rId15"/>
     <p:sldId id="272" r:id="rId16"/>
     <p:sldId id="273" r:id="rId17"/>
+    <p:sldId id="274" r:id="rId18"/>
+    <p:sldId id="275" r:id="rId19"/>
   </p:sldIdLst>
   <p:sldSz cx="12192000" cy="6858000"/>
   <p:notesSz cx="6858000" cy="9144000"/>
@@ -1832,11 +1834,11 @@
 </file>
 
 <file path=ppt/diagrams/colors3.xml><?xml version="1.0" encoding="utf-8"?>
-<dgm:colorsDef xmlns:dgm="http://schemas.openxmlformats.org/drawingml/2006/diagram" xmlns:a="http://schemas.openxmlformats.org/drawingml/2006/main" uniqueId="urn:microsoft.com/office/officeart/2005/8/colors/accent1_2">
+<dgm:colorsDef xmlns:dgm="http://schemas.openxmlformats.org/drawingml/2006/diagram" xmlns:a="http://schemas.openxmlformats.org/drawingml/2006/main" uniqueId="urn:microsoft.com/office/officeart/2005/8/colors/colorful1">
   <dgm:title val=""/>
   <dgm:desc val=""/>
   <dgm:catLst>
-    <dgm:cat type="accent1" pri="11200"/>
+    <dgm:cat type="colorful" pri="10100"/>
   </dgm:catLst>
   <dgm:styleLbl name="node0">
     <dgm:fillClrLst meth="repeat">
@@ -1850,21 +1852,13 @@
     <dgm:txFillClrLst/>
     <dgm:txEffectClrLst/>
   </dgm:styleLbl>
-  <dgm:styleLbl name="alignNode1">
-    <dgm:fillClrLst meth="repeat">
-      <a:schemeClr val="accent1"/>
-    </dgm:fillClrLst>
-    <dgm:linClrLst meth="repeat">
-      <a:schemeClr val="accent1"/>
-    </dgm:linClrLst>
-    <dgm:effectClrLst/>
-    <dgm:txLinClrLst/>
-    <dgm:txFillClrLst/>
-    <dgm:txEffectClrLst/>
-  </dgm:styleLbl>
   <dgm:styleLbl name="node1">
     <dgm:fillClrLst meth="repeat">
-      <a:schemeClr val="accent1"/>
+      <a:schemeClr val="accent2"/>
+      <a:schemeClr val="accent3"/>
+      <a:schemeClr val="accent4"/>
+      <a:schemeClr val="accent5"/>
+      <a:schemeClr val="accent6"/>
     </dgm:fillClrLst>
     <dgm:linClrLst meth="repeat">
       <a:schemeClr val="lt1"/>
@@ -1874,9 +1868,33 @@
     <dgm:txFillClrLst/>
     <dgm:txEffectClrLst/>
   </dgm:styleLbl>
+  <dgm:styleLbl name="alignNode1">
+    <dgm:fillClrLst meth="repeat">
+      <a:schemeClr val="accent2"/>
+      <a:schemeClr val="accent3"/>
+      <a:schemeClr val="accent4"/>
+      <a:schemeClr val="accent5"/>
+      <a:schemeClr val="accent6"/>
+    </dgm:fillClrLst>
+    <dgm:linClrLst meth="repeat">
+      <a:schemeClr val="accent2"/>
+      <a:schemeClr val="accent3"/>
+      <a:schemeClr val="accent4"/>
+      <a:schemeClr val="accent5"/>
+      <a:schemeClr val="accent6"/>
+    </dgm:linClrLst>
+    <dgm:effectClrLst/>
+    <dgm:txLinClrLst/>
+    <dgm:txFillClrLst/>
+    <dgm:txEffectClrLst/>
+  </dgm:styleLbl>
   <dgm:styleLbl name="lnNode1">
     <dgm:fillClrLst meth="repeat">
-      <a:schemeClr val="accent1"/>
+      <a:schemeClr val="accent2"/>
+      <a:schemeClr val="accent3"/>
+      <a:schemeClr val="accent4"/>
+      <a:schemeClr val="accent5"/>
+      <a:schemeClr val="accent6"/>
     </dgm:fillClrLst>
     <dgm:linClrLst meth="repeat">
       <a:schemeClr val="lt1"/>
@@ -1888,7 +1906,19 @@
   </dgm:styleLbl>
   <dgm:styleLbl name="vennNode1">
     <dgm:fillClrLst meth="repeat">
-      <a:schemeClr val="accent1">
+      <a:schemeClr val="accent2">
+        <a:alpha val="50000"/>
+      </a:schemeClr>
+      <a:schemeClr val="accent3">
+        <a:alpha val="50000"/>
+      </a:schemeClr>
+      <a:schemeClr val="accent4">
+        <a:alpha val="50000"/>
+      </a:schemeClr>
+      <a:schemeClr val="accent5">
+        <a:alpha val="50000"/>
+      </a:schemeClr>
+      <a:schemeClr val="accent6">
         <a:alpha val="50000"/>
       </a:schemeClr>
     </dgm:fillClrLst>
@@ -1901,8 +1931,8 @@
     <dgm:txEffectClrLst/>
   </dgm:styleLbl>
   <dgm:styleLbl name="node2">
-    <dgm:fillClrLst meth="repeat">
-      <a:schemeClr val="accent1"/>
+    <dgm:fillClrLst>
+      <a:schemeClr val="accent2"/>
     </dgm:fillClrLst>
     <dgm:linClrLst meth="repeat">
       <a:schemeClr val="lt1"/>
@@ -1913,8 +1943,8 @@
     <dgm:txEffectClrLst/>
   </dgm:styleLbl>
   <dgm:styleLbl name="node3">
-    <dgm:fillClrLst meth="repeat">
-      <a:schemeClr val="accent1"/>
+    <dgm:fillClrLst>
+      <a:schemeClr val="accent3"/>
     </dgm:fillClrLst>
     <dgm:linClrLst meth="repeat">
       <a:schemeClr val="lt1"/>
@@ -1925,8 +1955,8 @@
     <dgm:txEffectClrLst/>
   </dgm:styleLbl>
   <dgm:styleLbl name="node4">
-    <dgm:fillClrLst meth="repeat">
-      <a:schemeClr val="accent1"/>
+    <dgm:fillClrLst>
+      <a:schemeClr val="accent4"/>
     </dgm:fillClrLst>
     <dgm:linClrLst meth="repeat">
       <a:schemeClr val="lt1"/>
@@ -1938,7 +1968,19 @@
   </dgm:styleLbl>
   <dgm:styleLbl name="fgImgPlace1">
     <dgm:fillClrLst meth="repeat">
-      <a:schemeClr val="accent1">
+      <a:schemeClr val="accent2">
+        <a:tint val="50000"/>
+      </a:schemeClr>
+      <a:schemeClr val="accent3">
+        <a:tint val="50000"/>
+      </a:schemeClr>
+      <a:schemeClr val="accent4">
+        <a:tint val="50000"/>
+      </a:schemeClr>
+      <a:schemeClr val="accent5">
+        <a:tint val="50000"/>
+      </a:schemeClr>
+      <a:schemeClr val="accent6">
         <a:tint val="50000"/>
       </a:schemeClr>
     </dgm:fillClrLst>
@@ -1953,9 +1995,12 @@
     <dgm:txEffectClrLst/>
   </dgm:styleLbl>
   <dgm:styleLbl name="alignImgPlace1">
-    <dgm:fillClrLst meth="repeat">
+    <dgm:fillClrLst>
       <a:schemeClr val="accent1">
         <a:tint val="50000"/>
+      </a:schemeClr>
+      <a:schemeClr val="accent2">
+        <a:tint val="20000"/>
       </a:schemeClr>
     </dgm:fillClrLst>
     <dgm:linClrLst meth="repeat">
@@ -1969,9 +2014,12 @@
     <dgm:txEffectClrLst/>
   </dgm:styleLbl>
   <dgm:styleLbl name="bgImgPlace1">
-    <dgm:fillClrLst meth="repeat">
+    <dgm:fillClrLst>
       <a:schemeClr val="accent1">
         <a:tint val="50000"/>
+      </a:schemeClr>
+      <a:schemeClr val="accent2">
+        <a:tint val="20000"/>
       </a:schemeClr>
     </dgm:fillClrLst>
     <dgm:linClrLst meth="repeat">
@@ -1986,14 +2034,14 @@
   </dgm:styleLbl>
   <dgm:styleLbl name="sibTrans2D1">
     <dgm:fillClrLst meth="repeat">
-      <a:schemeClr val="accent1">
-        <a:tint val="60000"/>
-      </a:schemeClr>
+      <a:schemeClr val="accent2"/>
+      <a:schemeClr val="accent3"/>
+      <a:schemeClr val="accent4"/>
+      <a:schemeClr val="accent5"/>
+      <a:schemeClr val="accent6"/>
     </dgm:fillClrLst>
-    <dgm:linClrLst meth="repeat">
-      <a:schemeClr val="accent1">
-        <a:tint val="60000"/>
-      </a:schemeClr>
+    <dgm:linClrLst meth="cycle">
+      <a:schemeClr val="lt1"/>
     </dgm:linClrLst>
     <dgm:effectClrLst/>
     <dgm:txLinClrLst/>
@@ -2002,42 +2050,54 @@
   </dgm:styleLbl>
   <dgm:styleLbl name="fgSibTrans2D1">
     <dgm:fillClrLst meth="repeat">
-      <a:schemeClr val="accent1">
-        <a:tint val="60000"/>
-      </a:schemeClr>
+      <a:schemeClr val="accent2"/>
+      <a:schemeClr val="accent3"/>
+      <a:schemeClr val="accent4"/>
+      <a:schemeClr val="accent5"/>
+      <a:schemeClr val="accent6"/>
     </dgm:fillClrLst>
-    <dgm:linClrLst meth="repeat">
-      <a:schemeClr val="accent1">
-        <a:tint val="60000"/>
-      </a:schemeClr>
+    <dgm:linClrLst meth="cycle">
+      <a:schemeClr val="lt1"/>
     </dgm:linClrLst>
     <dgm:effectClrLst/>
     <dgm:txLinClrLst/>
-    <dgm:txFillClrLst/>
+    <dgm:txFillClrLst meth="repeat">
+      <a:schemeClr val="lt1"/>
+    </dgm:txFillClrLst>
     <dgm:txEffectClrLst/>
   </dgm:styleLbl>
   <dgm:styleLbl name="bgSibTrans2D1">
     <dgm:fillClrLst meth="repeat">
-      <a:schemeClr val="accent1">
-        <a:tint val="60000"/>
-      </a:schemeClr>
+      <a:schemeClr val="accent2"/>
+      <a:schemeClr val="accent3"/>
+      <a:schemeClr val="accent4"/>
+      <a:schemeClr val="accent5"/>
+      <a:schemeClr val="accent6"/>
     </dgm:fillClrLst>
-    <dgm:linClrLst meth="repeat">
-      <a:schemeClr val="accent1">
-        <a:tint val="60000"/>
-      </a:schemeClr>
+    <dgm:linClrLst meth="cycle">
+      <a:schemeClr val="lt1"/>
     </dgm:linClrLst>
     <dgm:effectClrLst/>
     <dgm:txLinClrLst/>
-    <dgm:txFillClrLst/>
+    <dgm:txFillClrLst meth="repeat">
+      <a:schemeClr val="lt1"/>
+    </dgm:txFillClrLst>
     <dgm:txEffectClrLst/>
   </dgm:styleLbl>
   <dgm:styleLbl name="sibTrans1D1">
     <dgm:fillClrLst meth="repeat">
-      <a:schemeClr val="accent1"/>
+      <a:schemeClr val="accent2"/>
+      <a:schemeClr val="accent3"/>
+      <a:schemeClr val="accent4"/>
+      <a:schemeClr val="accent5"/>
+      <a:schemeClr val="accent6"/>
     </dgm:fillClrLst>
     <dgm:linClrLst meth="repeat">
-      <a:schemeClr val="accent1"/>
+      <a:schemeClr val="accent2"/>
+      <a:schemeClr val="accent3"/>
+      <a:schemeClr val="accent4"/>
+      <a:schemeClr val="accent5"/>
+      <a:schemeClr val="accent6"/>
     </dgm:linClrLst>
     <dgm:effectClrLst/>
     <dgm:txLinClrLst/>
@@ -2048,10 +2108,10 @@
   </dgm:styleLbl>
   <dgm:styleLbl name="callout">
     <dgm:fillClrLst meth="repeat">
-      <a:schemeClr val="accent1"/>
+      <a:schemeClr val="accent2"/>
     </dgm:fillClrLst>
     <dgm:linClrLst meth="repeat">
-      <a:schemeClr val="accent1">
+      <a:schemeClr val="accent2">
         <a:tint val="50000"/>
       </a:schemeClr>
     </dgm:linClrLst>
@@ -2076,7 +2136,7 @@
   </dgm:styleLbl>
   <dgm:styleLbl name="asst1">
     <dgm:fillClrLst meth="repeat">
-      <a:schemeClr val="accent1"/>
+      <a:schemeClr val="accent2"/>
     </dgm:fillClrLst>
     <dgm:linClrLst meth="repeat">
       <a:schemeClr val="lt1"/>
@@ -2087,8 +2147,8 @@
     <dgm:txEffectClrLst/>
   </dgm:styleLbl>
   <dgm:styleLbl name="asst2">
-    <dgm:fillClrLst meth="repeat">
-      <a:schemeClr val="accent1"/>
+    <dgm:fillClrLst>
+      <a:schemeClr val="accent3"/>
     </dgm:fillClrLst>
     <dgm:linClrLst meth="repeat">
       <a:schemeClr val="lt1"/>
@@ -2099,8 +2159,8 @@
     <dgm:txEffectClrLst/>
   </dgm:styleLbl>
   <dgm:styleLbl name="asst3">
-    <dgm:fillClrLst meth="repeat">
-      <a:schemeClr val="accent1"/>
+    <dgm:fillClrLst>
+      <a:schemeClr val="accent4"/>
     </dgm:fillClrLst>
     <dgm:linClrLst meth="repeat">
       <a:schemeClr val="lt1"/>
@@ -2111,8 +2171,8 @@
     <dgm:txEffectClrLst/>
   </dgm:styleLbl>
   <dgm:styleLbl name="asst4">
-    <dgm:fillClrLst meth="repeat">
-      <a:schemeClr val="accent1"/>
+    <dgm:fillClrLst>
+      <a:schemeClr val="accent5"/>
     </dgm:fillClrLst>
     <dgm:linClrLst meth="repeat">
       <a:schemeClr val="lt1"/>
@@ -2124,14 +2184,10 @@
   </dgm:styleLbl>
   <dgm:styleLbl name="parChTrans2D1">
     <dgm:fillClrLst meth="repeat">
-      <a:schemeClr val="accent1">
-        <a:tint val="60000"/>
-      </a:schemeClr>
+      <a:schemeClr val="accent2"/>
     </dgm:fillClrLst>
     <dgm:linClrLst meth="repeat">
-      <a:schemeClr val="accent1">
-        <a:tint val="60000"/>
-      </a:schemeClr>
+      <a:schemeClr val="lt1"/>
     </dgm:linClrLst>
     <dgm:effectClrLst/>
     <dgm:txLinClrLst/>
@@ -2142,38 +2198,34 @@
   </dgm:styleLbl>
   <dgm:styleLbl name="parChTrans2D2">
     <dgm:fillClrLst meth="repeat">
-      <a:schemeClr val="accent1"/>
+      <a:schemeClr val="accent3"/>
     </dgm:fillClrLst>
     <dgm:linClrLst meth="repeat">
-      <a:schemeClr val="accent1"/>
+      <a:schemeClr val="lt1"/>
     </dgm:linClrLst>
     <dgm:effectClrLst/>
     <dgm:txLinClrLst/>
-    <dgm:txFillClrLst meth="repeat">
-      <a:schemeClr val="lt1"/>
-    </dgm:txFillClrLst>
+    <dgm:txFillClrLst/>
     <dgm:txEffectClrLst/>
   </dgm:styleLbl>
   <dgm:styleLbl name="parChTrans2D3">
     <dgm:fillClrLst meth="repeat">
-      <a:schemeClr val="accent1"/>
+      <a:schemeClr val="accent4"/>
     </dgm:fillClrLst>
     <dgm:linClrLst meth="repeat">
-      <a:schemeClr val="accent1"/>
+      <a:schemeClr val="lt1"/>
     </dgm:linClrLst>
     <dgm:effectClrLst/>
     <dgm:txLinClrLst/>
-    <dgm:txFillClrLst meth="repeat">
-      <a:schemeClr val="lt1"/>
-    </dgm:txFillClrLst>
+    <dgm:txFillClrLst/>
     <dgm:txEffectClrLst/>
   </dgm:styleLbl>
   <dgm:styleLbl name="parChTrans2D4">
     <dgm:fillClrLst meth="repeat">
-      <a:schemeClr val="accent1"/>
+      <a:schemeClr val="accent5"/>
     </dgm:fillClrLst>
     <dgm:linClrLst meth="repeat">
-      <a:schemeClr val="accent1"/>
+      <a:schemeClr val="lt1"/>
     </dgm:linClrLst>
     <dgm:effectClrLst/>
     <dgm:txLinClrLst/>
@@ -2184,12 +2236,10 @@
   </dgm:styleLbl>
   <dgm:styleLbl name="parChTrans1D1">
     <dgm:fillClrLst meth="repeat">
-      <a:schemeClr val="accent1"/>
+      <a:schemeClr val="accent2"/>
     </dgm:fillClrLst>
     <dgm:linClrLst meth="repeat">
-      <a:schemeClr val="accent1">
-        <a:shade val="60000"/>
-      </a:schemeClr>
+      <a:schemeClr val="accent1"/>
     </dgm:linClrLst>
     <dgm:effectClrLst/>
     <dgm:txLinClrLst/>
@@ -2200,12 +2250,12 @@
   </dgm:styleLbl>
   <dgm:styleLbl name="parChTrans1D2">
     <dgm:fillClrLst meth="repeat">
-      <a:schemeClr val="accent1"/>
+      <a:schemeClr val="accent3">
+        <a:tint val="90000"/>
+      </a:schemeClr>
     </dgm:fillClrLst>
     <dgm:linClrLst meth="repeat">
-      <a:schemeClr val="accent1">
-        <a:shade val="60000"/>
-      </a:schemeClr>
+      <a:schemeClr val="accent2"/>
     </dgm:linClrLst>
     <dgm:effectClrLst/>
     <dgm:txLinClrLst/>
@@ -2216,12 +2266,12 @@
   </dgm:styleLbl>
   <dgm:styleLbl name="parChTrans1D3">
     <dgm:fillClrLst meth="repeat">
-      <a:schemeClr val="accent1"/>
+      <a:schemeClr val="accent4">
+        <a:tint val="70000"/>
+      </a:schemeClr>
     </dgm:fillClrLst>
     <dgm:linClrLst meth="repeat">
-      <a:schemeClr val="accent1">
-        <a:shade val="80000"/>
-      </a:schemeClr>
+      <a:schemeClr val="accent3"/>
     </dgm:linClrLst>
     <dgm:effectClrLst/>
     <dgm:txLinClrLst/>
@@ -2232,12 +2282,12 @@
   </dgm:styleLbl>
   <dgm:styleLbl name="parChTrans1D4">
     <dgm:fillClrLst meth="repeat">
-      <a:schemeClr val="accent1"/>
+      <a:schemeClr val="accent5">
+        <a:tint val="50000"/>
+      </a:schemeClr>
     </dgm:fillClrLst>
     <dgm:linClrLst meth="repeat">
-      <a:schemeClr val="accent1">
-        <a:shade val="80000"/>
-      </a:schemeClr>
+      <a:schemeClr val="accent4"/>
     </dgm:linClrLst>
     <dgm:effectClrLst/>
     <dgm:txLinClrLst/>
@@ -2253,7 +2303,11 @@
       </a:schemeClr>
     </dgm:fillClrLst>
     <dgm:linClrLst meth="repeat">
-      <a:schemeClr val="accent1"/>
+      <a:schemeClr val="accent2"/>
+      <a:schemeClr val="accent3"/>
+      <a:schemeClr val="accent4"/>
+      <a:schemeClr val="accent5"/>
+      <a:schemeClr val="accent6"/>
     </dgm:linClrLst>
     <dgm:effectClrLst/>
     <dgm:txLinClrLst/>
@@ -2269,7 +2323,11 @@
       </a:schemeClr>
     </dgm:fillClrLst>
     <dgm:linClrLst meth="repeat">
-      <a:schemeClr val="accent1"/>
+      <a:schemeClr val="accent2"/>
+      <a:schemeClr val="accent3"/>
+      <a:schemeClr val="accent4"/>
+      <a:schemeClr val="accent5"/>
+      <a:schemeClr val="accent6"/>
     </dgm:linClrLst>
     <dgm:effectClrLst/>
     <dgm:txLinClrLst/>
@@ -2285,7 +2343,11 @@
       </a:schemeClr>
     </dgm:fillClrLst>
     <dgm:linClrLst meth="repeat">
-      <a:schemeClr val="accent1"/>
+      <a:schemeClr val="accent2"/>
+      <a:schemeClr val="accent3"/>
+      <a:schemeClr val="accent4"/>
+      <a:schemeClr val="accent5"/>
+      <a:schemeClr val="accent6"/>
     </dgm:linClrLst>
     <dgm:effectClrLst/>
     <dgm:txLinClrLst/>
@@ -2317,7 +2379,11 @@
       </a:schemeClr>
     </dgm:fillClrLst>
     <dgm:linClrLst meth="repeat">
-      <a:schemeClr val="accent1"/>
+      <a:schemeClr val="accent2"/>
+      <a:schemeClr val="accent3"/>
+      <a:schemeClr val="accent4"/>
+      <a:schemeClr val="accent5"/>
+      <a:schemeClr val="accent6"/>
     </dgm:linClrLst>
     <dgm:effectClrLst/>
     <dgm:txLinClrLst/>
@@ -2331,7 +2397,11 @@
       <a:schemeClr val="lt1"/>
     </dgm:fillClrLst>
     <dgm:linClrLst meth="repeat">
-      <a:schemeClr val="accent1"/>
+      <a:schemeClr val="accent2"/>
+      <a:schemeClr val="accent3"/>
+      <a:schemeClr val="accent4"/>
+      <a:schemeClr val="accent5"/>
+      <a:schemeClr val="accent6"/>
     </dgm:linClrLst>
     <dgm:effectClrLst/>
     <dgm:txLinClrLst/>
@@ -2345,7 +2415,11 @@
       <a:schemeClr val="lt1"/>
     </dgm:fillClrLst>
     <dgm:linClrLst meth="repeat">
-      <a:schemeClr val="accent1"/>
+      <a:schemeClr val="accent2"/>
+      <a:schemeClr val="accent3"/>
+      <a:schemeClr val="accent4"/>
+      <a:schemeClr val="accent5"/>
+      <a:schemeClr val="accent6"/>
     </dgm:linClrLst>
     <dgm:effectClrLst/>
     <dgm:txLinClrLst/>
@@ -2359,7 +2433,11 @@
       <a:schemeClr val="lt1"/>
     </dgm:fillClrLst>
     <dgm:linClrLst meth="repeat">
-      <a:schemeClr val="accent1"/>
+      <a:schemeClr val="accent2"/>
+      <a:schemeClr val="accent3"/>
+      <a:schemeClr val="accent4"/>
+      <a:schemeClr val="accent5"/>
+      <a:schemeClr val="accent6"/>
     </dgm:linClrLst>
     <dgm:effectClrLst/>
     <dgm:txLinClrLst/>
@@ -2370,15 +2448,47 @@
   </dgm:styleLbl>
   <dgm:styleLbl name="fgAccFollowNode1">
     <dgm:fillClrLst meth="repeat">
-      <a:schemeClr val="accent1">
+      <a:schemeClr val="accent2">
+        <a:tint val="40000"/>
         <a:alpha val="90000"/>
+      </a:schemeClr>
+      <a:schemeClr val="accent3">
         <a:tint val="40000"/>
+        <a:alpha val="90000"/>
+      </a:schemeClr>
+      <a:schemeClr val="accent4">
+        <a:tint val="40000"/>
+        <a:alpha val="90000"/>
+      </a:schemeClr>
+      <a:schemeClr val="accent5">
+        <a:tint val="40000"/>
+        <a:alpha val="90000"/>
+      </a:schemeClr>
+      <a:schemeClr val="accent6">
+        <a:tint val="40000"/>
+        <a:alpha val="90000"/>
       </a:schemeClr>
     </dgm:fillClrLst>
     <dgm:linClrLst meth="repeat">
-      <a:schemeClr val="accent1">
+      <a:schemeClr val="accent2">
+        <a:tint val="40000"/>
         <a:alpha val="90000"/>
+      </a:schemeClr>
+      <a:schemeClr val="accent3">
         <a:tint val="40000"/>
+        <a:alpha val="90000"/>
+      </a:schemeClr>
+      <a:schemeClr val="accent4">
+        <a:tint val="40000"/>
+        <a:alpha val="90000"/>
+      </a:schemeClr>
+      <a:schemeClr val="accent5">
+        <a:tint val="40000"/>
+        <a:alpha val="90000"/>
+      </a:schemeClr>
+      <a:schemeClr val="accent6">
+        <a:tint val="40000"/>
+        <a:alpha val="90000"/>
       </a:schemeClr>
     </dgm:linClrLst>
     <dgm:effectClrLst/>
@@ -2390,15 +2500,47 @@
   </dgm:styleLbl>
   <dgm:styleLbl name="alignAccFollowNode1">
     <dgm:fillClrLst meth="repeat">
-      <a:schemeClr val="accent1">
+      <a:schemeClr val="accent2">
+        <a:tint val="40000"/>
         <a:alpha val="90000"/>
+      </a:schemeClr>
+      <a:schemeClr val="accent3">
         <a:tint val="40000"/>
+        <a:alpha val="90000"/>
+      </a:schemeClr>
+      <a:schemeClr val="accent4">
+        <a:tint val="40000"/>
+        <a:alpha val="90000"/>
+      </a:schemeClr>
+      <a:schemeClr val="accent5">
+        <a:tint val="40000"/>
+        <a:alpha val="90000"/>
+      </a:schemeClr>
+      <a:schemeClr val="accent6">
+        <a:tint val="40000"/>
+        <a:alpha val="90000"/>
       </a:schemeClr>
     </dgm:fillClrLst>
     <dgm:linClrLst meth="repeat">
-      <a:schemeClr val="accent1">
+      <a:schemeClr val="accent2">
+        <a:tint val="40000"/>
         <a:alpha val="90000"/>
+      </a:schemeClr>
+      <a:schemeClr val="accent3">
         <a:tint val="40000"/>
+        <a:alpha val="90000"/>
+      </a:schemeClr>
+      <a:schemeClr val="accent4">
+        <a:tint val="40000"/>
+        <a:alpha val="90000"/>
+      </a:schemeClr>
+      <a:schemeClr val="accent5">
+        <a:tint val="40000"/>
+        <a:alpha val="90000"/>
+      </a:schemeClr>
+      <a:schemeClr val="accent6">
+        <a:tint val="40000"/>
+        <a:alpha val="90000"/>
       </a:schemeClr>
     </dgm:linClrLst>
     <dgm:effectClrLst/>
@@ -2410,15 +2552,47 @@
   </dgm:styleLbl>
   <dgm:styleLbl name="bgAccFollowNode1">
     <dgm:fillClrLst meth="repeat">
-      <a:schemeClr val="accent1">
+      <a:schemeClr val="accent2">
+        <a:tint val="40000"/>
         <a:alpha val="90000"/>
+      </a:schemeClr>
+      <a:schemeClr val="accent3">
         <a:tint val="40000"/>
+        <a:alpha val="90000"/>
+      </a:schemeClr>
+      <a:schemeClr val="accent4">
+        <a:tint val="40000"/>
+        <a:alpha val="90000"/>
+      </a:schemeClr>
+      <a:schemeClr val="accent5">
+        <a:tint val="40000"/>
+        <a:alpha val="90000"/>
+      </a:schemeClr>
+      <a:schemeClr val="accent6">
+        <a:tint val="40000"/>
+        <a:alpha val="90000"/>
       </a:schemeClr>
     </dgm:fillClrLst>
     <dgm:linClrLst meth="repeat">
-      <a:schemeClr val="accent1">
+      <a:schemeClr val="accent2">
+        <a:tint val="40000"/>
         <a:alpha val="90000"/>
+      </a:schemeClr>
+      <a:schemeClr val="accent3">
         <a:tint val="40000"/>
+        <a:alpha val="90000"/>
+      </a:schemeClr>
+      <a:schemeClr val="accent4">
+        <a:tint val="40000"/>
+        <a:alpha val="90000"/>
+      </a:schemeClr>
+      <a:schemeClr val="accent5">
+        <a:tint val="40000"/>
+        <a:alpha val="90000"/>
+      </a:schemeClr>
+      <a:schemeClr val="accent6">
+        <a:tint val="40000"/>
+        <a:alpha val="90000"/>
       </a:schemeClr>
     </dgm:linClrLst>
     <dgm:effectClrLst/>
@@ -2434,7 +2608,7 @@
         <a:alpha val="90000"/>
       </a:schemeClr>
     </dgm:fillClrLst>
-    <dgm:linClrLst meth="repeat">
+    <dgm:linClrLst>
       <a:schemeClr val="accent1"/>
     </dgm:linClrLst>
     <dgm:effectClrLst/>
@@ -2450,8 +2624,8 @@
         <a:alpha val="90000"/>
       </a:schemeClr>
     </dgm:fillClrLst>
-    <dgm:linClrLst meth="repeat">
-      <a:schemeClr val="accent1"/>
+    <dgm:linClrLst>
+      <a:schemeClr val="accent2"/>
     </dgm:linClrLst>
     <dgm:effectClrLst/>
     <dgm:txLinClrLst/>
@@ -2466,8 +2640,8 @@
         <a:alpha val="90000"/>
       </a:schemeClr>
     </dgm:fillClrLst>
-    <dgm:linClrLst meth="repeat">
-      <a:schemeClr val="accent1"/>
+    <dgm:linClrLst>
+      <a:schemeClr val="accent3"/>
     </dgm:linClrLst>
     <dgm:effectClrLst/>
     <dgm:txLinClrLst/>
@@ -2482,8 +2656,8 @@
         <a:alpha val="90000"/>
       </a:schemeClr>
     </dgm:fillClrLst>
-    <dgm:linClrLst meth="repeat">
-      <a:schemeClr val="accent1"/>
+    <dgm:linClrLst>
+      <a:schemeClr val="accent4"/>
     </dgm:linClrLst>
     <dgm:effectClrLst/>
     <dgm:txLinClrLst/>
@@ -2494,12 +2668,12 @@
   </dgm:styleLbl>
   <dgm:styleLbl name="bgShp">
     <dgm:fillClrLst meth="repeat">
-      <a:schemeClr val="accent1">
+      <a:schemeClr val="accent2">
         <a:tint val="40000"/>
       </a:schemeClr>
     </dgm:fillClrLst>
     <dgm:linClrLst meth="repeat">
-      <a:schemeClr val="accent1"/>
+      <a:schemeClr val="dk1"/>
     </dgm:linClrLst>
     <dgm:effectClrLst/>
     <dgm:txLinClrLst/>
@@ -2510,12 +2684,12 @@
   </dgm:styleLbl>
   <dgm:styleLbl name="dkBgShp">
     <dgm:fillClrLst meth="repeat">
-      <a:schemeClr val="accent1">
-        <a:shade val="80000"/>
+      <a:schemeClr val="accent2">
+        <a:shade val="90000"/>
       </a:schemeClr>
     </dgm:fillClrLst>
     <dgm:linClrLst meth="repeat">
-      <a:schemeClr val="accent1"/>
+      <a:schemeClr val="dk1"/>
     </dgm:linClrLst>
     <dgm:effectClrLst/>
     <dgm:txLinClrLst/>
@@ -2532,7 +2706,7 @@
       </a:schemeClr>
     </dgm:fillClrLst>
     <dgm:linClrLst meth="repeat">
-      <a:schemeClr val="accent1"/>
+      <a:schemeClr val="accent2"/>
     </dgm:linClrLst>
     <dgm:effectClrLst/>
     <dgm:txLinClrLst/>
@@ -2543,8 +2717,8 @@
   </dgm:styleLbl>
   <dgm:styleLbl name="fgShp">
     <dgm:fillClrLst meth="repeat">
-      <a:schemeClr val="accent1">
-        <a:tint val="60000"/>
+      <a:schemeClr val="accent2">
+        <a:tint val="40000"/>
       </a:schemeClr>
     </dgm:fillClrLst>
     <dgm:linClrLst meth="repeat">
@@ -3224,8 +3398,8 @@
 <file path=ppt/diagrams/data3.xml><?xml version="1.0" encoding="utf-8"?>
 <dgm:dataModel xmlns:dgm="http://schemas.openxmlformats.org/drawingml/2006/diagram" xmlns:a="http://schemas.openxmlformats.org/drawingml/2006/main">
   <dgm:ptLst>
-    <dgm:pt modelId="{C9894C45-68E6-4B55-A3BE-9435687569D6}" type="doc">
-      <dgm:prSet loTypeId="urn:microsoft.com/office/officeart/2005/8/layout/radial6" loCatId="relationship" qsTypeId="urn:microsoft.com/office/officeart/2005/8/quickstyle/simple1" qsCatId="simple" csTypeId="urn:microsoft.com/office/officeart/2005/8/colors/accent1_2" csCatId="accent1" phldr="1"/>
+    <dgm:pt modelId="{C2AE6A7E-DDB2-42E4-8F87-25AD298B86A6}" type="doc">
+      <dgm:prSet loTypeId="urn:microsoft.com/office/officeart/2005/8/layout/radial5" loCatId="cycle" qsTypeId="urn:microsoft.com/office/officeart/2005/8/quickstyle/3d2" qsCatId="3D" csTypeId="urn:microsoft.com/office/officeart/2005/8/colors/colorful1" csCatId="colorful" phldr="1"/>
       <dgm:spPr/>
       <dgm:t>
         <a:bodyPr/>
@@ -3235,7 +3409,7 @@
         </a:p>
       </dgm:t>
     </dgm:pt>
-    <dgm:pt modelId="{A5E57BB5-E794-45BF-9F01-14492737A56F}">
+    <dgm:pt modelId="{2906C3BF-6F9A-4B5F-8339-888BDA874B48}">
       <dgm:prSet phldrT="[Text]"/>
       <dgm:spPr/>
       <dgm:t>
@@ -3244,13 +3418,13 @@
         <a:p>
           <a:r>
             <a:rPr lang="en-US" dirty="0" smtClean="0"/>
-            <a:t>Sprint</a:t>
+            <a:t>SPRINT GOAL</a:t>
           </a:r>
           <a:endParaRPr lang="en-US" dirty="0"/>
         </a:p>
       </dgm:t>
     </dgm:pt>
-    <dgm:pt modelId="{43499E64-0E21-466F-B8E8-D5B053E0C5A5}" type="parTrans" cxnId="{6FE65DA7-9194-4D13-9F2F-9BC07630AB25}">
+    <dgm:pt modelId="{4DE0284D-D802-436A-8334-6216BC78795E}" type="parTrans" cxnId="{3C90BEB3-6E18-4052-BE13-73CAB8DC53D7}">
       <dgm:prSet/>
       <dgm:spPr/>
       <dgm:t>
@@ -3261,7 +3435,7 @@
         </a:p>
       </dgm:t>
     </dgm:pt>
-    <dgm:pt modelId="{9D4C0153-40CE-40E0-9145-705A52F8B672}" type="sibTrans" cxnId="{6FE65DA7-9194-4D13-9F2F-9BC07630AB25}">
+    <dgm:pt modelId="{1BF508A4-2D3B-4E60-9E08-F049B6E7F30D}" type="sibTrans" cxnId="{3C90BEB3-6E18-4052-BE13-73CAB8DC53D7}">
       <dgm:prSet/>
       <dgm:spPr/>
       <dgm:t>
@@ -3272,7 +3446,7 @@
         </a:p>
       </dgm:t>
     </dgm:pt>
-    <dgm:pt modelId="{1F6B6CFD-EFBB-4714-82D9-7CFFFEE7257B}">
+    <dgm:pt modelId="{E4A666F4-A7AB-4866-98BE-C82863555080}">
       <dgm:prSet phldrT="[Text]"/>
       <dgm:spPr/>
       <dgm:t>
@@ -3281,13 +3455,13 @@
         <a:p>
           <a:r>
             <a:rPr lang="en-US" dirty="0" smtClean="0"/>
-            <a:t>Sprint planning</a:t>
+            <a:t>Purpose</a:t>
           </a:r>
           <a:endParaRPr lang="en-US" dirty="0"/>
         </a:p>
       </dgm:t>
     </dgm:pt>
-    <dgm:pt modelId="{C43E8354-3179-4E78-AD4A-0ACE24F0F07E}" type="parTrans" cxnId="{8C17CD7E-4DFD-4146-897A-7AAC3794110C}">
+    <dgm:pt modelId="{5F81D702-4A94-4CBD-929B-B648D0FB6B1E}" type="parTrans" cxnId="{6A6A8193-8403-474B-9AB7-C945ACA26C0D}">
       <dgm:prSet/>
       <dgm:spPr/>
       <dgm:t>
@@ -3298,7 +3472,7 @@
         </a:p>
       </dgm:t>
     </dgm:pt>
-    <dgm:pt modelId="{DCCF3472-C0DF-4BE6-A8C2-D586CA18128F}" type="sibTrans" cxnId="{8C17CD7E-4DFD-4146-897A-7AAC3794110C}">
+    <dgm:pt modelId="{63901D05-5C69-40DE-A07F-5DE3814878B5}" type="sibTrans" cxnId="{6A6A8193-8403-474B-9AB7-C945ACA26C0D}">
       <dgm:prSet/>
       <dgm:spPr/>
       <dgm:t>
@@ -3309,7 +3483,7 @@
         </a:p>
       </dgm:t>
     </dgm:pt>
-    <dgm:pt modelId="{CD229C54-D421-4611-B36E-A91EE458B629}">
+    <dgm:pt modelId="{205AE0A2-9897-4C27-A2F6-260A46FBA412}">
       <dgm:prSet phldrT="[Text]"/>
       <dgm:spPr/>
       <dgm:t>
@@ -3318,13 +3492,13 @@
         <a:p>
           <a:r>
             <a:rPr lang="en-US" dirty="0" smtClean="0"/>
-            <a:t>Daily Scrum</a:t>
+            <a:t>Vague</a:t>
           </a:r>
           <a:endParaRPr lang="en-US" dirty="0"/>
         </a:p>
       </dgm:t>
     </dgm:pt>
-    <dgm:pt modelId="{69CD97D8-2595-4D81-85BE-6A8AD91DC63D}" type="parTrans" cxnId="{AC84BC85-D5A9-4694-8DD8-3EDEE8663EA9}">
+    <dgm:pt modelId="{61EA4756-F6AD-4786-9B3C-C9ECECF8E3DF}" type="parTrans" cxnId="{55EE1BCB-5747-4947-85E8-503730BAC4B9}">
       <dgm:prSet/>
       <dgm:spPr/>
       <dgm:t>
@@ -3335,7 +3509,7 @@
         </a:p>
       </dgm:t>
     </dgm:pt>
-    <dgm:pt modelId="{73F28F24-C07F-4229-A62F-FDA9B1D25186}" type="sibTrans" cxnId="{AC84BC85-D5A9-4694-8DD8-3EDEE8663EA9}">
+    <dgm:pt modelId="{D24DD919-DA7D-47EE-89E1-2FE454B91E8C}" type="sibTrans" cxnId="{55EE1BCB-5747-4947-85E8-503730BAC4B9}">
       <dgm:prSet/>
       <dgm:spPr/>
       <dgm:t>
@@ -3346,7 +3520,7 @@
         </a:p>
       </dgm:t>
     </dgm:pt>
-    <dgm:pt modelId="{B0B39B76-96E5-4735-80CE-D1FB930F2A59}">
+    <dgm:pt modelId="{69C4C55F-23A6-4039-A2AA-31DF9A9C524E}">
       <dgm:prSet phldrT="[Text]"/>
       <dgm:spPr/>
       <dgm:t>
@@ -3355,13 +3529,13 @@
         <a:p>
           <a:r>
             <a:rPr lang="en-US" dirty="0" smtClean="0"/>
-            <a:t>Sprint Review</a:t>
+            <a:t>Big</a:t>
           </a:r>
           <a:endParaRPr lang="en-US" dirty="0"/>
         </a:p>
       </dgm:t>
     </dgm:pt>
-    <dgm:pt modelId="{3CF83408-F99C-4D3B-8E58-C98124FC78C4}" type="parTrans" cxnId="{CCABD692-18F0-460E-93D7-D27F7D927292}">
+    <dgm:pt modelId="{CA7EC84B-5B0A-45CC-A5C9-39F2B5E93579}" type="parTrans" cxnId="{CE851A49-BABE-488F-ABCA-0B3C286CAA62}">
       <dgm:prSet/>
       <dgm:spPr/>
       <dgm:t>
@@ -3372,7 +3546,7 @@
         </a:p>
       </dgm:t>
     </dgm:pt>
-    <dgm:pt modelId="{B8181071-C201-4A80-BC75-115C59FBD473}" type="sibTrans" cxnId="{CCABD692-18F0-460E-93D7-D27F7D927292}">
+    <dgm:pt modelId="{C76CA715-87A0-4C42-823F-3B37B093386A}" type="sibTrans" cxnId="{CE851A49-BABE-488F-ABCA-0B3C286CAA62}">
       <dgm:prSet/>
       <dgm:spPr/>
       <dgm:t>
@@ -3383,22 +3557,18 @@
         </a:p>
       </dgm:t>
     </dgm:pt>
-    <dgm:pt modelId="{BAA6DC9E-3EAC-42CA-9905-32B00E227400}">
+    <dgm:pt modelId="{307CDDE8-EBAA-4134-A4B3-00E3383FEE54}">
       <dgm:prSet phldrT="[Text]"/>
       <dgm:spPr/>
       <dgm:t>
         <a:bodyPr/>
         <a:lstStyle/>
         <a:p>
-          <a:r>
-            <a:rPr lang="en-US" smtClean="0"/>
-            <a:t>Sprint Retrospective</a:t>
-          </a:r>
           <a:endParaRPr lang="en-US"/>
         </a:p>
       </dgm:t>
     </dgm:pt>
-    <dgm:pt modelId="{5E328C9A-638B-488A-B002-48C8CB303A25}" type="parTrans" cxnId="{D085FAFD-96C9-459A-B61F-D6422AB165A2}">
+    <dgm:pt modelId="{D9645034-F50F-461B-AEF6-12EE04367D32}" type="parTrans" cxnId="{C22A2B74-DB9A-4381-A4A1-759AF4225FA4}">
       <dgm:prSet/>
       <dgm:spPr/>
       <dgm:t>
@@ -3409,7 +3579,7 @@
         </a:p>
       </dgm:t>
     </dgm:pt>
-    <dgm:pt modelId="{537264B3-BABC-4DC4-9C97-7A856CC12C62}" type="sibTrans" cxnId="{D085FAFD-96C9-459A-B61F-D6422AB165A2}">
+    <dgm:pt modelId="{B62DE5F1-A84F-4A86-81D4-4D2F822B3243}" type="sibTrans" cxnId="{C22A2B74-DB9A-4381-A4A1-759AF4225FA4}">
       <dgm:prSet/>
       <dgm:spPr/>
       <dgm:t>
@@ -3420,8 +3590,8 @@
         </a:p>
       </dgm:t>
     </dgm:pt>
-    <dgm:pt modelId="{C5206839-B907-420F-9D0A-EA5DD4CB27F0}" type="pres">
-      <dgm:prSet presAssocID="{C9894C45-68E6-4B55-A3BE-9435687569D6}" presName="Name0" presStyleCnt="0">
+    <dgm:pt modelId="{EF373E0F-DCB9-4125-B7C9-B0D433F1A600}" type="pres">
+      <dgm:prSet presAssocID="{C2AE6A7E-DDB2-42E4-8F87-25AD298B86A6}" presName="Name0" presStyleCnt="0">
         <dgm:presLayoutVars>
           <dgm:chMax val="1"/>
           <dgm:dir/>
@@ -3431,110 +3601,99 @@
       </dgm:prSet>
       <dgm:spPr/>
     </dgm:pt>
-    <dgm:pt modelId="{F472FE6F-185B-4429-B3B7-B3DAE5E0F6B0}" type="pres">
-      <dgm:prSet presAssocID="{A5E57BB5-E794-45BF-9F01-14492737A56F}" presName="centerShape" presStyleLbl="node0" presStyleIdx="0" presStyleCnt="1"/>
+    <dgm:pt modelId="{A22305C3-E7A5-426C-A4E4-F63814C38729}" type="pres">
+      <dgm:prSet presAssocID="{2906C3BF-6F9A-4B5F-8339-888BDA874B48}" presName="centerShape" presStyleLbl="node0" presStyleIdx="0" presStyleCnt="1"/>
       <dgm:spPr/>
     </dgm:pt>
-    <dgm:pt modelId="{A197B505-77F4-4F1A-9D8B-990B64B33013}" type="pres">
-      <dgm:prSet presAssocID="{1F6B6CFD-EFBB-4714-82D9-7CFFFEE7257B}" presName="node" presStyleLbl="node1" presStyleIdx="0" presStyleCnt="4">
+    <dgm:pt modelId="{1A5317DD-FFFD-4236-BB31-4466225F2260}" type="pres">
+      <dgm:prSet presAssocID="{5F81D702-4A94-4CBD-929B-B648D0FB6B1E}" presName="parTrans" presStyleLbl="sibTrans2D1" presStyleIdx="0" presStyleCnt="3"/>
+      <dgm:spPr/>
+    </dgm:pt>
+    <dgm:pt modelId="{A8BC4A6C-8CB3-48F5-B92B-1BD34ACA4167}" type="pres">
+      <dgm:prSet presAssocID="{5F81D702-4A94-4CBD-929B-B648D0FB6B1E}" presName="connectorText" presStyleLbl="sibTrans2D1" presStyleIdx="0" presStyleCnt="3"/>
+      <dgm:spPr/>
+    </dgm:pt>
+    <dgm:pt modelId="{A83CDA18-3FF9-493C-AE94-D33A5D14434F}" type="pres">
+      <dgm:prSet presAssocID="{E4A666F4-A7AB-4866-98BE-C82863555080}" presName="node" presStyleLbl="node1" presStyleIdx="0" presStyleCnt="3">
         <dgm:presLayoutVars>
           <dgm:bulletEnabled val="1"/>
         </dgm:presLayoutVars>
       </dgm:prSet>
       <dgm:spPr/>
     </dgm:pt>
-    <dgm:pt modelId="{FDA6107E-BFE1-4A6D-B139-B3535EDD196B}" type="pres">
-      <dgm:prSet presAssocID="{1F6B6CFD-EFBB-4714-82D9-7CFFFEE7257B}" presName="dummy" presStyleCnt="0"/>
+    <dgm:pt modelId="{D7F12B09-241E-4645-9C63-0167A9E20654}" type="pres">
+      <dgm:prSet presAssocID="{61EA4756-F6AD-4786-9B3C-C9ECECF8E3DF}" presName="parTrans" presStyleLbl="sibTrans2D1" presStyleIdx="1" presStyleCnt="3"/>
       <dgm:spPr/>
     </dgm:pt>
-    <dgm:pt modelId="{C04A6F3A-162B-4768-9EAA-3FF24EAD5A15}" type="pres">
-      <dgm:prSet presAssocID="{DCCF3472-C0DF-4BE6-A8C2-D586CA18128F}" presName="sibTrans" presStyleLbl="sibTrans2D1" presStyleIdx="0" presStyleCnt="4"/>
+    <dgm:pt modelId="{3FCADFE1-232C-455C-B7D1-0AD251ED2EBA}" type="pres">
+      <dgm:prSet presAssocID="{61EA4756-F6AD-4786-9B3C-C9ECECF8E3DF}" presName="connectorText" presStyleLbl="sibTrans2D1" presStyleIdx="1" presStyleCnt="3"/>
       <dgm:spPr/>
     </dgm:pt>
-    <dgm:pt modelId="{1A3B08B4-44D6-470C-AB37-AAD22EF3B0AA}" type="pres">
-      <dgm:prSet presAssocID="{CD229C54-D421-4611-B36E-A91EE458B629}" presName="node" presStyleLbl="node1" presStyleIdx="1" presStyleCnt="4">
+    <dgm:pt modelId="{77A6A6FF-AE70-4884-9C48-0927A731410B}" type="pres">
+      <dgm:prSet presAssocID="{205AE0A2-9897-4C27-A2F6-260A46FBA412}" presName="node" presStyleLbl="node1" presStyleIdx="1" presStyleCnt="3">
+        <dgm:presLayoutVars>
+          <dgm:bulletEnabled val="1"/>
+        </dgm:presLayoutVars>
+      </dgm:prSet>
+      <dgm:spPr/>
+      <dgm:t>
+        <a:bodyPr/>
+        <a:lstStyle/>
+        <a:p>
+          <a:endParaRPr lang="en-US"/>
+        </a:p>
+      </dgm:t>
+    </dgm:pt>
+    <dgm:pt modelId="{B9E3A3DE-A54C-4C5E-9FB7-68BF97238880}" type="pres">
+      <dgm:prSet presAssocID="{CA7EC84B-5B0A-45CC-A5C9-39F2B5E93579}" presName="parTrans" presStyleLbl="sibTrans2D1" presStyleIdx="2" presStyleCnt="3"/>
+      <dgm:spPr/>
+    </dgm:pt>
+    <dgm:pt modelId="{C63B5964-0A23-48CF-9EEA-C009309CFDBE}" type="pres">
+      <dgm:prSet presAssocID="{CA7EC84B-5B0A-45CC-A5C9-39F2B5E93579}" presName="connectorText" presStyleLbl="sibTrans2D1" presStyleIdx="2" presStyleCnt="3"/>
+      <dgm:spPr/>
+    </dgm:pt>
+    <dgm:pt modelId="{9AD0B442-3710-4DF6-A7AB-E72AE33BDAAA}" type="pres">
+      <dgm:prSet presAssocID="{69C4C55F-23A6-4039-A2AA-31DF9A9C524E}" presName="node" presStyleLbl="node1" presStyleIdx="2" presStyleCnt="3">
         <dgm:presLayoutVars>
           <dgm:bulletEnabled val="1"/>
         </dgm:presLayoutVars>
       </dgm:prSet>
       <dgm:spPr/>
     </dgm:pt>
-    <dgm:pt modelId="{9E551182-88F3-4E13-8983-91F45EA5EFE6}" type="pres">
-      <dgm:prSet presAssocID="{CD229C54-D421-4611-B36E-A91EE458B629}" presName="dummy" presStyleCnt="0"/>
-      <dgm:spPr/>
-    </dgm:pt>
-    <dgm:pt modelId="{FFC32EED-B33C-4201-BE25-F107F7F1E3D2}" type="pres">
-      <dgm:prSet presAssocID="{73F28F24-C07F-4229-A62F-FDA9B1D25186}" presName="sibTrans" presStyleLbl="sibTrans2D1" presStyleIdx="1" presStyleCnt="4"/>
-      <dgm:spPr/>
-    </dgm:pt>
-    <dgm:pt modelId="{E4416D70-CC56-49A1-BA03-1AFFA748D8EC}" type="pres">
-      <dgm:prSet presAssocID="{B0B39B76-96E5-4735-80CE-D1FB930F2A59}" presName="node" presStyleLbl="node1" presStyleIdx="2" presStyleCnt="4">
-        <dgm:presLayoutVars>
-          <dgm:bulletEnabled val="1"/>
-        </dgm:presLayoutVars>
-      </dgm:prSet>
-      <dgm:spPr/>
-    </dgm:pt>
-    <dgm:pt modelId="{A239AAA4-9347-463F-B4D6-50396706DD49}" type="pres">
-      <dgm:prSet presAssocID="{B0B39B76-96E5-4735-80CE-D1FB930F2A59}" presName="dummy" presStyleCnt="0"/>
-      <dgm:spPr/>
-    </dgm:pt>
-    <dgm:pt modelId="{C59004D0-9807-4F41-9E96-A3EDD7B1F70B}" type="pres">
-      <dgm:prSet presAssocID="{B8181071-C201-4A80-BC75-115C59FBD473}" presName="sibTrans" presStyleLbl="sibTrans2D1" presStyleIdx="2" presStyleCnt="4"/>
-      <dgm:spPr/>
-    </dgm:pt>
-    <dgm:pt modelId="{EAEEA177-B6B8-446B-AC1D-804849072D99}" type="pres">
-      <dgm:prSet presAssocID="{BAA6DC9E-3EAC-42CA-9905-32B00E227400}" presName="node" presStyleLbl="node1" presStyleIdx="3" presStyleCnt="4">
-        <dgm:presLayoutVars>
-          <dgm:bulletEnabled val="1"/>
-        </dgm:presLayoutVars>
-      </dgm:prSet>
-      <dgm:spPr/>
-    </dgm:pt>
-    <dgm:pt modelId="{C001A450-6C2F-4DE7-A000-107F15269326}" type="pres">
-      <dgm:prSet presAssocID="{BAA6DC9E-3EAC-42CA-9905-32B00E227400}" presName="dummy" presStyleCnt="0"/>
-      <dgm:spPr/>
-    </dgm:pt>
-    <dgm:pt modelId="{C6525989-8E7E-4DD1-AE90-F2ECBDBE69BA}" type="pres">
-      <dgm:prSet presAssocID="{537264B3-BABC-4DC4-9C97-7A856CC12C62}" presName="sibTrans" presStyleLbl="sibTrans2D1" presStyleIdx="3" presStyleCnt="4"/>
-      <dgm:spPr/>
-    </dgm:pt>
   </dgm:ptLst>
   <dgm:cxnLst>
-    <dgm:cxn modelId="{F1345C8E-D93F-4E64-B07E-F3DAE09010C6}" type="presOf" srcId="{CD229C54-D421-4611-B36E-A91EE458B629}" destId="{1A3B08B4-44D6-470C-AB37-AAD22EF3B0AA}" srcOrd="0" destOrd="0" presId="urn:microsoft.com/office/officeart/2005/8/layout/radial6"/>
-    <dgm:cxn modelId="{DBABC9BF-7DBF-46F0-A40B-BF1682627082}" type="presOf" srcId="{73F28F24-C07F-4229-A62F-FDA9B1D25186}" destId="{FFC32EED-B33C-4201-BE25-F107F7F1E3D2}" srcOrd="0" destOrd="0" presId="urn:microsoft.com/office/officeart/2005/8/layout/radial6"/>
-    <dgm:cxn modelId="{6FE65DA7-9194-4D13-9F2F-9BC07630AB25}" srcId="{C9894C45-68E6-4B55-A3BE-9435687569D6}" destId="{A5E57BB5-E794-45BF-9F01-14492737A56F}" srcOrd="0" destOrd="0" parTransId="{43499E64-0E21-466F-B8E8-D5B053E0C5A5}" sibTransId="{9D4C0153-40CE-40E0-9145-705A52F8B672}"/>
-    <dgm:cxn modelId="{CCABD692-18F0-460E-93D7-D27F7D927292}" srcId="{A5E57BB5-E794-45BF-9F01-14492737A56F}" destId="{B0B39B76-96E5-4735-80CE-D1FB930F2A59}" srcOrd="2" destOrd="0" parTransId="{3CF83408-F99C-4D3B-8E58-C98124FC78C4}" sibTransId="{B8181071-C201-4A80-BC75-115C59FBD473}"/>
-    <dgm:cxn modelId="{6196439C-D588-4689-866D-E8B4E095C499}" type="presOf" srcId="{537264B3-BABC-4DC4-9C97-7A856CC12C62}" destId="{C6525989-8E7E-4DD1-AE90-F2ECBDBE69BA}" srcOrd="0" destOrd="0" presId="urn:microsoft.com/office/officeart/2005/8/layout/radial6"/>
-    <dgm:cxn modelId="{E6751918-2E3A-4287-8DD0-728149D11BAD}" type="presOf" srcId="{DCCF3472-C0DF-4BE6-A8C2-D586CA18128F}" destId="{C04A6F3A-162B-4768-9EAA-3FF24EAD5A15}" srcOrd="0" destOrd="0" presId="urn:microsoft.com/office/officeart/2005/8/layout/radial6"/>
-    <dgm:cxn modelId="{8C17CD7E-4DFD-4146-897A-7AAC3794110C}" srcId="{A5E57BB5-E794-45BF-9F01-14492737A56F}" destId="{1F6B6CFD-EFBB-4714-82D9-7CFFFEE7257B}" srcOrd="0" destOrd="0" parTransId="{C43E8354-3179-4E78-AD4A-0ACE24F0F07E}" sibTransId="{DCCF3472-C0DF-4BE6-A8C2-D586CA18128F}"/>
-    <dgm:cxn modelId="{E61C0CE4-4CC1-4AD0-AC2D-F66A75817AE0}" type="presOf" srcId="{B0B39B76-96E5-4735-80CE-D1FB930F2A59}" destId="{E4416D70-CC56-49A1-BA03-1AFFA748D8EC}" srcOrd="0" destOrd="0" presId="urn:microsoft.com/office/officeart/2005/8/layout/radial6"/>
-    <dgm:cxn modelId="{AC84BC85-D5A9-4694-8DD8-3EDEE8663EA9}" srcId="{A5E57BB5-E794-45BF-9F01-14492737A56F}" destId="{CD229C54-D421-4611-B36E-A91EE458B629}" srcOrd="1" destOrd="0" parTransId="{69CD97D8-2595-4D81-85BE-6A8AD91DC63D}" sibTransId="{73F28F24-C07F-4229-A62F-FDA9B1D25186}"/>
-    <dgm:cxn modelId="{26C4EDC6-8550-4990-9C0D-E80F061766D5}" type="presOf" srcId="{A5E57BB5-E794-45BF-9F01-14492737A56F}" destId="{F472FE6F-185B-4429-B3B7-B3DAE5E0F6B0}" srcOrd="0" destOrd="0" presId="urn:microsoft.com/office/officeart/2005/8/layout/radial6"/>
-    <dgm:cxn modelId="{C7C3FE6B-A356-466D-B3D6-0A681F32FC38}" type="presOf" srcId="{1F6B6CFD-EFBB-4714-82D9-7CFFFEE7257B}" destId="{A197B505-77F4-4F1A-9D8B-990B64B33013}" srcOrd="0" destOrd="0" presId="urn:microsoft.com/office/officeart/2005/8/layout/radial6"/>
-    <dgm:cxn modelId="{EA5B1BDF-248C-49F2-976B-9612BB30E1B2}" type="presOf" srcId="{B8181071-C201-4A80-BC75-115C59FBD473}" destId="{C59004D0-9807-4F41-9E96-A3EDD7B1F70B}" srcOrd="0" destOrd="0" presId="urn:microsoft.com/office/officeart/2005/8/layout/radial6"/>
-    <dgm:cxn modelId="{B5A4FF5C-D7D9-4DBD-9589-455827B465BB}" type="presOf" srcId="{C9894C45-68E6-4B55-A3BE-9435687569D6}" destId="{C5206839-B907-420F-9D0A-EA5DD4CB27F0}" srcOrd="0" destOrd="0" presId="urn:microsoft.com/office/officeart/2005/8/layout/radial6"/>
-    <dgm:cxn modelId="{7E586B5C-EB1B-4F03-A2D7-ABCF4A547C47}" type="presOf" srcId="{BAA6DC9E-3EAC-42CA-9905-32B00E227400}" destId="{EAEEA177-B6B8-446B-AC1D-804849072D99}" srcOrd="0" destOrd="0" presId="urn:microsoft.com/office/officeart/2005/8/layout/radial6"/>
-    <dgm:cxn modelId="{D085FAFD-96C9-459A-B61F-D6422AB165A2}" srcId="{A5E57BB5-E794-45BF-9F01-14492737A56F}" destId="{BAA6DC9E-3EAC-42CA-9905-32B00E227400}" srcOrd="3" destOrd="0" parTransId="{5E328C9A-638B-488A-B002-48C8CB303A25}" sibTransId="{537264B3-BABC-4DC4-9C97-7A856CC12C62}"/>
-    <dgm:cxn modelId="{BB8814E9-7AD1-4452-8DA6-642C8EEA885F}" type="presParOf" srcId="{C5206839-B907-420F-9D0A-EA5DD4CB27F0}" destId="{F472FE6F-185B-4429-B3B7-B3DAE5E0F6B0}" srcOrd="0" destOrd="0" presId="urn:microsoft.com/office/officeart/2005/8/layout/radial6"/>
-    <dgm:cxn modelId="{2E94E755-E633-4F85-A3B4-BD49A69B15DA}" type="presParOf" srcId="{C5206839-B907-420F-9D0A-EA5DD4CB27F0}" destId="{A197B505-77F4-4F1A-9D8B-990B64B33013}" srcOrd="1" destOrd="0" presId="urn:microsoft.com/office/officeart/2005/8/layout/radial6"/>
-    <dgm:cxn modelId="{9C1D71C3-12F3-45EF-AFFA-FF337A209C7B}" type="presParOf" srcId="{C5206839-B907-420F-9D0A-EA5DD4CB27F0}" destId="{FDA6107E-BFE1-4A6D-B139-B3535EDD196B}" srcOrd="2" destOrd="0" presId="urn:microsoft.com/office/officeart/2005/8/layout/radial6"/>
-    <dgm:cxn modelId="{C0EAEC8D-3D05-413D-BA50-95B0CDA09BCF}" type="presParOf" srcId="{C5206839-B907-420F-9D0A-EA5DD4CB27F0}" destId="{C04A6F3A-162B-4768-9EAA-3FF24EAD5A15}" srcOrd="3" destOrd="0" presId="urn:microsoft.com/office/officeart/2005/8/layout/radial6"/>
-    <dgm:cxn modelId="{F0080538-6338-4BA2-97E1-718F52561CB8}" type="presParOf" srcId="{C5206839-B907-420F-9D0A-EA5DD4CB27F0}" destId="{1A3B08B4-44D6-470C-AB37-AAD22EF3B0AA}" srcOrd="4" destOrd="0" presId="urn:microsoft.com/office/officeart/2005/8/layout/radial6"/>
-    <dgm:cxn modelId="{386A06AE-252E-455B-BCCD-8D0C4C5A08E3}" type="presParOf" srcId="{C5206839-B907-420F-9D0A-EA5DD4CB27F0}" destId="{9E551182-88F3-4E13-8983-91F45EA5EFE6}" srcOrd="5" destOrd="0" presId="urn:microsoft.com/office/officeart/2005/8/layout/radial6"/>
-    <dgm:cxn modelId="{3ED8A2F3-26A5-46E0-A55F-CB8D33C68650}" type="presParOf" srcId="{C5206839-B907-420F-9D0A-EA5DD4CB27F0}" destId="{FFC32EED-B33C-4201-BE25-F107F7F1E3D2}" srcOrd="6" destOrd="0" presId="urn:microsoft.com/office/officeart/2005/8/layout/radial6"/>
-    <dgm:cxn modelId="{F85D65DD-8733-4C56-A05B-19F5318450C3}" type="presParOf" srcId="{C5206839-B907-420F-9D0A-EA5DD4CB27F0}" destId="{E4416D70-CC56-49A1-BA03-1AFFA748D8EC}" srcOrd="7" destOrd="0" presId="urn:microsoft.com/office/officeart/2005/8/layout/radial6"/>
-    <dgm:cxn modelId="{E3B97058-9A9A-47AA-A7E3-E2D9508D7F8E}" type="presParOf" srcId="{C5206839-B907-420F-9D0A-EA5DD4CB27F0}" destId="{A239AAA4-9347-463F-B4D6-50396706DD49}" srcOrd="8" destOrd="0" presId="urn:microsoft.com/office/officeart/2005/8/layout/radial6"/>
-    <dgm:cxn modelId="{F07DD017-01B2-4CE9-9B3D-764192D96928}" type="presParOf" srcId="{C5206839-B907-420F-9D0A-EA5DD4CB27F0}" destId="{C59004D0-9807-4F41-9E96-A3EDD7B1F70B}" srcOrd="9" destOrd="0" presId="urn:microsoft.com/office/officeart/2005/8/layout/radial6"/>
-    <dgm:cxn modelId="{4002C212-EE1C-47F7-A002-7370CA6D2AB6}" type="presParOf" srcId="{C5206839-B907-420F-9D0A-EA5DD4CB27F0}" destId="{EAEEA177-B6B8-446B-AC1D-804849072D99}" srcOrd="10" destOrd="0" presId="urn:microsoft.com/office/officeart/2005/8/layout/radial6"/>
-    <dgm:cxn modelId="{D04BD927-740A-44A0-AB39-A58EB604C856}" type="presParOf" srcId="{C5206839-B907-420F-9D0A-EA5DD4CB27F0}" destId="{C001A450-6C2F-4DE7-A000-107F15269326}" srcOrd="11" destOrd="0" presId="urn:microsoft.com/office/officeart/2005/8/layout/radial6"/>
-    <dgm:cxn modelId="{B7B71289-183D-454F-B009-D0F95A943C33}" type="presParOf" srcId="{C5206839-B907-420F-9D0A-EA5DD4CB27F0}" destId="{C6525989-8E7E-4DD1-AE90-F2ECBDBE69BA}" srcOrd="12" destOrd="0" presId="urn:microsoft.com/office/officeart/2005/8/layout/radial6"/>
+    <dgm:cxn modelId="{CAD52949-415D-4A68-B8B7-A8FD8651CAE4}" type="presOf" srcId="{5F81D702-4A94-4CBD-929B-B648D0FB6B1E}" destId="{1A5317DD-FFFD-4236-BB31-4466225F2260}" srcOrd="0" destOrd="0" presId="urn:microsoft.com/office/officeart/2005/8/layout/radial5"/>
+    <dgm:cxn modelId="{B3164CCF-5DFB-4C8E-BFFE-DC0C2A318040}" type="presOf" srcId="{61EA4756-F6AD-4786-9B3C-C9ECECF8E3DF}" destId="{3FCADFE1-232C-455C-B7D1-0AD251ED2EBA}" srcOrd="1" destOrd="0" presId="urn:microsoft.com/office/officeart/2005/8/layout/radial5"/>
+    <dgm:cxn modelId="{2A173FCB-23BB-4DF1-9A8F-2A8B6EAD4DC2}" type="presOf" srcId="{2906C3BF-6F9A-4B5F-8339-888BDA874B48}" destId="{A22305C3-E7A5-426C-A4E4-F63814C38729}" srcOrd="0" destOrd="0" presId="urn:microsoft.com/office/officeart/2005/8/layout/radial5"/>
+    <dgm:cxn modelId="{9DACCE57-5D45-4BED-9771-6EEC81E2C8C7}" type="presOf" srcId="{205AE0A2-9897-4C27-A2F6-260A46FBA412}" destId="{77A6A6FF-AE70-4884-9C48-0927A731410B}" srcOrd="0" destOrd="0" presId="urn:microsoft.com/office/officeart/2005/8/layout/radial5"/>
+    <dgm:cxn modelId="{0FF91479-1CE6-4C95-96E9-768B1C19DA56}" type="presOf" srcId="{CA7EC84B-5B0A-45CC-A5C9-39F2B5E93579}" destId="{B9E3A3DE-A54C-4C5E-9FB7-68BF97238880}" srcOrd="0" destOrd="0" presId="urn:microsoft.com/office/officeart/2005/8/layout/radial5"/>
+    <dgm:cxn modelId="{4C964044-A66A-4EE2-92E8-5D6983EB4C32}" type="presOf" srcId="{61EA4756-F6AD-4786-9B3C-C9ECECF8E3DF}" destId="{D7F12B09-241E-4645-9C63-0167A9E20654}" srcOrd="0" destOrd="0" presId="urn:microsoft.com/office/officeart/2005/8/layout/radial5"/>
+    <dgm:cxn modelId="{32082C58-044C-4895-AA70-847BB8BBF8DE}" type="presOf" srcId="{C2AE6A7E-DDB2-42E4-8F87-25AD298B86A6}" destId="{EF373E0F-DCB9-4125-B7C9-B0D433F1A600}" srcOrd="0" destOrd="0" presId="urn:microsoft.com/office/officeart/2005/8/layout/radial5"/>
+    <dgm:cxn modelId="{C22A2B74-DB9A-4381-A4A1-759AF4225FA4}" srcId="{C2AE6A7E-DDB2-42E4-8F87-25AD298B86A6}" destId="{307CDDE8-EBAA-4134-A4B3-00E3383FEE54}" srcOrd="1" destOrd="0" parTransId="{D9645034-F50F-461B-AEF6-12EE04367D32}" sibTransId="{B62DE5F1-A84F-4A86-81D4-4D2F822B3243}"/>
+    <dgm:cxn modelId="{CE851A49-BABE-488F-ABCA-0B3C286CAA62}" srcId="{2906C3BF-6F9A-4B5F-8339-888BDA874B48}" destId="{69C4C55F-23A6-4039-A2AA-31DF9A9C524E}" srcOrd="2" destOrd="0" parTransId="{CA7EC84B-5B0A-45CC-A5C9-39F2B5E93579}" sibTransId="{C76CA715-87A0-4C42-823F-3B37B093386A}"/>
+    <dgm:cxn modelId="{6A6A8193-8403-474B-9AB7-C945ACA26C0D}" srcId="{2906C3BF-6F9A-4B5F-8339-888BDA874B48}" destId="{E4A666F4-A7AB-4866-98BE-C82863555080}" srcOrd="0" destOrd="0" parTransId="{5F81D702-4A94-4CBD-929B-B648D0FB6B1E}" sibTransId="{63901D05-5C69-40DE-A07F-5DE3814878B5}"/>
+    <dgm:cxn modelId="{6C95C1F8-F682-4A1D-88AE-3A0184E093EF}" type="presOf" srcId="{CA7EC84B-5B0A-45CC-A5C9-39F2B5E93579}" destId="{C63B5964-0A23-48CF-9EEA-C009309CFDBE}" srcOrd="1" destOrd="0" presId="urn:microsoft.com/office/officeart/2005/8/layout/radial5"/>
+    <dgm:cxn modelId="{3C90BEB3-6E18-4052-BE13-73CAB8DC53D7}" srcId="{C2AE6A7E-DDB2-42E4-8F87-25AD298B86A6}" destId="{2906C3BF-6F9A-4B5F-8339-888BDA874B48}" srcOrd="0" destOrd="0" parTransId="{4DE0284D-D802-436A-8334-6216BC78795E}" sibTransId="{1BF508A4-2D3B-4E60-9E08-F049B6E7F30D}"/>
+    <dgm:cxn modelId="{34E7B330-5DDC-43E3-AA8D-D89CFB1B27D6}" type="presOf" srcId="{E4A666F4-A7AB-4866-98BE-C82863555080}" destId="{A83CDA18-3FF9-493C-AE94-D33A5D14434F}" srcOrd="0" destOrd="0" presId="urn:microsoft.com/office/officeart/2005/8/layout/radial5"/>
+    <dgm:cxn modelId="{EE165EE7-C081-466C-864C-0C905AC625D8}" type="presOf" srcId="{69C4C55F-23A6-4039-A2AA-31DF9A9C524E}" destId="{9AD0B442-3710-4DF6-A7AB-E72AE33BDAAA}" srcOrd="0" destOrd="0" presId="urn:microsoft.com/office/officeart/2005/8/layout/radial5"/>
+    <dgm:cxn modelId="{55EE1BCB-5747-4947-85E8-503730BAC4B9}" srcId="{2906C3BF-6F9A-4B5F-8339-888BDA874B48}" destId="{205AE0A2-9897-4C27-A2F6-260A46FBA412}" srcOrd="1" destOrd="0" parTransId="{61EA4756-F6AD-4786-9B3C-C9ECECF8E3DF}" sibTransId="{D24DD919-DA7D-47EE-89E1-2FE454B91E8C}"/>
+    <dgm:cxn modelId="{6F496615-26F5-43AE-BA7B-C0B892295220}" type="presOf" srcId="{5F81D702-4A94-4CBD-929B-B648D0FB6B1E}" destId="{A8BC4A6C-8CB3-48F5-B92B-1BD34ACA4167}" srcOrd="1" destOrd="0" presId="urn:microsoft.com/office/officeart/2005/8/layout/radial5"/>
+    <dgm:cxn modelId="{02606DA8-D0AC-42BA-8AEF-DACB6C9C47ED}" type="presParOf" srcId="{EF373E0F-DCB9-4125-B7C9-B0D433F1A600}" destId="{A22305C3-E7A5-426C-A4E4-F63814C38729}" srcOrd="0" destOrd="0" presId="urn:microsoft.com/office/officeart/2005/8/layout/radial5"/>
+    <dgm:cxn modelId="{5558BDB0-2649-4F2B-8327-26F25E6B04F5}" type="presParOf" srcId="{EF373E0F-DCB9-4125-B7C9-B0D433F1A600}" destId="{1A5317DD-FFFD-4236-BB31-4466225F2260}" srcOrd="1" destOrd="0" presId="urn:microsoft.com/office/officeart/2005/8/layout/radial5"/>
+    <dgm:cxn modelId="{1A876BF3-E432-4D72-977E-D537BD26AF58}" type="presParOf" srcId="{1A5317DD-FFFD-4236-BB31-4466225F2260}" destId="{A8BC4A6C-8CB3-48F5-B92B-1BD34ACA4167}" srcOrd="0" destOrd="0" presId="urn:microsoft.com/office/officeart/2005/8/layout/radial5"/>
+    <dgm:cxn modelId="{CF0EACE5-2489-4F31-82C2-10C5A133288C}" type="presParOf" srcId="{EF373E0F-DCB9-4125-B7C9-B0D433F1A600}" destId="{A83CDA18-3FF9-493C-AE94-D33A5D14434F}" srcOrd="2" destOrd="0" presId="urn:microsoft.com/office/officeart/2005/8/layout/radial5"/>
+    <dgm:cxn modelId="{02C87D25-3DEE-4300-B4F2-776D19DCC770}" type="presParOf" srcId="{EF373E0F-DCB9-4125-B7C9-B0D433F1A600}" destId="{D7F12B09-241E-4645-9C63-0167A9E20654}" srcOrd="3" destOrd="0" presId="urn:microsoft.com/office/officeart/2005/8/layout/radial5"/>
+    <dgm:cxn modelId="{68B3505E-DD44-4557-ADB5-C55A25A2D356}" type="presParOf" srcId="{D7F12B09-241E-4645-9C63-0167A9E20654}" destId="{3FCADFE1-232C-455C-B7D1-0AD251ED2EBA}" srcOrd="0" destOrd="0" presId="urn:microsoft.com/office/officeart/2005/8/layout/radial5"/>
+    <dgm:cxn modelId="{7ADC9773-13B8-4BA1-AD19-A951DD64E4D5}" type="presParOf" srcId="{EF373E0F-DCB9-4125-B7C9-B0D433F1A600}" destId="{77A6A6FF-AE70-4884-9C48-0927A731410B}" srcOrd="4" destOrd="0" presId="urn:microsoft.com/office/officeart/2005/8/layout/radial5"/>
+    <dgm:cxn modelId="{5AA44ED2-E75F-455D-B086-5FC174E64DCD}" type="presParOf" srcId="{EF373E0F-DCB9-4125-B7C9-B0D433F1A600}" destId="{B9E3A3DE-A54C-4C5E-9FB7-68BF97238880}" srcOrd="5" destOrd="0" presId="urn:microsoft.com/office/officeart/2005/8/layout/radial5"/>
+    <dgm:cxn modelId="{555F4E23-9AFF-43D7-ABCE-C2AF8EC42254}" type="presParOf" srcId="{B9E3A3DE-A54C-4C5E-9FB7-68BF97238880}" destId="{C63B5964-0A23-48CF-9EEA-C009309CFDBE}" srcOrd="0" destOrd="0" presId="urn:microsoft.com/office/officeart/2005/8/layout/radial5"/>
+    <dgm:cxn modelId="{89B406A3-9C66-465C-BA93-8066DBE11D64}" type="presParOf" srcId="{EF373E0F-DCB9-4125-B7C9-B0D433F1A600}" destId="{9AD0B442-3710-4DF6-A7AB-E72AE33BDAAA}" srcOrd="6" destOrd="0" presId="urn:microsoft.com/office/officeart/2005/8/layout/radial5"/>
   </dgm:cxnLst>
   <dgm:bg/>
   <dgm:whole/>
   <dgm:extLst>
     <a:ext uri="http://schemas.microsoft.com/office/drawing/2008/diagram">
-      <dsp:dataModelExt xmlns:dsp="http://schemas.microsoft.com/office/drawing/2008/diagram" relId="rId6" minVer="http://schemas.openxmlformats.org/drawingml/2006/diagram"/>
+      <dsp:dataModelExt xmlns:dsp="http://schemas.microsoft.com/office/drawing/2008/diagram" relId="rId7" minVer="http://schemas.openxmlformats.org/drawingml/2006/diagram"/>
     </a:ext>
   </dgm:extLst>
 </dgm:dataModel>
@@ -3548,50 +3707,25 @@
       <dsp:cNvGrpSpPr/>
     </dsp:nvGrpSpPr>
     <dsp:grpSpPr/>
-  </dsp:spTree>
-</dsp:drawing>
-</file>
-
-<file path=ppt/diagrams/drawing2.xml><?xml version="1.0" encoding="utf-8"?>
-<dsp:drawing xmlns:dgm="http://schemas.openxmlformats.org/drawingml/2006/diagram" xmlns:dsp="http://schemas.microsoft.com/office/drawing/2008/diagram" xmlns:a="http://schemas.openxmlformats.org/drawingml/2006/main">
-  <dsp:spTree>
-    <dsp:nvGrpSpPr>
-      <dsp:cNvPr id="0" name=""/>
-      <dsp:cNvGrpSpPr/>
-    </dsp:nvGrpSpPr>
-    <dsp:grpSpPr/>
-  </dsp:spTree>
-</dsp:drawing>
-</file>
-
-<file path=ppt/diagrams/drawing3.xml><?xml version="1.0" encoding="utf-8"?>
-<dsp:drawing xmlns:dgm="http://schemas.openxmlformats.org/drawingml/2006/diagram" xmlns:dsp="http://schemas.microsoft.com/office/drawing/2008/diagram" xmlns:a="http://schemas.openxmlformats.org/drawingml/2006/main">
-  <dsp:spTree>
-    <dsp:nvGrpSpPr>
-      <dsp:cNvPr id="0" name=""/>
-      <dsp:cNvGrpSpPr/>
-    </dsp:nvGrpSpPr>
-    <dsp:grpSpPr/>
-    <dsp:sp modelId="{C6525989-8E7E-4DD1-AE90-F2ECBDBE69BA}">
+    <dsp:sp modelId="{3B852858-5C74-4F5D-B9F8-8AE2AB0F7277}">
       <dsp:nvSpPr>
         <dsp:cNvPr id="0" name=""/>
         <dsp:cNvSpPr/>
       </dsp:nvSpPr>
       <dsp:spPr>
         <a:xfrm>
-          <a:off x="2974627" y="606664"/>
-          <a:ext cx="4041157" cy="4041157"/>
+          <a:off x="3264909" y="545953"/>
+          <a:ext cx="3654264" cy="3654264"/>
         </a:xfrm>
         <a:prstGeom prst="blockArc">
           <a:avLst>
             <a:gd name="adj1" fmla="val 10800000"/>
             <a:gd name="adj2" fmla="val 16200000"/>
-            <a:gd name="adj3" fmla="val 4642"/>
+            <a:gd name="adj3" fmla="val 4636"/>
           </a:avLst>
         </a:prstGeom>
         <a:solidFill>
-          <a:schemeClr val="accent1">
-            <a:tint val="60000"/>
+          <a:schemeClr val="accent5">
             <a:hueOff val="0"/>
             <a:satOff val="0"/>
             <a:lumOff val="0"/>
@@ -3618,26 +3752,25 @@
         </a:fontRef>
       </dsp:style>
     </dsp:sp>
-    <dsp:sp modelId="{C59004D0-9807-4F41-9E96-A3EDD7B1F70B}">
+    <dsp:sp modelId="{1F96163C-24F7-4537-A615-D544040AA392}">
       <dsp:nvSpPr>
         <dsp:cNvPr id="0" name=""/>
         <dsp:cNvSpPr/>
       </dsp:nvSpPr>
       <dsp:spPr>
         <a:xfrm>
-          <a:off x="2974627" y="606664"/>
-          <a:ext cx="4041157" cy="4041157"/>
+          <a:off x="3264909" y="545953"/>
+          <a:ext cx="3654264" cy="3654264"/>
         </a:xfrm>
         <a:prstGeom prst="blockArc">
           <a:avLst>
             <a:gd name="adj1" fmla="val 5400000"/>
             <a:gd name="adj2" fmla="val 10800000"/>
-            <a:gd name="adj3" fmla="val 4642"/>
+            <a:gd name="adj3" fmla="val 4636"/>
           </a:avLst>
         </a:prstGeom>
         <a:solidFill>
-          <a:schemeClr val="accent1">
-            <a:tint val="60000"/>
+          <a:schemeClr val="accent4">
             <a:hueOff val="0"/>
             <a:satOff val="0"/>
             <a:lumOff val="0"/>
@@ -3664,26 +3797,25 @@
         </a:fontRef>
       </dsp:style>
     </dsp:sp>
-    <dsp:sp modelId="{FFC32EED-B33C-4201-BE25-F107F7F1E3D2}">
+    <dsp:sp modelId="{50AA7A0E-EBD3-42CC-8533-E15B39A5B178}">
       <dsp:nvSpPr>
         <dsp:cNvPr id="0" name=""/>
         <dsp:cNvSpPr/>
       </dsp:nvSpPr>
       <dsp:spPr>
         <a:xfrm>
-          <a:off x="2974627" y="606664"/>
-          <a:ext cx="4041157" cy="4041157"/>
+          <a:off x="3264909" y="545953"/>
+          <a:ext cx="3654264" cy="3654264"/>
         </a:xfrm>
         <a:prstGeom prst="blockArc">
           <a:avLst>
             <a:gd name="adj1" fmla="val 0"/>
             <a:gd name="adj2" fmla="val 5400000"/>
-            <a:gd name="adj3" fmla="val 4642"/>
+            <a:gd name="adj3" fmla="val 4636"/>
           </a:avLst>
         </a:prstGeom>
         <a:solidFill>
-          <a:schemeClr val="accent1">
-            <a:tint val="60000"/>
+          <a:schemeClr val="accent3">
             <a:hueOff val="0"/>
             <a:satOff val="0"/>
             <a:lumOff val="0"/>
@@ -3710,26 +3842,25 @@
         </a:fontRef>
       </dsp:style>
     </dsp:sp>
-    <dsp:sp modelId="{C04A6F3A-162B-4768-9EAA-3FF24EAD5A15}">
+    <dsp:sp modelId="{B2CDED1E-ACBE-4E25-AB0E-0DE2E397CBAD}">
       <dsp:nvSpPr>
         <dsp:cNvPr id="0" name=""/>
         <dsp:cNvSpPr/>
       </dsp:nvSpPr>
       <dsp:spPr>
         <a:xfrm>
-          <a:off x="2974627" y="606664"/>
-          <a:ext cx="4041157" cy="4041157"/>
+          <a:off x="3264909" y="545953"/>
+          <a:ext cx="3654264" cy="3654264"/>
         </a:xfrm>
         <a:prstGeom prst="blockArc">
           <a:avLst>
             <a:gd name="adj1" fmla="val 16200000"/>
             <a:gd name="adj2" fmla="val 0"/>
-            <a:gd name="adj3" fmla="val 4642"/>
+            <a:gd name="adj3" fmla="val 4636"/>
           </a:avLst>
         </a:prstGeom>
         <a:solidFill>
-          <a:schemeClr val="accent1">
-            <a:tint val="60000"/>
+          <a:schemeClr val="accent2">
             <a:hueOff val="0"/>
             <a:satOff val="0"/>
             <a:lumOff val="0"/>
@@ -3756,15 +3887,15 @@
         </a:fontRef>
       </dsp:style>
     </dsp:sp>
-    <dsp:sp modelId="{F472FE6F-185B-4429-B3B7-B3DAE5E0F6B0}">
+    <dsp:sp modelId="{160263AD-6F44-4464-9320-EBF714FC20D0}">
       <dsp:nvSpPr>
         <dsp:cNvPr id="0" name=""/>
         <dsp:cNvSpPr/>
       </dsp:nvSpPr>
       <dsp:spPr>
         <a:xfrm>
-          <a:off x="4064702" y="1696739"/>
-          <a:ext cx="1861007" cy="1861007"/>
+          <a:off x="4251656" y="1532699"/>
+          <a:ext cx="1680771" cy="1680771"/>
         </a:xfrm>
         <a:prstGeom prst="ellipse">
           <a:avLst/>
@@ -3805,12 +3936,12 @@
         </a:fontRef>
       </dsp:style>
       <dsp:txBody>
-        <a:bodyPr spcFirstLastPara="0" vert="horz" wrap="square" lIns="41910" tIns="41910" rIns="41910" bIns="41910" numCol="1" spcCol="1270" anchor="ctr" anchorCtr="0">
+        <a:bodyPr spcFirstLastPara="0" vert="horz" wrap="square" lIns="31750" tIns="31750" rIns="31750" bIns="31750" numCol="1" spcCol="1270" anchor="ctr" anchorCtr="0">
           <a:noAutofit/>
         </a:bodyPr>
         <a:lstStyle/>
         <a:p>
-          <a:pPr lvl="0" algn="ctr" defTabSz="1466850">
+          <a:pPr lvl="0" algn="ctr" defTabSz="1111250">
             <a:lnSpc>
               <a:spcPct val="90000"/>
             </a:lnSpc>
@@ -3822,32 +3953,31 @@
             </a:spcAft>
           </a:pPr>
           <a:r>
-            <a:rPr lang="en-US" sz="3300" kern="1200" dirty="0" smtClean="0"/>
-            <a:t>Sprint</a:t>
+            <a:rPr lang="en-US" sz="2500" kern="1200" dirty="0" smtClean="0"/>
+            <a:t>SCRUM</a:t>
           </a:r>
-          <a:endParaRPr lang="en-US" sz="3300" kern="1200" dirty="0"/>
         </a:p>
       </dsp:txBody>
       <dsp:txXfrm>
-        <a:off x="4337240" y="1969277"/>
-        <a:ext cx="1315931" cy="1315931"/>
+        <a:off x="4497799" y="1778842"/>
+        <a:ext cx="1188485" cy="1188485"/>
       </dsp:txXfrm>
     </dsp:sp>
-    <dsp:sp modelId="{A197B505-77F4-4F1A-9D8B-990B64B33013}">
+    <dsp:sp modelId="{D3053E13-14BA-4E0D-B9CD-617F9FA8E9EC}">
       <dsp:nvSpPr>
         <dsp:cNvPr id="0" name=""/>
         <dsp:cNvSpPr/>
       </dsp:nvSpPr>
       <dsp:spPr>
         <a:xfrm>
-          <a:off x="4343854" y="2209"/>
-          <a:ext cx="1302704" cy="1302704"/>
+          <a:off x="4503771" y="38"/>
+          <a:ext cx="1176540" cy="1176540"/>
         </a:xfrm>
         <a:prstGeom prst="ellipse">
           <a:avLst/>
         </a:prstGeom>
         <a:solidFill>
-          <a:schemeClr val="accent1">
+          <a:schemeClr val="accent2">
             <a:hueOff val="0"/>
             <a:satOff val="0"/>
             <a:lumOff val="0"/>
@@ -3882,12 +4012,12 @@
         </a:fontRef>
       </dsp:style>
       <dsp:txBody>
-        <a:bodyPr spcFirstLastPara="0" vert="horz" wrap="square" lIns="12700" tIns="12700" rIns="12700" bIns="12700" numCol="1" spcCol="1270" anchor="ctr" anchorCtr="0">
+        <a:bodyPr spcFirstLastPara="0" vert="horz" wrap="square" lIns="13970" tIns="13970" rIns="13970" bIns="13970" numCol="1" spcCol="1270" anchor="ctr" anchorCtr="0">
           <a:noAutofit/>
         </a:bodyPr>
         <a:lstStyle/>
         <a:p>
-          <a:pPr lvl="0" algn="ctr" defTabSz="444500">
+          <a:pPr lvl="0" algn="ctr" defTabSz="488950">
             <a:lnSpc>
               <a:spcPct val="90000"/>
             </a:lnSpc>
@@ -3899,32 +4029,32 @@
             </a:spcAft>
           </a:pPr>
           <a:r>
-            <a:rPr lang="en-US" sz="1000" kern="1200" dirty="0" smtClean="0"/>
-            <a:t>Sprint planning</a:t>
+            <a:rPr lang="en-US" sz="1100" kern="1200" dirty="0" smtClean="0"/>
+            <a:t>ROLES</a:t>
           </a:r>
-          <a:endParaRPr lang="en-US" sz="1000" kern="1200" dirty="0"/>
+          <a:endParaRPr lang="en-US" sz="1100" kern="1200" dirty="0"/>
         </a:p>
       </dsp:txBody>
       <dsp:txXfrm>
-        <a:off x="4534631" y="192986"/>
-        <a:ext cx="921150" cy="921150"/>
+        <a:off x="4676071" y="172338"/>
+        <a:ext cx="831940" cy="831940"/>
       </dsp:txXfrm>
     </dsp:sp>
-    <dsp:sp modelId="{1A3B08B4-44D6-470C-AB37-AAD22EF3B0AA}">
+    <dsp:sp modelId="{A7A9E3E4-4041-4B8C-AB0D-9E7C654FD366}">
       <dsp:nvSpPr>
         <dsp:cNvPr id="0" name=""/>
         <dsp:cNvSpPr/>
       </dsp:nvSpPr>
       <dsp:spPr>
         <a:xfrm>
-          <a:off x="6317535" y="1975891"/>
-          <a:ext cx="1302704" cy="1302704"/>
+          <a:off x="6288548" y="1784815"/>
+          <a:ext cx="1176540" cy="1176540"/>
         </a:xfrm>
         <a:prstGeom prst="ellipse">
           <a:avLst/>
         </a:prstGeom>
         <a:solidFill>
-          <a:schemeClr val="accent1">
+          <a:schemeClr val="accent3">
             <a:hueOff val="0"/>
             <a:satOff val="0"/>
             <a:lumOff val="0"/>
@@ -3959,12 +4089,12 @@
         </a:fontRef>
       </dsp:style>
       <dsp:txBody>
-        <a:bodyPr spcFirstLastPara="0" vert="horz" wrap="square" lIns="12700" tIns="12700" rIns="12700" bIns="12700" numCol="1" spcCol="1270" anchor="ctr" anchorCtr="0">
+        <a:bodyPr spcFirstLastPara="0" vert="horz" wrap="square" lIns="13970" tIns="13970" rIns="13970" bIns="13970" numCol="1" spcCol="1270" anchor="ctr" anchorCtr="0">
           <a:noAutofit/>
         </a:bodyPr>
         <a:lstStyle/>
         <a:p>
-          <a:pPr lvl="0" algn="ctr" defTabSz="444500">
+          <a:pPr lvl="0" algn="ctr" defTabSz="488950">
             <a:lnSpc>
               <a:spcPct val="90000"/>
             </a:lnSpc>
@@ -3976,32 +4106,32 @@
             </a:spcAft>
           </a:pPr>
           <a:r>
-            <a:rPr lang="en-US" sz="1000" kern="1200" dirty="0" smtClean="0"/>
-            <a:t>Daily Scrum</a:t>
+            <a:rPr lang="en-US" sz="1100" kern="1200" dirty="0" smtClean="0"/>
+            <a:t>EVENTS</a:t>
           </a:r>
-          <a:endParaRPr lang="en-US" sz="1000" kern="1200" dirty="0"/>
+          <a:endParaRPr lang="en-US" sz="1100" kern="1200" dirty="0"/>
         </a:p>
       </dsp:txBody>
       <dsp:txXfrm>
-        <a:off x="6508312" y="2166668"/>
-        <a:ext cx="921150" cy="921150"/>
+        <a:off x="6460848" y="1957115"/>
+        <a:ext cx="831940" cy="831940"/>
       </dsp:txXfrm>
     </dsp:sp>
-    <dsp:sp modelId="{E4416D70-CC56-49A1-BA03-1AFFA748D8EC}">
+    <dsp:sp modelId="{8306386A-4C83-47E0-BBC9-CF33BDFFF534}">
       <dsp:nvSpPr>
         <dsp:cNvPr id="0" name=""/>
         <dsp:cNvSpPr/>
       </dsp:nvSpPr>
       <dsp:spPr>
         <a:xfrm>
-          <a:off x="4343854" y="3949572"/>
-          <a:ext cx="1302704" cy="1302704"/>
+          <a:off x="4503771" y="3569592"/>
+          <a:ext cx="1176540" cy="1176540"/>
         </a:xfrm>
         <a:prstGeom prst="ellipse">
           <a:avLst/>
         </a:prstGeom>
         <a:solidFill>
-          <a:schemeClr val="accent1">
+          <a:schemeClr val="accent4">
             <a:hueOff val="0"/>
             <a:satOff val="0"/>
             <a:lumOff val="0"/>
@@ -4036,12 +4166,12 @@
         </a:fontRef>
       </dsp:style>
       <dsp:txBody>
-        <a:bodyPr spcFirstLastPara="0" vert="horz" wrap="square" lIns="12700" tIns="12700" rIns="12700" bIns="12700" numCol="1" spcCol="1270" anchor="ctr" anchorCtr="0">
+        <a:bodyPr spcFirstLastPara="0" vert="horz" wrap="square" lIns="13970" tIns="13970" rIns="13970" bIns="13970" numCol="1" spcCol="1270" anchor="ctr" anchorCtr="0">
           <a:noAutofit/>
         </a:bodyPr>
         <a:lstStyle/>
         <a:p>
-          <a:pPr lvl="0" algn="ctr" defTabSz="444500">
+          <a:pPr lvl="0" algn="ctr" defTabSz="488950">
             <a:lnSpc>
               <a:spcPct val="90000"/>
             </a:lnSpc>
@@ -4053,32 +4183,32 @@
             </a:spcAft>
           </a:pPr>
           <a:r>
-            <a:rPr lang="en-US" sz="1000" kern="1200" dirty="0" smtClean="0"/>
-            <a:t>Sprint Review</a:t>
+            <a:rPr lang="en-US" sz="1100" kern="1200" dirty="0" smtClean="0"/>
+            <a:t>ARTIFACTS</a:t>
           </a:r>
-          <a:endParaRPr lang="en-US" sz="1000" kern="1200" dirty="0"/>
+          <a:endParaRPr lang="en-US" sz="1100" kern="1200" dirty="0"/>
         </a:p>
       </dsp:txBody>
       <dsp:txXfrm>
-        <a:off x="4534631" y="4140349"/>
-        <a:ext cx="921150" cy="921150"/>
+        <a:off x="4676071" y="3741892"/>
+        <a:ext cx="831940" cy="831940"/>
       </dsp:txXfrm>
     </dsp:sp>
-    <dsp:sp modelId="{EAEEA177-B6B8-446B-AC1D-804849072D99}">
+    <dsp:sp modelId="{883E4B5D-BBC7-48D4-81F3-8A4C3937B1B5}">
       <dsp:nvSpPr>
         <dsp:cNvPr id="0" name=""/>
         <dsp:cNvSpPr/>
       </dsp:nvSpPr>
       <dsp:spPr>
         <a:xfrm>
-          <a:off x="2370172" y="1975891"/>
-          <a:ext cx="1302704" cy="1302704"/>
+          <a:off x="2718994" y="1784815"/>
+          <a:ext cx="1176540" cy="1176540"/>
         </a:xfrm>
         <a:prstGeom prst="ellipse">
           <a:avLst/>
         </a:prstGeom>
         <a:solidFill>
-          <a:schemeClr val="accent1">
+          <a:schemeClr val="accent5">
             <a:hueOff val="0"/>
             <a:satOff val="0"/>
             <a:lumOff val="0"/>
@@ -4113,12 +4243,12 @@
         </a:fontRef>
       </dsp:style>
       <dsp:txBody>
-        <a:bodyPr spcFirstLastPara="0" vert="horz" wrap="square" lIns="12700" tIns="12700" rIns="12700" bIns="12700" numCol="1" spcCol="1270" anchor="ctr" anchorCtr="0">
+        <a:bodyPr spcFirstLastPara="0" vert="horz" wrap="square" lIns="13970" tIns="13970" rIns="13970" bIns="13970" numCol="1" spcCol="1270" anchor="ctr" anchorCtr="0">
           <a:noAutofit/>
         </a:bodyPr>
         <a:lstStyle/>
         <a:p>
-          <a:pPr lvl="0" algn="ctr" defTabSz="444500">
+          <a:pPr lvl="0" algn="ctr" defTabSz="488950">
             <a:lnSpc>
               <a:spcPct val="90000"/>
             </a:lnSpc>
@@ -4130,15 +4260,901 @@
             </a:spcAft>
           </a:pPr>
           <a:r>
-            <a:rPr lang="en-US" sz="1000" kern="1200" smtClean="0"/>
-            <a:t>Sprint Retrospective</a:t>
+            <a:rPr lang="en-US" sz="1100" kern="1200" dirty="0" smtClean="0"/>
+            <a:t>RULES</a:t>
           </a:r>
-          <a:endParaRPr lang="en-US" sz="1000" kern="1200"/>
+          <a:endParaRPr lang="en-US" sz="1100" kern="1200" dirty="0"/>
         </a:p>
       </dsp:txBody>
       <dsp:txXfrm>
-        <a:off x="2560949" y="2166668"/>
-        <a:ext cx="921150" cy="921150"/>
+        <a:off x="2891294" y="1957115"/>
+        <a:ext cx="831940" cy="831940"/>
+      </dsp:txXfrm>
+    </dsp:sp>
+  </dsp:spTree>
+</dsp:drawing>
+</file>
+
+<file path=ppt/diagrams/drawing2.xml><?xml version="1.0" encoding="utf-8"?>
+<dsp:drawing xmlns:dgm="http://schemas.openxmlformats.org/drawingml/2006/diagram" xmlns:dsp="http://schemas.microsoft.com/office/drawing/2008/diagram" xmlns:a="http://schemas.openxmlformats.org/drawingml/2006/main">
+  <dsp:spTree>
+    <dsp:nvGrpSpPr>
+      <dsp:cNvPr id="0" name=""/>
+      <dsp:cNvGrpSpPr/>
+    </dsp:nvGrpSpPr>
+    <dsp:grpSpPr/>
+    <dsp:sp modelId="{73DF7E8C-C8C9-4504-BC72-6FBDD6E27A76}">
+      <dsp:nvSpPr>
+        <dsp:cNvPr id="0" name=""/>
+        <dsp:cNvSpPr/>
+      </dsp:nvSpPr>
+      <dsp:spPr>
+        <a:xfrm>
+          <a:off x="3460949" y="62346"/>
+          <a:ext cx="2992616" cy="2992616"/>
+        </a:xfrm>
+        <a:prstGeom prst="ellipse">
+          <a:avLst/>
+        </a:prstGeom>
+        <a:solidFill>
+          <a:schemeClr val="accent2">
+            <a:alpha val="50000"/>
+            <a:hueOff val="0"/>
+            <a:satOff val="0"/>
+            <a:lumOff val="0"/>
+            <a:alphaOff val="0"/>
+          </a:schemeClr>
+        </a:solidFill>
+        <a:ln>
+          <a:noFill/>
+        </a:ln>
+        <a:effectLst/>
+        <a:scene3d>
+          <a:camera prst="orthographicFront"/>
+          <a:lightRig rig="flat" dir="t"/>
+        </a:scene3d>
+        <a:sp3d prstMaterial="plastic">
+          <a:bevelT w="120900" h="88900"/>
+          <a:bevelB w="88900" h="31750" prst="angle"/>
+        </a:sp3d>
+      </dsp:spPr>
+      <dsp:style>
+        <a:lnRef idx="0">
+          <a:scrgbClr r="0" g="0" b="0"/>
+        </a:lnRef>
+        <a:fillRef idx="1">
+          <a:scrgbClr r="0" g="0" b="0"/>
+        </a:fillRef>
+        <a:effectRef idx="1">
+          <a:scrgbClr r="0" g="0" b="0"/>
+        </a:effectRef>
+        <a:fontRef idx="minor">
+          <a:schemeClr val="tx1"/>
+        </a:fontRef>
+      </dsp:style>
+      <dsp:txBody>
+        <a:bodyPr spcFirstLastPara="0" vert="horz" wrap="square" lIns="0" tIns="0" rIns="0" bIns="0" numCol="1" spcCol="1270" anchor="ctr" anchorCtr="0">
+          <a:noAutofit/>
+        </a:bodyPr>
+        <a:lstStyle/>
+        <a:p>
+          <a:pPr lvl="0" algn="ctr" defTabSz="889000">
+            <a:lnSpc>
+              <a:spcPct val="90000"/>
+            </a:lnSpc>
+            <a:spcBef>
+              <a:spcPct val="0"/>
+            </a:spcBef>
+            <a:spcAft>
+              <a:spcPct val="35000"/>
+            </a:spcAft>
+          </a:pPr>
+          <a:r>
+            <a:rPr lang="en-US" sz="2000" kern="1200" dirty="0" smtClean="0"/>
+            <a:t>TRANSPARENCY</a:t>
+          </a:r>
+          <a:endParaRPr lang="en-US" sz="2000" kern="1200" dirty="0"/>
+        </a:p>
+      </dsp:txBody>
+      <dsp:txXfrm>
+        <a:off x="3859965" y="586054"/>
+        <a:ext cx="2194585" cy="1346677"/>
+      </dsp:txXfrm>
+    </dsp:sp>
+    <dsp:sp modelId="{3ECE3167-E9E7-440E-9F60-61224656C1CA}">
+      <dsp:nvSpPr>
+        <dsp:cNvPr id="0" name=""/>
+        <dsp:cNvSpPr/>
+      </dsp:nvSpPr>
+      <dsp:spPr>
+        <a:xfrm>
+          <a:off x="4540785" y="1932731"/>
+          <a:ext cx="2992616" cy="2992616"/>
+        </a:xfrm>
+        <a:prstGeom prst="ellipse">
+          <a:avLst/>
+        </a:prstGeom>
+        <a:solidFill>
+          <a:schemeClr val="accent2">
+            <a:alpha val="50000"/>
+            <a:hueOff val="-734515"/>
+            <a:satOff val="-16247"/>
+            <a:lumOff val="-3235"/>
+            <a:alphaOff val="0"/>
+          </a:schemeClr>
+        </a:solidFill>
+        <a:ln>
+          <a:noFill/>
+        </a:ln>
+        <a:effectLst/>
+        <a:scene3d>
+          <a:camera prst="orthographicFront"/>
+          <a:lightRig rig="flat" dir="t"/>
+        </a:scene3d>
+        <a:sp3d prstMaterial="plastic">
+          <a:bevelT w="120900" h="88900"/>
+          <a:bevelB w="88900" h="31750" prst="angle"/>
+        </a:sp3d>
+      </dsp:spPr>
+      <dsp:style>
+        <a:lnRef idx="0">
+          <a:scrgbClr r="0" g="0" b="0"/>
+        </a:lnRef>
+        <a:fillRef idx="1">
+          <a:scrgbClr r="0" g="0" b="0"/>
+        </a:fillRef>
+        <a:effectRef idx="1">
+          <a:scrgbClr r="0" g="0" b="0"/>
+        </a:effectRef>
+        <a:fontRef idx="minor">
+          <a:schemeClr val="tx1"/>
+        </a:fontRef>
+      </dsp:style>
+      <dsp:txBody>
+        <a:bodyPr spcFirstLastPara="0" vert="horz" wrap="square" lIns="0" tIns="0" rIns="0" bIns="0" numCol="1" spcCol="1270" anchor="ctr" anchorCtr="0">
+          <a:noAutofit/>
+        </a:bodyPr>
+        <a:lstStyle/>
+        <a:p>
+          <a:pPr lvl="0" algn="ctr" defTabSz="933450">
+            <a:lnSpc>
+              <a:spcPct val="90000"/>
+            </a:lnSpc>
+            <a:spcBef>
+              <a:spcPct val="0"/>
+            </a:spcBef>
+            <a:spcAft>
+              <a:spcPct val="35000"/>
+            </a:spcAft>
+          </a:pPr>
+          <a:r>
+            <a:rPr lang="en-US" sz="2100" kern="1200" dirty="0" smtClean="0"/>
+            <a:t>INSPECTION</a:t>
+          </a:r>
+          <a:endParaRPr lang="en-US" sz="2100" kern="1200" dirty="0"/>
+        </a:p>
+      </dsp:txBody>
+      <dsp:txXfrm>
+        <a:off x="5456027" y="2705823"/>
+        <a:ext cx="1795569" cy="1645939"/>
+      </dsp:txXfrm>
+    </dsp:sp>
+    <dsp:sp modelId="{F0558658-1890-496A-BC6C-132241B5EB45}">
+      <dsp:nvSpPr>
+        <dsp:cNvPr id="0" name=""/>
+        <dsp:cNvSpPr/>
+      </dsp:nvSpPr>
+      <dsp:spPr>
+        <a:xfrm>
+          <a:off x="2381114" y="1932731"/>
+          <a:ext cx="2992616" cy="2992616"/>
+        </a:xfrm>
+        <a:prstGeom prst="ellipse">
+          <a:avLst/>
+        </a:prstGeom>
+        <a:solidFill>
+          <a:schemeClr val="accent2">
+            <a:alpha val="50000"/>
+            <a:hueOff val="-1469031"/>
+            <a:satOff val="-32495"/>
+            <a:lumOff val="-6470"/>
+            <a:alphaOff val="0"/>
+          </a:schemeClr>
+        </a:solidFill>
+        <a:ln>
+          <a:noFill/>
+        </a:ln>
+        <a:effectLst/>
+        <a:scene3d>
+          <a:camera prst="orthographicFront"/>
+          <a:lightRig rig="flat" dir="t"/>
+        </a:scene3d>
+        <a:sp3d prstMaterial="plastic">
+          <a:bevelT w="120900" h="88900"/>
+          <a:bevelB w="88900" h="31750" prst="angle"/>
+        </a:sp3d>
+      </dsp:spPr>
+      <dsp:style>
+        <a:lnRef idx="0">
+          <a:scrgbClr r="0" g="0" b="0"/>
+        </a:lnRef>
+        <a:fillRef idx="1">
+          <a:scrgbClr r="0" g="0" b="0"/>
+        </a:fillRef>
+        <a:effectRef idx="1">
+          <a:scrgbClr r="0" g="0" b="0"/>
+        </a:effectRef>
+        <a:fontRef idx="minor">
+          <a:schemeClr val="tx1"/>
+        </a:fontRef>
+      </dsp:style>
+      <dsp:txBody>
+        <a:bodyPr spcFirstLastPara="0" vert="horz" wrap="square" lIns="0" tIns="0" rIns="0" bIns="0" numCol="1" spcCol="1270" anchor="ctr" anchorCtr="0">
+          <a:noAutofit/>
+        </a:bodyPr>
+        <a:lstStyle/>
+        <a:p>
+          <a:pPr lvl="0" algn="ctr" defTabSz="933450">
+            <a:lnSpc>
+              <a:spcPct val="90000"/>
+            </a:lnSpc>
+            <a:spcBef>
+              <a:spcPct val="0"/>
+            </a:spcBef>
+            <a:spcAft>
+              <a:spcPct val="35000"/>
+            </a:spcAft>
+          </a:pPr>
+          <a:r>
+            <a:rPr lang="en-US" sz="2100" kern="1200" dirty="0" smtClean="0"/>
+            <a:t>ADAPTATION</a:t>
+          </a:r>
+          <a:endParaRPr lang="en-US" sz="2100" kern="1200" dirty="0"/>
+        </a:p>
+      </dsp:txBody>
+      <dsp:txXfrm>
+        <a:off x="2662918" y="2705823"/>
+        <a:ext cx="1795569" cy="1645939"/>
+      </dsp:txXfrm>
+    </dsp:sp>
+  </dsp:spTree>
+</dsp:drawing>
+</file>
+
+<file path=ppt/diagrams/drawing3.xml><?xml version="1.0" encoding="utf-8"?>
+<dsp:drawing xmlns:dgm="http://schemas.openxmlformats.org/drawingml/2006/diagram" xmlns:dsp="http://schemas.microsoft.com/office/drawing/2008/diagram" xmlns:a="http://schemas.openxmlformats.org/drawingml/2006/main">
+  <dsp:spTree>
+    <dsp:nvGrpSpPr>
+      <dsp:cNvPr id="0" name=""/>
+      <dsp:cNvGrpSpPr/>
+    </dsp:nvGrpSpPr>
+    <dsp:grpSpPr/>
+    <dsp:sp modelId="{A22305C3-E7A5-426C-A4E4-F63814C38729}">
+      <dsp:nvSpPr>
+        <dsp:cNvPr id="0" name=""/>
+        <dsp:cNvSpPr/>
+      </dsp:nvSpPr>
+      <dsp:spPr>
+        <a:xfrm>
+          <a:off x="2941321" y="2031788"/>
+          <a:ext cx="1450073" cy="1450073"/>
+        </a:xfrm>
+        <a:prstGeom prst="ellipse">
+          <a:avLst/>
+        </a:prstGeom>
+        <a:gradFill rotWithShape="0">
+          <a:gsLst>
+            <a:gs pos="0">
+              <a:schemeClr val="accent1">
+                <a:hueOff val="0"/>
+                <a:satOff val="0"/>
+                <a:lumOff val="0"/>
+                <a:alphaOff val="0"/>
+                <a:tint val="94000"/>
+                <a:satMod val="105000"/>
+                <a:lumMod val="102000"/>
+              </a:schemeClr>
+            </a:gs>
+            <a:gs pos="100000">
+              <a:schemeClr val="accent1">
+                <a:hueOff val="0"/>
+                <a:satOff val="0"/>
+                <a:lumOff val="0"/>
+                <a:alphaOff val="0"/>
+                <a:shade val="74000"/>
+                <a:satMod val="128000"/>
+                <a:lumMod val="100000"/>
+              </a:schemeClr>
+            </a:gs>
+          </a:gsLst>
+          <a:lin ang="5400000" scaled="0"/>
+        </a:gradFill>
+        <a:ln>
+          <a:noFill/>
+        </a:ln>
+        <a:effectLst/>
+        <a:scene3d>
+          <a:camera prst="orthographicFront"/>
+          <a:lightRig rig="threePt" dir="t">
+            <a:rot lat="0" lon="0" rev="7500000"/>
+          </a:lightRig>
+        </a:scene3d>
+        <a:sp3d prstMaterial="plastic">
+          <a:bevelT w="127000" h="25400" prst="relaxedInset"/>
+        </a:sp3d>
+      </dsp:spPr>
+      <dsp:style>
+        <a:lnRef idx="0">
+          <a:scrgbClr r="0" g="0" b="0"/>
+        </a:lnRef>
+        <a:fillRef idx="3">
+          <a:scrgbClr r="0" g="0" b="0"/>
+        </a:fillRef>
+        <a:effectRef idx="2">
+          <a:scrgbClr r="0" g="0" b="0"/>
+        </a:effectRef>
+        <a:fontRef idx="minor">
+          <a:schemeClr val="lt1"/>
+        </a:fontRef>
+      </dsp:style>
+      <dsp:txBody>
+        <a:bodyPr spcFirstLastPara="0" vert="horz" wrap="square" lIns="27940" tIns="27940" rIns="27940" bIns="27940" numCol="1" spcCol="1270" anchor="ctr" anchorCtr="0">
+          <a:noAutofit/>
+        </a:bodyPr>
+        <a:lstStyle/>
+        <a:p>
+          <a:pPr lvl="0" algn="ctr" defTabSz="977900">
+            <a:lnSpc>
+              <a:spcPct val="90000"/>
+            </a:lnSpc>
+            <a:spcBef>
+              <a:spcPct val="0"/>
+            </a:spcBef>
+            <a:spcAft>
+              <a:spcPct val="35000"/>
+            </a:spcAft>
+          </a:pPr>
+          <a:r>
+            <a:rPr lang="en-US" sz="2200" kern="1200" dirty="0" smtClean="0"/>
+            <a:t>SPRINT GOAL</a:t>
+          </a:r>
+          <a:endParaRPr lang="en-US" sz="2200" kern="1200" dirty="0"/>
+        </a:p>
+      </dsp:txBody>
+      <dsp:txXfrm>
+        <a:off x="3153679" y="2244146"/>
+        <a:ext cx="1025357" cy="1025357"/>
+      </dsp:txXfrm>
+    </dsp:sp>
+    <dsp:sp modelId="{1A5317DD-FFFD-4236-BB31-4466225F2260}">
+      <dsp:nvSpPr>
+        <dsp:cNvPr id="0" name=""/>
+        <dsp:cNvSpPr/>
+      </dsp:nvSpPr>
+      <dsp:spPr>
+        <a:xfrm rot="16200000">
+          <a:off x="3512714" y="1504078"/>
+          <a:ext cx="307287" cy="493024"/>
+        </a:xfrm>
+        <a:prstGeom prst="rightArrow">
+          <a:avLst>
+            <a:gd name="adj1" fmla="val 60000"/>
+            <a:gd name="adj2" fmla="val 50000"/>
+          </a:avLst>
+        </a:prstGeom>
+        <a:solidFill>
+          <a:schemeClr val="accent2">
+            <a:hueOff val="0"/>
+            <a:satOff val="0"/>
+            <a:lumOff val="0"/>
+            <a:alphaOff val="0"/>
+          </a:schemeClr>
+        </a:solidFill>
+        <a:ln>
+          <a:noFill/>
+        </a:ln>
+        <a:effectLst/>
+        <a:scene3d>
+          <a:camera prst="orthographicFront"/>
+          <a:lightRig rig="threePt" dir="t">
+            <a:rot lat="0" lon="0" rev="7500000"/>
+          </a:lightRig>
+        </a:scene3d>
+        <a:sp3d z="-70000" extrusionH="63500" prstMaterial="matte">
+          <a:bevelT w="25400" h="6350" prst="relaxedInset"/>
+          <a:contourClr>
+            <a:schemeClr val="bg1"/>
+          </a:contourClr>
+        </a:sp3d>
+      </dsp:spPr>
+      <dsp:style>
+        <a:lnRef idx="0">
+          <a:scrgbClr r="0" g="0" b="0"/>
+        </a:lnRef>
+        <a:fillRef idx="1">
+          <a:scrgbClr r="0" g="0" b="0"/>
+        </a:fillRef>
+        <a:effectRef idx="2">
+          <a:scrgbClr r="0" g="0" b="0"/>
+        </a:effectRef>
+        <a:fontRef idx="minor">
+          <a:schemeClr val="lt1"/>
+        </a:fontRef>
+      </dsp:style>
+      <dsp:txBody>
+        <a:bodyPr spcFirstLastPara="0" vert="horz" wrap="square" lIns="0" tIns="0" rIns="0" bIns="0" numCol="1" spcCol="1270" anchor="ctr" anchorCtr="0">
+          <a:noAutofit/>
+        </a:bodyPr>
+        <a:lstStyle/>
+        <a:p>
+          <a:pPr lvl="0" algn="ctr" defTabSz="711200">
+            <a:lnSpc>
+              <a:spcPct val="90000"/>
+            </a:lnSpc>
+            <a:spcBef>
+              <a:spcPct val="0"/>
+            </a:spcBef>
+            <a:spcAft>
+              <a:spcPct val="35000"/>
+            </a:spcAft>
+          </a:pPr>
+          <a:endParaRPr lang="en-US" sz="1600" kern="1200"/>
+        </a:p>
+      </dsp:txBody>
+      <dsp:txXfrm>
+        <a:off x="3558807" y="1648776"/>
+        <a:ext cx="215101" cy="295814"/>
+      </dsp:txXfrm>
+    </dsp:sp>
+    <dsp:sp modelId="{A83CDA18-3FF9-493C-AE94-D33A5D14434F}">
+      <dsp:nvSpPr>
+        <dsp:cNvPr id="0" name=""/>
+        <dsp:cNvSpPr/>
+      </dsp:nvSpPr>
+      <dsp:spPr>
+        <a:xfrm>
+          <a:off x="2941321" y="1926"/>
+          <a:ext cx="1450073" cy="1450073"/>
+        </a:xfrm>
+        <a:prstGeom prst="ellipse">
+          <a:avLst/>
+        </a:prstGeom>
+        <a:gradFill rotWithShape="0">
+          <a:gsLst>
+            <a:gs pos="0">
+              <a:schemeClr val="accent2">
+                <a:hueOff val="0"/>
+                <a:satOff val="0"/>
+                <a:lumOff val="0"/>
+                <a:alphaOff val="0"/>
+                <a:tint val="94000"/>
+                <a:satMod val="105000"/>
+                <a:lumMod val="102000"/>
+              </a:schemeClr>
+            </a:gs>
+            <a:gs pos="100000">
+              <a:schemeClr val="accent2">
+                <a:hueOff val="0"/>
+                <a:satOff val="0"/>
+                <a:lumOff val="0"/>
+                <a:alphaOff val="0"/>
+                <a:shade val="74000"/>
+                <a:satMod val="128000"/>
+                <a:lumMod val="100000"/>
+              </a:schemeClr>
+            </a:gs>
+          </a:gsLst>
+          <a:lin ang="5400000" scaled="0"/>
+        </a:gradFill>
+        <a:ln>
+          <a:noFill/>
+        </a:ln>
+        <a:effectLst/>
+        <a:scene3d>
+          <a:camera prst="orthographicFront"/>
+          <a:lightRig rig="threePt" dir="t">
+            <a:rot lat="0" lon="0" rev="7500000"/>
+          </a:lightRig>
+        </a:scene3d>
+        <a:sp3d prstMaterial="plastic">
+          <a:bevelT w="127000" h="25400" prst="relaxedInset"/>
+        </a:sp3d>
+      </dsp:spPr>
+      <dsp:style>
+        <a:lnRef idx="0">
+          <a:scrgbClr r="0" g="0" b="0"/>
+        </a:lnRef>
+        <a:fillRef idx="3">
+          <a:scrgbClr r="0" g="0" b="0"/>
+        </a:fillRef>
+        <a:effectRef idx="2">
+          <a:scrgbClr r="0" g="0" b="0"/>
+        </a:effectRef>
+        <a:fontRef idx="minor">
+          <a:schemeClr val="lt1"/>
+        </a:fontRef>
+      </dsp:style>
+      <dsp:txBody>
+        <a:bodyPr spcFirstLastPara="0" vert="horz" wrap="square" lIns="24130" tIns="24130" rIns="24130" bIns="24130" numCol="1" spcCol="1270" anchor="ctr" anchorCtr="0">
+          <a:noAutofit/>
+        </a:bodyPr>
+        <a:lstStyle/>
+        <a:p>
+          <a:pPr lvl="0" algn="ctr" defTabSz="844550">
+            <a:lnSpc>
+              <a:spcPct val="90000"/>
+            </a:lnSpc>
+            <a:spcBef>
+              <a:spcPct val="0"/>
+            </a:spcBef>
+            <a:spcAft>
+              <a:spcPct val="35000"/>
+            </a:spcAft>
+          </a:pPr>
+          <a:r>
+            <a:rPr lang="en-US" sz="1900" kern="1200" dirty="0" smtClean="0"/>
+            <a:t>Purpose</a:t>
+          </a:r>
+          <a:endParaRPr lang="en-US" sz="1900" kern="1200" dirty="0"/>
+        </a:p>
+      </dsp:txBody>
+      <dsp:txXfrm>
+        <a:off x="3153679" y="214284"/>
+        <a:ext cx="1025357" cy="1025357"/>
+      </dsp:txXfrm>
+    </dsp:sp>
+    <dsp:sp modelId="{D7F12B09-241E-4645-9C63-0167A9E20654}">
+      <dsp:nvSpPr>
+        <dsp:cNvPr id="0" name=""/>
+        <dsp:cNvSpPr/>
+      </dsp:nvSpPr>
+      <dsp:spPr>
+        <a:xfrm rot="1800000">
+          <a:off x="4384138" y="3013429"/>
+          <a:ext cx="307287" cy="493024"/>
+        </a:xfrm>
+        <a:prstGeom prst="rightArrow">
+          <a:avLst>
+            <a:gd name="adj1" fmla="val 60000"/>
+            <a:gd name="adj2" fmla="val 50000"/>
+          </a:avLst>
+        </a:prstGeom>
+        <a:solidFill>
+          <a:schemeClr val="accent3">
+            <a:hueOff val="0"/>
+            <a:satOff val="0"/>
+            <a:lumOff val="0"/>
+            <a:alphaOff val="0"/>
+          </a:schemeClr>
+        </a:solidFill>
+        <a:ln>
+          <a:noFill/>
+        </a:ln>
+        <a:effectLst/>
+        <a:scene3d>
+          <a:camera prst="orthographicFront"/>
+          <a:lightRig rig="threePt" dir="t">
+            <a:rot lat="0" lon="0" rev="7500000"/>
+          </a:lightRig>
+        </a:scene3d>
+        <a:sp3d z="-70000" extrusionH="63500" prstMaterial="matte">
+          <a:bevelT w="25400" h="6350" prst="relaxedInset"/>
+          <a:contourClr>
+            <a:schemeClr val="bg1"/>
+          </a:contourClr>
+        </a:sp3d>
+      </dsp:spPr>
+      <dsp:style>
+        <a:lnRef idx="0">
+          <a:scrgbClr r="0" g="0" b="0"/>
+        </a:lnRef>
+        <a:fillRef idx="1">
+          <a:scrgbClr r="0" g="0" b="0"/>
+        </a:fillRef>
+        <a:effectRef idx="2">
+          <a:scrgbClr r="0" g="0" b="0"/>
+        </a:effectRef>
+        <a:fontRef idx="minor">
+          <a:schemeClr val="lt1"/>
+        </a:fontRef>
+      </dsp:style>
+      <dsp:txBody>
+        <a:bodyPr spcFirstLastPara="0" vert="horz" wrap="square" lIns="0" tIns="0" rIns="0" bIns="0" numCol="1" spcCol="1270" anchor="ctr" anchorCtr="0">
+          <a:noAutofit/>
+        </a:bodyPr>
+        <a:lstStyle/>
+        <a:p>
+          <a:pPr lvl="0" algn="ctr" defTabSz="711200">
+            <a:lnSpc>
+              <a:spcPct val="90000"/>
+            </a:lnSpc>
+            <a:spcBef>
+              <a:spcPct val="0"/>
+            </a:spcBef>
+            <a:spcAft>
+              <a:spcPct val="35000"/>
+            </a:spcAft>
+          </a:pPr>
+          <a:endParaRPr lang="en-US" sz="1600" kern="1200"/>
+        </a:p>
+      </dsp:txBody>
+      <dsp:txXfrm>
+        <a:off x="4390313" y="3088988"/>
+        <a:ext cx="215101" cy="295814"/>
+      </dsp:txXfrm>
+    </dsp:sp>
+    <dsp:sp modelId="{77A6A6FF-AE70-4884-9C48-0927A731410B}">
+      <dsp:nvSpPr>
+        <dsp:cNvPr id="0" name=""/>
+        <dsp:cNvSpPr/>
+      </dsp:nvSpPr>
+      <dsp:spPr>
+        <a:xfrm>
+          <a:off x="4699233" y="3046719"/>
+          <a:ext cx="1450073" cy="1450073"/>
+        </a:xfrm>
+        <a:prstGeom prst="ellipse">
+          <a:avLst/>
+        </a:prstGeom>
+        <a:gradFill rotWithShape="0">
+          <a:gsLst>
+            <a:gs pos="0">
+              <a:schemeClr val="accent3">
+                <a:hueOff val="0"/>
+                <a:satOff val="0"/>
+                <a:lumOff val="0"/>
+                <a:alphaOff val="0"/>
+                <a:tint val="94000"/>
+                <a:satMod val="105000"/>
+                <a:lumMod val="102000"/>
+              </a:schemeClr>
+            </a:gs>
+            <a:gs pos="100000">
+              <a:schemeClr val="accent3">
+                <a:hueOff val="0"/>
+                <a:satOff val="0"/>
+                <a:lumOff val="0"/>
+                <a:alphaOff val="0"/>
+                <a:shade val="74000"/>
+                <a:satMod val="128000"/>
+                <a:lumMod val="100000"/>
+              </a:schemeClr>
+            </a:gs>
+          </a:gsLst>
+          <a:lin ang="5400000" scaled="0"/>
+        </a:gradFill>
+        <a:ln>
+          <a:noFill/>
+        </a:ln>
+        <a:effectLst/>
+        <a:scene3d>
+          <a:camera prst="orthographicFront"/>
+          <a:lightRig rig="threePt" dir="t">
+            <a:rot lat="0" lon="0" rev="7500000"/>
+          </a:lightRig>
+        </a:scene3d>
+        <a:sp3d prstMaterial="plastic">
+          <a:bevelT w="127000" h="25400" prst="relaxedInset"/>
+        </a:sp3d>
+      </dsp:spPr>
+      <dsp:style>
+        <a:lnRef idx="0">
+          <a:scrgbClr r="0" g="0" b="0"/>
+        </a:lnRef>
+        <a:fillRef idx="3">
+          <a:scrgbClr r="0" g="0" b="0"/>
+        </a:fillRef>
+        <a:effectRef idx="2">
+          <a:scrgbClr r="0" g="0" b="0"/>
+        </a:effectRef>
+        <a:fontRef idx="minor">
+          <a:schemeClr val="lt1"/>
+        </a:fontRef>
+      </dsp:style>
+      <dsp:txBody>
+        <a:bodyPr spcFirstLastPara="0" vert="horz" wrap="square" lIns="24130" tIns="24130" rIns="24130" bIns="24130" numCol="1" spcCol="1270" anchor="ctr" anchorCtr="0">
+          <a:noAutofit/>
+        </a:bodyPr>
+        <a:lstStyle/>
+        <a:p>
+          <a:pPr lvl="0" algn="ctr" defTabSz="844550">
+            <a:lnSpc>
+              <a:spcPct val="90000"/>
+            </a:lnSpc>
+            <a:spcBef>
+              <a:spcPct val="0"/>
+            </a:spcBef>
+            <a:spcAft>
+              <a:spcPct val="35000"/>
+            </a:spcAft>
+          </a:pPr>
+          <a:r>
+            <a:rPr lang="en-US" sz="1900" kern="1200" dirty="0" smtClean="0"/>
+            <a:t>Vague</a:t>
+          </a:r>
+          <a:endParaRPr lang="en-US" sz="1900" kern="1200" dirty="0"/>
+        </a:p>
+      </dsp:txBody>
+      <dsp:txXfrm>
+        <a:off x="4911591" y="3259077"/>
+        <a:ext cx="1025357" cy="1025357"/>
+      </dsp:txXfrm>
+    </dsp:sp>
+    <dsp:sp modelId="{B9E3A3DE-A54C-4C5E-9FB7-68BF97238880}">
+      <dsp:nvSpPr>
+        <dsp:cNvPr id="0" name=""/>
+        <dsp:cNvSpPr/>
+      </dsp:nvSpPr>
+      <dsp:spPr>
+        <a:xfrm rot="9000000">
+          <a:off x="2641290" y="3013429"/>
+          <a:ext cx="307287" cy="493024"/>
+        </a:xfrm>
+        <a:prstGeom prst="rightArrow">
+          <a:avLst>
+            <a:gd name="adj1" fmla="val 60000"/>
+            <a:gd name="adj2" fmla="val 50000"/>
+          </a:avLst>
+        </a:prstGeom>
+        <a:solidFill>
+          <a:schemeClr val="accent4">
+            <a:hueOff val="0"/>
+            <a:satOff val="0"/>
+            <a:lumOff val="0"/>
+            <a:alphaOff val="0"/>
+          </a:schemeClr>
+        </a:solidFill>
+        <a:ln>
+          <a:noFill/>
+        </a:ln>
+        <a:effectLst/>
+        <a:scene3d>
+          <a:camera prst="orthographicFront"/>
+          <a:lightRig rig="threePt" dir="t">
+            <a:rot lat="0" lon="0" rev="7500000"/>
+          </a:lightRig>
+        </a:scene3d>
+        <a:sp3d z="-70000" extrusionH="63500" prstMaterial="matte">
+          <a:bevelT w="25400" h="6350" prst="relaxedInset"/>
+          <a:contourClr>
+            <a:schemeClr val="bg1"/>
+          </a:contourClr>
+        </a:sp3d>
+      </dsp:spPr>
+      <dsp:style>
+        <a:lnRef idx="0">
+          <a:scrgbClr r="0" g="0" b="0"/>
+        </a:lnRef>
+        <a:fillRef idx="1">
+          <a:scrgbClr r="0" g="0" b="0"/>
+        </a:fillRef>
+        <a:effectRef idx="2">
+          <a:scrgbClr r="0" g="0" b="0"/>
+        </a:effectRef>
+        <a:fontRef idx="minor">
+          <a:schemeClr val="lt1"/>
+        </a:fontRef>
+      </dsp:style>
+      <dsp:txBody>
+        <a:bodyPr spcFirstLastPara="0" vert="horz" wrap="square" lIns="0" tIns="0" rIns="0" bIns="0" numCol="1" spcCol="1270" anchor="ctr" anchorCtr="0">
+          <a:noAutofit/>
+        </a:bodyPr>
+        <a:lstStyle/>
+        <a:p>
+          <a:pPr lvl="0" algn="ctr" defTabSz="711200">
+            <a:lnSpc>
+              <a:spcPct val="90000"/>
+            </a:lnSpc>
+            <a:spcBef>
+              <a:spcPct val="0"/>
+            </a:spcBef>
+            <a:spcAft>
+              <a:spcPct val="35000"/>
+            </a:spcAft>
+          </a:pPr>
+          <a:endParaRPr lang="en-US" sz="1600" kern="1200"/>
+        </a:p>
+      </dsp:txBody>
+      <dsp:txXfrm rot="10800000">
+        <a:off x="2727301" y="3088988"/>
+        <a:ext cx="215101" cy="295814"/>
+      </dsp:txXfrm>
+    </dsp:sp>
+    <dsp:sp modelId="{9AD0B442-3710-4DF6-A7AB-E72AE33BDAAA}">
+      <dsp:nvSpPr>
+        <dsp:cNvPr id="0" name=""/>
+        <dsp:cNvSpPr/>
+      </dsp:nvSpPr>
+      <dsp:spPr>
+        <a:xfrm>
+          <a:off x="1183409" y="3046719"/>
+          <a:ext cx="1450073" cy="1450073"/>
+        </a:xfrm>
+        <a:prstGeom prst="ellipse">
+          <a:avLst/>
+        </a:prstGeom>
+        <a:gradFill rotWithShape="0">
+          <a:gsLst>
+            <a:gs pos="0">
+              <a:schemeClr val="accent4">
+                <a:hueOff val="0"/>
+                <a:satOff val="0"/>
+                <a:lumOff val="0"/>
+                <a:alphaOff val="0"/>
+                <a:tint val="94000"/>
+                <a:satMod val="105000"/>
+                <a:lumMod val="102000"/>
+              </a:schemeClr>
+            </a:gs>
+            <a:gs pos="100000">
+              <a:schemeClr val="accent4">
+                <a:hueOff val="0"/>
+                <a:satOff val="0"/>
+                <a:lumOff val="0"/>
+                <a:alphaOff val="0"/>
+                <a:shade val="74000"/>
+                <a:satMod val="128000"/>
+                <a:lumMod val="100000"/>
+              </a:schemeClr>
+            </a:gs>
+          </a:gsLst>
+          <a:lin ang="5400000" scaled="0"/>
+        </a:gradFill>
+        <a:ln>
+          <a:noFill/>
+        </a:ln>
+        <a:effectLst/>
+        <a:scene3d>
+          <a:camera prst="orthographicFront"/>
+          <a:lightRig rig="threePt" dir="t">
+            <a:rot lat="0" lon="0" rev="7500000"/>
+          </a:lightRig>
+        </a:scene3d>
+        <a:sp3d prstMaterial="plastic">
+          <a:bevelT w="127000" h="25400" prst="relaxedInset"/>
+        </a:sp3d>
+      </dsp:spPr>
+      <dsp:style>
+        <a:lnRef idx="0">
+          <a:scrgbClr r="0" g="0" b="0"/>
+        </a:lnRef>
+        <a:fillRef idx="3">
+          <a:scrgbClr r="0" g="0" b="0"/>
+        </a:fillRef>
+        <a:effectRef idx="2">
+          <a:scrgbClr r="0" g="0" b="0"/>
+        </a:effectRef>
+        <a:fontRef idx="minor">
+          <a:schemeClr val="lt1"/>
+        </a:fontRef>
+      </dsp:style>
+      <dsp:txBody>
+        <a:bodyPr spcFirstLastPara="0" vert="horz" wrap="square" lIns="24130" tIns="24130" rIns="24130" bIns="24130" numCol="1" spcCol="1270" anchor="ctr" anchorCtr="0">
+          <a:noAutofit/>
+        </a:bodyPr>
+        <a:lstStyle/>
+        <a:p>
+          <a:pPr lvl="0" algn="ctr" defTabSz="844550">
+            <a:lnSpc>
+              <a:spcPct val="90000"/>
+            </a:lnSpc>
+            <a:spcBef>
+              <a:spcPct val="0"/>
+            </a:spcBef>
+            <a:spcAft>
+              <a:spcPct val="35000"/>
+            </a:spcAft>
+          </a:pPr>
+          <a:r>
+            <a:rPr lang="en-US" sz="1900" kern="1200" dirty="0" smtClean="0"/>
+            <a:t>Big</a:t>
+          </a:r>
+          <a:endParaRPr lang="en-US" sz="1900" kern="1200" dirty="0"/>
+        </a:p>
+      </dsp:txBody>
+      <dsp:txXfrm>
+        <a:off x="1395767" y="3259077"/>
+        <a:ext cx="1025357" cy="1025357"/>
       </dsp:txXfrm>
     </dsp:sp>
   </dsp:spTree>
@@ -5428,12 +6444,12 @@
 </file>
 
 <file path=ppt/diagrams/layout3.xml><?xml version="1.0" encoding="utf-8"?>
-<dgm:layoutDef xmlns:dgm="http://schemas.openxmlformats.org/drawingml/2006/diagram" xmlns:a="http://schemas.openxmlformats.org/drawingml/2006/main" uniqueId="urn:microsoft.com/office/officeart/2005/8/layout/radial6">
+<dgm:layoutDef xmlns:dgm="http://schemas.openxmlformats.org/drawingml/2006/diagram" xmlns:a="http://schemas.openxmlformats.org/drawingml/2006/main" uniqueId="urn:microsoft.com/office/officeart/2005/8/layout/radial5">
   <dgm:title val=""/>
   <dgm:desc val=""/>
   <dgm:catLst>
-    <dgm:cat type="cycle" pri="9000"/>
-    <dgm:cat type="relationship" pri="21000"/>
+    <dgm:cat type="relationship" pri="23000"/>
+    <dgm:cat type="cycle" pri="11000"/>
   </dgm:catLst>
   <dgm:sampData>
     <dgm:dataModel>
@@ -5519,126 +6535,70 @@
     </dgm:varLst>
     <dgm:choose name="Name1">
       <dgm:if name="Name2" func="var" arg="dir" op="equ" val="norm">
-        <dgm:choose name="Name3">
-          <dgm:if name="Name4" axis="ch ch" ptType="node node" st="1 1" cnt="1 0" func="cnt" op="lte" val="1">
-            <dgm:alg type="cycle">
-              <dgm:param type="stAng" val="90"/>
-              <dgm:param type="spanAng" val="360"/>
-              <dgm:param type="ctrShpMap" val="fNode"/>
-            </dgm:alg>
-          </dgm:if>
-          <dgm:else name="Name5">
-            <dgm:alg type="cycle">
-              <dgm:param type="stAng" val="0"/>
-              <dgm:param type="spanAng" val="360"/>
-              <dgm:param type="ctrShpMap" val="fNode"/>
-            </dgm:alg>
-          </dgm:else>
-        </dgm:choose>
+        <dgm:alg type="cycle">
+          <dgm:param type="stAng" val="0"/>
+          <dgm:param type="spanAng" val="360"/>
+          <dgm:param type="ctrShpMap" val="fNode"/>
+        </dgm:alg>
       </dgm:if>
-      <dgm:else name="Name6">
-        <dgm:choose name="Name7">
-          <dgm:if name="Name8" axis="ch ch" ptType="node node" st="1 1" cnt="1 0" func="cnt" op="lte" val="1">
-            <dgm:alg type="cycle">
-              <dgm:param type="stAng" val="-90"/>
-              <dgm:param type="spanAng" val="360"/>
-              <dgm:param type="ctrShpMap" val="fNode"/>
-            </dgm:alg>
-          </dgm:if>
-          <dgm:else name="Name9">
-            <dgm:alg type="cycle">
-              <dgm:param type="stAng" val="0"/>
-              <dgm:param type="spanAng" val="-360"/>
-              <dgm:param type="ctrShpMap" val="fNode"/>
-            </dgm:alg>
-          </dgm:else>
-        </dgm:choose>
+      <dgm:else name="Name3">
+        <dgm:alg type="cycle">
+          <dgm:param type="stAng" val="0"/>
+          <dgm:param type="spanAng" val="-360"/>
+          <dgm:param type="ctrShpMap" val="fNode"/>
+        </dgm:alg>
       </dgm:else>
     </dgm:choose>
     <dgm:shape xmlns:r="http://schemas.openxmlformats.org/officeDocument/2006/relationships" r:blip="">
       <dgm:adjLst/>
     </dgm:shape>
     <dgm:presOf/>
-    <dgm:choose name="Name10">
-      <dgm:if name="Name11" func="var" arg="dir" op="equ" val="norm">
-        <dgm:choose name="Name12">
-          <dgm:if name="Name13" axis="ch ch" ptType="node node" st="1 1" cnt="1 0" func="cnt" op="equ" val="1">
-            <dgm:constrLst>
-              <dgm:constr type="diam" val="170"/>
-              <dgm:constr type="w" for="ch" forName="centerShape" refType="w"/>
-              <dgm:constr type="w" for="ch" forName="oneComp" refType="w" refFor="ch" refForName="centerShape" op="equ" fact="0.7"/>
-              <dgm:constr type="sp" refType="w" refFor="ch" refForName="oneComp" fact="0.3"/>
-              <dgm:constr type="sibSp" refType="w" refFor="ch" refForName="oneComp" fact="0.3"/>
-              <dgm:constr type="primFontSz" for="ch" forName="centerShape" val="65"/>
-              <dgm:constr type="primFontSz" for="des" forName="oneNode" refType="primFontSz" refFor="ch" refForName="centerShape" fact="0.95"/>
-              <dgm:constr type="primFontSz" for="des" forName="oneNode" refType="primFontSz" refFor="ch" refForName="centerShape" op="lte" fact="0.95"/>
-              <dgm:constr type="diam" for="ch" forName="singleconn" refType="diam" op="equ" fact="-1"/>
-              <dgm:constr type="h" for="ch" forName="singleconn" refType="w" refFor="ch" refForName="oneComp" fact="0.24"/>
-              <dgm:constr type="w" for="ch" forName="dummya" refType="w" refFor="ch" refForName="oneComp" op="equ"/>
-              <dgm:constr type="w" for="ch" forName="dummyb" refType="w" refFor="ch" refForName="oneComp" op="equ"/>
-              <dgm:constr type="w" for="ch" forName="dummyc" refType="w" refFor="ch" refForName="oneComp" op="equ"/>
-            </dgm:constrLst>
-          </dgm:if>
-          <dgm:else name="Name14">
-            <dgm:constrLst>
-              <dgm:constr type="diam" val="170"/>
-              <dgm:constr type="w" for="ch" forName="centerShape" refType="w"/>
-              <dgm:constr type="w" for="ch" forName="node" refType="w" refFor="ch" refForName="centerShape" op="equ" fact="0.7"/>
-              <dgm:constr type="sp" refType="w" refFor="ch" refForName="node" fact="0.3"/>
-              <dgm:constr type="sibSp" refType="w" refFor="ch" refForName="node" fact="0.3"/>
-              <dgm:constr type="primFontSz" for="ch" forName="centerShape" val="65"/>
-              <dgm:constr type="primFontSz" for="des" forName="node" refType="primFontSz" refFor="ch" refForName="centerShape" fact="0.78"/>
-              <dgm:constr type="primFontSz" for="ch" forName="node" refType="primFontSz" refFor="ch" refForName="centerShape" op="lte" fact="0.95"/>
-              <dgm:constr type="diam" for="ch" forName="sibTrans" refType="diam" op="equ"/>
-              <dgm:constr type="h" for="ch" forName="sibTrans" refType="w" refFor="ch" refForName="node" fact="0.24"/>
-              <dgm:constr type="w" for="ch" forName="dummy" val="1"/>
-            </dgm:constrLst>
-          </dgm:else>
-        </dgm:choose>
+    <dgm:constrLst>
+      <dgm:constr type="w" for="ch" forName="centerShape" refType="w"/>
+      <dgm:constr type="w" for="ch" forName="parTrans" refType="w" refFor="ch" refForName="centerShape" fact="0.4"/>
+      <dgm:constr type="w" for="ch" forName="node" refType="w" refFor="ch" refForName="centerShape" op="equ" fact="1.25"/>
+      <dgm:constr type="sp" refType="w" refFor="ch" refForName="centerShape" op="equ" fact="0.4"/>
+      <dgm:constr type="sibSp" refType="w" refFor="ch" refForName="node" fact="0.3"/>
+      <dgm:constr type="primFontSz" for="ch" forName="centerShape" val="65"/>
+      <dgm:constr type="primFontSz" for="des" forName="node" op="equ" val="65"/>
+      <dgm:constr type="primFontSz" for="des" forName="node" refType="primFontSz" refFor="ch" refForName="centerShape" op="lte"/>
+      <dgm:constr type="primFontSz" for="des" forName="connectorText" op="equ" val="55"/>
+      <dgm:constr type="primFontSz" for="des" forName="connectorText" refType="primFontSz" refFor="ch" refForName="centerShape" op="lte" fact="0.8"/>
+      <dgm:constr type="primFontSz" for="des" forName="connectorText" refType="primFontSz" refFor="des" refForName="node" op="lte"/>
+    </dgm:constrLst>
+    <dgm:choose name="Name4">
+      <dgm:if name="Name5" axis="ch ch" ptType="node node" st="1 1" cnt="1 0" func="cnt" op="lte" val="6">
+        <dgm:ruleLst>
+          <dgm:rule type="w" for="ch" forName="node" val="NaN" fact="1" max="NaN"/>
+        </dgm:ruleLst>
       </dgm:if>
-      <dgm:else name="Name15">
-        <dgm:choose name="Name16">
-          <dgm:if name="Name17" axis="ch ch" ptType="node node" st="1 1" cnt="1 0" func="cnt" op="equ" val="1">
-            <dgm:constrLst>
-              <dgm:constr type="diam" val="170"/>
-              <dgm:constr type="w" for="ch" forName="centerShape" refType="w"/>
-              <dgm:constr type="w" for="ch" forName="oneComp" refType="w" refFor="ch" refForName="centerShape" op="equ" fact="0.7"/>
-              <dgm:constr type="sp" refType="w" refFor="ch" refForName="oneComp" fact="0.3"/>
-              <dgm:constr type="sibSp" refType="w" refFor="ch" refForName="oneComp" fact="0.3"/>
-              <dgm:constr type="primFontSz" for="ch" forName="centerShape" val="65"/>
-              <dgm:constr type="primFontSz" for="des" forName="oneNode" refType="primFontSz" refFor="ch" refForName="centerShape" fact="0.95"/>
-              <dgm:constr type="primFontSz" for="ch" forName="oneNode" refType="primFontSz" refFor="ch" refForName="centerShape" op="lte" fact="0.95"/>
-              <dgm:constr type="diam" for="ch" forName="singleconn" refType="diam"/>
-              <dgm:constr type="h" for="ch" forName="singleconn" refType="w" refFor="ch" refForName="oneComp" fact="0.24"/>
-              <dgm:constr type="diam" for="ch" refType="diam" op="equ"/>
-              <dgm:constr type="w" for="ch" forName="dummya" refType="w" refFor="ch" refForName="oneComp" op="equ"/>
-              <dgm:constr type="w" for="ch" forName="dummyb" refType="w" refFor="ch" refForName="oneComp" op="equ"/>
-              <dgm:constr type="w" for="ch" forName="dummyc" refType="w" refFor="ch" refForName="oneComp" op="equ"/>
-            </dgm:constrLst>
-          </dgm:if>
-          <dgm:else name="Name18">
-            <dgm:constrLst>
-              <dgm:constr type="diam" val="170"/>
-              <dgm:constr type="w" for="ch" forName="centerShape" refType="w"/>
-              <dgm:constr type="w" for="ch" forName="node" refType="w" refFor="ch" refForName="centerShape" op="equ" fact="0.7"/>
-              <dgm:constr type="sp" refType="w" refFor="ch" refForName="node" fact="0.3"/>
-              <dgm:constr type="sibSp" refType="w" refFor="ch" refForName="node" fact="0.3"/>
-              <dgm:constr type="primFontSz" for="ch" forName="centerShape" val="65"/>
-              <dgm:constr type="primFontSz" for="des" forName="node" refType="primFontSz" refFor="ch" refForName="centerShape" fact="0.78"/>
-              <dgm:constr type="primFontSz" for="ch" forName="node" refType="primFontSz" refFor="ch" refForName="centerShape" op="lte" fact="0.95"/>
-              <dgm:constr type="diam" for="ch" ptType="sibTrans" refType="diam" fact="-1"/>
-              <dgm:constr type="h" for="ch" forName="sibTrans" refType="w" refFor="ch" refForName="node" fact="0.24"/>
-              <dgm:constr type="diam" for="ch" refType="diam" op="equ" fact="-1"/>
-              <dgm:constr type="w" for="ch" forName="dummy" val="1"/>
-            </dgm:constrLst>
-          </dgm:else>
-        </dgm:choose>
+      <dgm:if name="Name6" axis="ch ch" ptType="node node" st="1 1" cnt="1 0" func="cnt" op="lte" val="8">
+        <dgm:ruleLst>
+          <dgm:rule type="w" for="ch" forName="node" val="NaN" fact="0.9" max="NaN"/>
+        </dgm:ruleLst>
+      </dgm:if>
+      <dgm:if name="Name7" axis="ch ch" ptType="node node" st="1 1" cnt="1 0" func="cnt" op="lte" val="10">
+        <dgm:ruleLst>
+          <dgm:rule type="w" for="ch" forName="node" val="NaN" fact="0.8" max="NaN"/>
+        </dgm:ruleLst>
+      </dgm:if>
+      <dgm:if name="Name8" axis="ch ch" ptType="node node" st="1 1" cnt="1 0" func="cnt" op="lte" val="12">
+        <dgm:ruleLst>
+          <dgm:rule type="w" for="ch" forName="node" val="NaN" fact="0.7" max="NaN"/>
+        </dgm:ruleLst>
+      </dgm:if>
+      <dgm:if name="Name9" axis="ch ch" ptType="node node" st="1 1" cnt="1 0" func="cnt" op="lte" val="14">
+        <dgm:ruleLst>
+          <dgm:rule type="w" for="ch" forName="node" val="NaN" fact="0.6" max="NaN"/>
+        </dgm:ruleLst>
+      </dgm:if>
+      <dgm:else name="Name10">
+        <dgm:ruleLst>
+          <dgm:rule type="w" for="ch" forName="node" val="NaN" fact="0.5" max="NaN"/>
+        </dgm:ruleLst>
       </dgm:else>
     </dgm:choose>
-    <dgm:ruleLst>
-      <dgm:rule type="diam" val="INF" fact="NaN" max="NaN"/>
-    </dgm:ruleLst>
-    <dgm:forEach name="Name19" axis="ch" ptType="node" cnt="1">
+    <dgm:forEach name="Name11" axis="ch" ptType="node" cnt="1">
       <dgm:layoutNode name="centerShape" styleLbl="node0">
         <dgm:alg type="tx"/>
         <dgm:shape xmlns:r="http://schemas.openxmlformats.org/officeDocument/2006/relationships" type="ellipse" r:blip="">
@@ -5656,177 +6616,65 @@
           <dgm:rule type="primFontSz" val="5" fact="NaN" max="NaN"/>
         </dgm:ruleLst>
       </dgm:layoutNode>
-      <dgm:forEach name="Name20" axis="ch">
-        <dgm:forEach name="Name21" axis="self" ptType="node">
-          <dgm:choose name="Name22">
-            <dgm:if name="Name23" axis="par ch" ptType="node node" func="cnt" op="gt" val="1">
-              <dgm:layoutNode name="node" styleLbl="node1">
-                <dgm:varLst>
-                  <dgm:bulletEnabled val="1"/>
-                </dgm:varLst>
-                <dgm:alg type="tx">
-                  <dgm:param type="txAnchorVertCh" val="mid"/>
-                </dgm:alg>
-                <dgm:shape xmlns:r="http://schemas.openxmlformats.org/officeDocument/2006/relationships" type="ellipse" r:blip="">
-                  <dgm:adjLst/>
-                </dgm:shape>
-                <dgm:presOf axis="desOrSelf" ptType="node"/>
-                <dgm:constrLst>
-                  <dgm:constr type="h" refType="w"/>
-                  <dgm:constr type="tMarg" refType="primFontSz" fact="0.1"/>
-                  <dgm:constr type="bMarg" refType="primFontSz" fact="0.1"/>
-                  <dgm:constr type="lMarg" refType="primFontSz" fact="0.1"/>
-                  <dgm:constr type="rMarg" refType="primFontSz" fact="0.1"/>
-                </dgm:constrLst>
-                <dgm:ruleLst>
-                  <dgm:rule type="primFontSz" val="5" fact="NaN" max="NaN"/>
-                </dgm:ruleLst>
-              </dgm:layoutNode>
-              <dgm:layoutNode name="dummy">
-                <dgm:alg type="sp"/>
-                <dgm:shape xmlns:r="http://schemas.openxmlformats.org/officeDocument/2006/relationships" r:blip="">
-                  <dgm:adjLst/>
-                </dgm:shape>
-                <dgm:presOf/>
-                <dgm:constrLst>
-                  <dgm:constr type="h" refType="w"/>
-                </dgm:constrLst>
-                <dgm:ruleLst/>
-              </dgm:layoutNode>
-              <dgm:forEach name="sibTransForEach" axis="followSib" ptType="sibTrans" hideLastTrans="0" cnt="1">
-                <dgm:layoutNode name="sibTrans" styleLbl="sibTrans2D1">
-                  <dgm:alg type="conn">
-                    <dgm:param type="connRout" val="curve"/>
-                    <dgm:param type="begPts" val="ctr"/>
-                    <dgm:param type="endPts" val="ctr"/>
-                    <dgm:param type="begSty" val="noArr"/>
-                    <dgm:param type="endSty" val="noArr"/>
-                    <dgm:param type="dstNode" val="node"/>
-                  </dgm:alg>
-                  <dgm:shape xmlns:r="http://schemas.openxmlformats.org/officeDocument/2006/relationships" type="conn" r:blip="" zOrderOff="-999">
-                    <dgm:adjLst/>
-                  </dgm:shape>
-                  <dgm:presOf axis="self"/>
-                  <dgm:constrLst>
-                    <dgm:constr type="begPad"/>
-                    <dgm:constr type="endPad"/>
-                  </dgm:constrLst>
-                  <dgm:ruleLst/>
-                </dgm:layoutNode>
-              </dgm:forEach>
-            </dgm:if>
-            <dgm:if name="Name24" axis="par ch" ptType="node node" func="cnt" op="equ" val="1">
-              <dgm:layoutNode name="oneComp">
-                <dgm:alg type="composite">
-                  <dgm:param type="ar" val="1"/>
-                </dgm:alg>
-                <dgm:shape xmlns:r="http://schemas.openxmlformats.org/officeDocument/2006/relationships" r:blip="">
-                  <dgm:adjLst/>
-                </dgm:shape>
-                <dgm:presOf/>
-                <dgm:constrLst>
-                  <dgm:constr type="h" refType="w"/>
-                  <dgm:constr type="l" for="ch" forName="dummyConnPt" refType="w" fact="0.5"/>
-                  <dgm:constr type="t" for="ch" forName="dummyConnPt" refType="w" fact="0.5"/>
-                  <dgm:constr type="l" for="ch" forName="oneNode"/>
-                  <dgm:constr type="t" for="ch" forName="oneNode"/>
-                  <dgm:constr type="h" for="ch" forName="oneNode" refType="h"/>
-                  <dgm:constr type="w" for="ch" forName="oneNode" refType="w"/>
-                </dgm:constrLst>
-                <dgm:ruleLst/>
-                <dgm:layoutNode name="dummyConnPt" styleLbl="node1">
-                  <dgm:alg type="sp"/>
-                  <dgm:shape xmlns:r="http://schemas.openxmlformats.org/officeDocument/2006/relationships" r:blip="">
-                    <dgm:adjLst/>
-                  </dgm:shape>
-                  <dgm:presOf/>
-                  <dgm:constrLst>
-                    <dgm:constr type="w" val="1"/>
-                    <dgm:constr type="h" val="1"/>
-                  </dgm:constrLst>
-                  <dgm:ruleLst/>
-                </dgm:layoutNode>
-                <dgm:layoutNode name="oneNode" styleLbl="node1">
-                  <dgm:varLst>
-                    <dgm:bulletEnabled val="1"/>
-                  </dgm:varLst>
-                  <dgm:alg type="tx">
-                    <dgm:param type="txAnchorVertCh" val="mid"/>
-                  </dgm:alg>
-                  <dgm:shape xmlns:r="http://schemas.openxmlformats.org/officeDocument/2006/relationships" type="ellipse" r:blip="">
-                    <dgm:adjLst/>
-                  </dgm:shape>
-                  <dgm:presOf axis="desOrSelf" ptType="node"/>
-                  <dgm:constrLst>
-                    <dgm:constr type="h" refType="w"/>
-                    <dgm:constr type="tMarg" refType="primFontSz" fact="0.1"/>
-                    <dgm:constr type="bMarg" refType="primFontSz" fact="0.1"/>
-                    <dgm:constr type="lMarg" refType="primFontSz" fact="0.1"/>
-                    <dgm:constr type="rMarg" refType="primFontSz" fact="0.1"/>
-                  </dgm:constrLst>
-                  <dgm:ruleLst>
-                    <dgm:rule type="primFontSz" val="5" fact="NaN" max="NaN"/>
-                  </dgm:ruleLst>
-                </dgm:layoutNode>
-              </dgm:layoutNode>
-              <dgm:layoutNode name="dummya">
-                <dgm:alg type="sp"/>
-                <dgm:shape xmlns:r="http://schemas.openxmlformats.org/officeDocument/2006/relationships" r:blip="">
-                  <dgm:adjLst/>
-                </dgm:shape>
-                <dgm:presOf/>
-                <dgm:constrLst>
-                  <dgm:constr type="h" refType="w"/>
-                </dgm:constrLst>
-                <dgm:ruleLst/>
-              </dgm:layoutNode>
-              <dgm:layoutNode name="dummyb">
-                <dgm:alg type="sp"/>
-                <dgm:shape xmlns:r="http://schemas.openxmlformats.org/officeDocument/2006/relationships" r:blip="">
-                  <dgm:adjLst/>
-                </dgm:shape>
-                <dgm:presOf/>
-                <dgm:constrLst>
-                  <dgm:constr type="h" refType="w"/>
-                </dgm:constrLst>
-                <dgm:ruleLst/>
-              </dgm:layoutNode>
-              <dgm:layoutNode name="dummyc">
-                <dgm:alg type="sp"/>
-                <dgm:shape xmlns:r="http://schemas.openxmlformats.org/officeDocument/2006/relationships" r:blip="">
-                  <dgm:adjLst/>
-                </dgm:shape>
-                <dgm:presOf/>
-                <dgm:constrLst>
-                  <dgm:constr type="h" refType="w"/>
-                </dgm:constrLst>
-                <dgm:ruleLst/>
-              </dgm:layoutNode>
-              <dgm:forEach name="sibTransForEach1" axis="followSib" ptType="sibTrans" hideLastTrans="0" cnt="1">
-                <dgm:layoutNode name="singleconn" styleLbl="sibTrans2D1">
-                  <dgm:alg type="conn">
-                    <dgm:param type="connRout" val="longCurve"/>
-                    <dgm:param type="begPts" val="bCtr"/>
-                    <dgm:param type="endPts" val="tCtr"/>
-                    <dgm:param type="begSty" val="noArr"/>
-                    <dgm:param type="endSty" val="noArr"/>
-                    <dgm:param type="srcNode" val="dummyConnPt"/>
-                    <dgm:param type="dstNode" val="dummyConnPt"/>
-                  </dgm:alg>
-                  <dgm:shape xmlns:r="http://schemas.openxmlformats.org/officeDocument/2006/relationships" type="conn" r:blip="" zOrderOff="-999">
-                    <dgm:adjLst/>
-                  </dgm:shape>
-                  <dgm:presOf axis="self"/>
-                  <dgm:constrLst>
-                    <dgm:constr type="begPad"/>
-                    <dgm:constr type="endPad"/>
-                  </dgm:constrLst>
-                  <dgm:ruleLst/>
-                </dgm:layoutNode>
-              </dgm:forEach>
-            </dgm:if>
-            <dgm:else name="Name25"/>
-          </dgm:choose>
+      <dgm:forEach name="Name12" axis="ch">
+        <dgm:forEach name="Name13" axis="self" ptType="parTrans">
+          <dgm:layoutNode name="parTrans" styleLbl="sibTrans2D1">
+            <dgm:alg type="conn">
+              <dgm:param type="begPts" val="auto"/>
+              <dgm:param type="endPts" val="auto"/>
+            </dgm:alg>
+            <dgm:shape xmlns:r="http://schemas.openxmlformats.org/officeDocument/2006/relationships" type="conn" r:blip="">
+              <dgm:adjLst/>
+            </dgm:shape>
+            <dgm:presOf axis="self"/>
+            <dgm:constrLst>
+              <dgm:constr type="h" refType="w" fact="0.85"/>
+            </dgm:constrLst>
+            <dgm:ruleLst/>
+            <dgm:layoutNode name="connectorText">
+              <dgm:alg type="tx">
+                <dgm:param type="autoTxRot" val="grav"/>
+              </dgm:alg>
+              <dgm:shape xmlns:r="http://schemas.openxmlformats.org/officeDocument/2006/relationships" type="conn" r:blip="" hideGeom="1">
+                <dgm:adjLst/>
+              </dgm:shape>
+              <dgm:presOf axis="self"/>
+              <dgm:constrLst>
+                <dgm:constr type="lMarg"/>
+                <dgm:constr type="rMarg"/>
+                <dgm:constr type="tMarg"/>
+                <dgm:constr type="bMarg"/>
+              </dgm:constrLst>
+              <dgm:ruleLst>
+                <dgm:rule type="primFontSz" val="5" fact="NaN" max="NaN"/>
+              </dgm:ruleLst>
+            </dgm:layoutNode>
+          </dgm:layoutNode>
+        </dgm:forEach>
+        <dgm:forEach name="Name14" axis="self" ptType="node">
+          <dgm:layoutNode name="node" styleLbl="node1">
+            <dgm:varLst>
+              <dgm:bulletEnabled val="1"/>
+            </dgm:varLst>
+            <dgm:alg type="tx">
+              <dgm:param type="txAnchorVertCh" val="mid"/>
+            </dgm:alg>
+            <dgm:shape xmlns:r="http://schemas.openxmlformats.org/officeDocument/2006/relationships" type="ellipse" r:blip="">
+              <dgm:adjLst/>
+            </dgm:shape>
+            <dgm:presOf axis="desOrSelf" ptType="node"/>
+            <dgm:constrLst>
+              <dgm:constr type="h" refType="w"/>
+              <dgm:constr type="tMarg" refType="primFontSz" fact="0.1"/>
+              <dgm:constr type="bMarg" refType="primFontSz" fact="0.1"/>
+              <dgm:constr type="lMarg" refType="primFontSz" fact="0.1"/>
+              <dgm:constr type="rMarg" refType="primFontSz" fact="0.1"/>
+            </dgm:constrLst>
+            <dgm:ruleLst>
+              <dgm:rule type="w" val="INF" fact="NaN" max="NaN"/>
+              <dgm:rule type="primFontSz" val="5" fact="NaN" max="NaN"/>
+            </dgm:ruleLst>
+          </dgm:layoutNode>
         </dgm:forEach>
       </dgm:forEach>
     </dgm:forEach>
@@ -7986,11 +8834,11 @@
 </file>
 
 <file path=ppt/diagrams/quickStyle3.xml><?xml version="1.0" encoding="utf-8"?>
-<dgm:styleDef xmlns:dgm="http://schemas.openxmlformats.org/drawingml/2006/diagram" xmlns:a="http://schemas.openxmlformats.org/drawingml/2006/main" uniqueId="urn:microsoft.com/office/officeart/2005/8/quickstyle/simple1">
+<dgm:styleDef xmlns:dgm="http://schemas.openxmlformats.org/drawingml/2006/diagram" xmlns:a="http://schemas.openxmlformats.org/drawingml/2006/main" uniqueId="urn:microsoft.com/office/officeart/2005/8/quickstyle/3d2">
   <dgm:title val=""/>
   <dgm:desc val=""/>
   <dgm:catLst>
-    <dgm:cat type="simple" pri="10100"/>
+    <dgm:cat type="3D" pri="11200"/>
   </dgm:catLst>
   <dgm:scene3d>
     <a:camera prst="orthographicFront"/>
@@ -7999,18 +8847,22 @@
   <dgm:styleLbl name="node0">
     <dgm:scene3d>
       <a:camera prst="orthographicFront"/>
-      <a:lightRig rig="threePt" dir="t"/>
+      <a:lightRig rig="threePt" dir="t">
+        <a:rot lat="0" lon="0" rev="7500000"/>
+      </a:lightRig>
     </dgm:scene3d>
-    <dgm:sp3d/>
+    <dgm:sp3d prstMaterial="plastic">
+      <a:bevelT w="127000" h="25400" prst="relaxedInset"/>
+    </dgm:sp3d>
     <dgm:txPr/>
     <dgm:style>
-      <a:lnRef idx="2">
+      <a:lnRef idx="0">
         <a:scrgbClr r="0" g="0" b="0"/>
       </a:lnRef>
-      <a:fillRef idx="1">
+      <a:fillRef idx="3">
         <a:scrgbClr r="0" g="0" b="0"/>
       </a:fillRef>
-      <a:effectRef idx="0">
+      <a:effectRef idx="2">
         <a:scrgbClr r="0" g="0" b="0"/>
       </a:effectRef>
       <a:fontRef idx="minor">
@@ -8021,18 +8873,22 @@
   <dgm:styleLbl name="lnNode1">
     <dgm:scene3d>
       <a:camera prst="orthographicFront"/>
-      <a:lightRig rig="threePt" dir="t"/>
+      <a:lightRig rig="threePt" dir="t">
+        <a:rot lat="0" lon="0" rev="7500000"/>
+      </a:lightRig>
     </dgm:scene3d>
-    <dgm:sp3d/>
+    <dgm:sp3d prstMaterial="plastic">
+      <a:bevelT w="127000" h="25400" prst="relaxedInset"/>
+    </dgm:sp3d>
     <dgm:txPr/>
     <dgm:style>
-      <a:lnRef idx="2">
+      <a:lnRef idx="1">
         <a:scrgbClr r="0" g="0" b="0"/>
       </a:lnRef>
-      <a:fillRef idx="1">
+      <a:fillRef idx="3">
         <a:scrgbClr r="0" g="0" b="0"/>
       </a:fillRef>
-      <a:effectRef idx="0">
+      <a:effectRef idx="2">
         <a:scrgbClr r="0" g="0" b="0"/>
       </a:effectRef>
       <a:fontRef idx="minor">
@@ -8043,18 +8899,22 @@
   <dgm:styleLbl name="vennNode1">
     <dgm:scene3d>
       <a:camera prst="orthographicFront"/>
-      <a:lightRig rig="threePt" dir="t"/>
+      <a:lightRig rig="threePt" dir="t">
+        <a:rot lat="0" lon="0" rev="7500000"/>
+      </a:lightRig>
     </dgm:scene3d>
-    <dgm:sp3d/>
+    <dgm:sp3d prstMaterial="plastic">
+      <a:bevelT w="127000" h="25400" prst="relaxedInset"/>
+    </dgm:sp3d>
     <dgm:txPr/>
     <dgm:style>
-      <a:lnRef idx="2">
+      <a:lnRef idx="0">
         <a:scrgbClr r="0" g="0" b="0"/>
       </a:lnRef>
-      <a:fillRef idx="1">
+      <a:fillRef idx="3">
         <a:scrgbClr r="0" g="0" b="0"/>
       </a:fillRef>
-      <a:effectRef idx="0">
+      <a:effectRef idx="2">
         <a:scrgbClr r="0" g="0" b="0"/>
       </a:effectRef>
       <a:fontRef idx="minor">
@@ -8062,21 +8922,25 @@
       </a:fontRef>
     </dgm:style>
   </dgm:styleLbl>
-  <dgm:styleLbl name="alignNode1">
+  <dgm:styleLbl name="alingNode1">
     <dgm:scene3d>
       <a:camera prst="orthographicFront"/>
-      <a:lightRig rig="threePt" dir="t"/>
+      <a:lightRig rig="threePt" dir="t">
+        <a:rot lat="0" lon="0" rev="7500000"/>
+      </a:lightRig>
     </dgm:scene3d>
-    <dgm:sp3d/>
+    <dgm:sp3d prstMaterial="plastic">
+      <a:bevelT w="127000" h="25400" prst="relaxedInset"/>
+    </dgm:sp3d>
     <dgm:txPr/>
     <dgm:style>
-      <a:lnRef idx="2">
+      <a:lnRef idx="0">
         <a:scrgbClr r="0" g="0" b="0"/>
       </a:lnRef>
-      <a:fillRef idx="1">
+      <a:fillRef idx="3">
         <a:scrgbClr r="0" g="0" b="0"/>
       </a:fillRef>
-      <a:effectRef idx="0">
+      <a:effectRef idx="2">
         <a:scrgbClr r="0" g="0" b="0"/>
       </a:effectRef>
       <a:fontRef idx="minor">
@@ -8087,18 +8951,22 @@
   <dgm:styleLbl name="node1">
     <dgm:scene3d>
       <a:camera prst="orthographicFront"/>
-      <a:lightRig rig="threePt" dir="t"/>
+      <a:lightRig rig="threePt" dir="t">
+        <a:rot lat="0" lon="0" rev="7500000"/>
+      </a:lightRig>
     </dgm:scene3d>
-    <dgm:sp3d/>
+    <dgm:sp3d prstMaterial="plastic">
+      <a:bevelT w="127000" h="25400" prst="relaxedInset"/>
+    </dgm:sp3d>
     <dgm:txPr/>
     <dgm:style>
-      <a:lnRef idx="2">
+      <a:lnRef idx="0">
         <a:scrgbClr r="0" g="0" b="0"/>
       </a:lnRef>
-      <a:fillRef idx="1">
+      <a:fillRef idx="3">
         <a:scrgbClr r="0" g="0" b="0"/>
       </a:fillRef>
-      <a:effectRef idx="0">
+      <a:effectRef idx="2">
         <a:scrgbClr r="0" g="0" b="0"/>
       </a:effectRef>
       <a:fontRef idx="minor">
@@ -8109,18 +8977,22 @@
   <dgm:styleLbl name="node2">
     <dgm:scene3d>
       <a:camera prst="orthographicFront"/>
-      <a:lightRig rig="threePt" dir="t"/>
+      <a:lightRig rig="threePt" dir="t">
+        <a:rot lat="0" lon="0" rev="7500000"/>
+      </a:lightRig>
     </dgm:scene3d>
-    <dgm:sp3d/>
+    <dgm:sp3d prstMaterial="plastic">
+      <a:bevelT w="127000" h="25400" prst="relaxedInset"/>
+    </dgm:sp3d>
     <dgm:txPr/>
     <dgm:style>
-      <a:lnRef idx="2">
+      <a:lnRef idx="0">
         <a:scrgbClr r="0" g="0" b="0"/>
       </a:lnRef>
-      <a:fillRef idx="1">
+      <a:fillRef idx="3">
         <a:scrgbClr r="0" g="0" b="0"/>
       </a:fillRef>
-      <a:effectRef idx="0">
+      <a:effectRef idx="2">
         <a:scrgbClr r="0" g="0" b="0"/>
       </a:effectRef>
       <a:fontRef idx="minor">
@@ -8131,18 +9003,22 @@
   <dgm:styleLbl name="node3">
     <dgm:scene3d>
       <a:camera prst="orthographicFront"/>
-      <a:lightRig rig="threePt" dir="t"/>
+      <a:lightRig rig="threePt" dir="t">
+        <a:rot lat="0" lon="0" rev="7500000"/>
+      </a:lightRig>
     </dgm:scene3d>
-    <dgm:sp3d/>
+    <dgm:sp3d prstMaterial="plastic">
+      <a:bevelT w="127000" h="25400" prst="relaxedInset"/>
+    </dgm:sp3d>
     <dgm:txPr/>
     <dgm:style>
-      <a:lnRef idx="2">
+      <a:lnRef idx="0">
         <a:scrgbClr r="0" g="0" b="0"/>
       </a:lnRef>
-      <a:fillRef idx="1">
+      <a:fillRef idx="3">
         <a:scrgbClr r="0" g="0" b="0"/>
       </a:fillRef>
-      <a:effectRef idx="0">
+      <a:effectRef idx="2">
         <a:scrgbClr r="0" g="0" b="0"/>
       </a:effectRef>
       <a:fontRef idx="minor">
@@ -8153,18 +9029,22 @@
   <dgm:styleLbl name="node4">
     <dgm:scene3d>
       <a:camera prst="orthographicFront"/>
-      <a:lightRig rig="threePt" dir="t"/>
+      <a:lightRig rig="threePt" dir="t">
+        <a:rot lat="0" lon="0" rev="7500000"/>
+      </a:lightRig>
     </dgm:scene3d>
-    <dgm:sp3d/>
+    <dgm:sp3d prstMaterial="plastic">
+      <a:bevelT w="127000" h="25400" prst="relaxedInset"/>
+    </dgm:sp3d>
     <dgm:txPr/>
     <dgm:style>
-      <a:lnRef idx="2">
+      <a:lnRef idx="0">
         <a:scrgbClr r="0" g="0" b="0"/>
       </a:lnRef>
-      <a:fillRef idx="1">
+      <a:fillRef idx="3">
         <a:scrgbClr r="0" g="0" b="0"/>
       </a:fillRef>
-      <a:effectRef idx="0">
+      <a:effectRef idx="2">
         <a:scrgbClr r="0" g="0" b="0"/>
       </a:effectRef>
       <a:fontRef idx="minor">
@@ -8175,12 +9055,19 @@
   <dgm:styleLbl name="fgImgPlace1">
     <dgm:scene3d>
       <a:camera prst="orthographicFront"/>
-      <a:lightRig rig="threePt" dir="t"/>
+      <a:lightRig rig="threePt" dir="t">
+        <a:rot lat="0" lon="0" rev="7500000"/>
+      </a:lightRig>
     </dgm:scene3d>
-    <dgm:sp3d/>
+    <dgm:sp3d z="152400" extrusionH="63500" prstMaterial="matte">
+      <a:bevelT w="50800" h="19050" prst="relaxedInset"/>
+      <a:contourClr>
+        <a:schemeClr val="bg1"/>
+      </a:contourClr>
+    </dgm:sp3d>
     <dgm:txPr/>
     <dgm:style>
-      <a:lnRef idx="2">
+      <a:lnRef idx="0">
         <a:scrgbClr r="0" g="0" b="0"/>
       </a:lnRef>
       <a:fillRef idx="1">
@@ -8195,12 +9082,18 @@
   <dgm:styleLbl name="alignImgPlace1">
     <dgm:scene3d>
       <a:camera prst="orthographicFront"/>
-      <a:lightRig rig="threePt" dir="t"/>
+      <a:lightRig rig="threePt" dir="t">
+        <a:rot lat="0" lon="0" rev="7500000"/>
+      </a:lightRig>
     </dgm:scene3d>
-    <dgm:sp3d/>
+    <dgm:sp3d z="254000" extrusionH="63500" contourW="12700" prstMaterial="matte">
+      <a:contourClr>
+        <a:schemeClr val="lt1"/>
+      </a:contourClr>
+    </dgm:sp3d>
     <dgm:txPr/>
     <dgm:style>
-      <a:lnRef idx="2">
+      <a:lnRef idx="0">
         <a:scrgbClr r="0" g="0" b="0"/>
       </a:lnRef>
       <a:fillRef idx="1">
@@ -8215,12 +9108,18 @@
   <dgm:styleLbl name="bgImgPlace1">
     <dgm:scene3d>
       <a:camera prst="orthographicFront"/>
-      <a:lightRig rig="threePt" dir="t"/>
+      <a:lightRig rig="threePt" dir="t">
+        <a:rot lat="0" lon="0" rev="7500000"/>
+      </a:lightRig>
     </dgm:scene3d>
-    <dgm:sp3d/>
+    <dgm:sp3d z="-152400" extrusionH="63500" contourW="12700" prstMaterial="matte">
+      <a:contourClr>
+        <a:schemeClr val="lt1"/>
+      </a:contourClr>
+    </dgm:sp3d>
     <dgm:txPr/>
     <dgm:style>
-      <a:lnRef idx="2">
+      <a:lnRef idx="0">
         <a:scrgbClr r="0" g="0" b="0"/>
       </a:lnRef>
       <a:fillRef idx="1">
@@ -8235,9 +9134,16 @@
   <dgm:styleLbl name="sibTrans2D1">
     <dgm:scene3d>
       <a:camera prst="orthographicFront"/>
-      <a:lightRig rig="threePt" dir="t"/>
+      <a:lightRig rig="threePt" dir="t">
+        <a:rot lat="0" lon="0" rev="7500000"/>
+      </a:lightRig>
     </dgm:scene3d>
-    <dgm:sp3d/>
+    <dgm:sp3d z="-70000" extrusionH="63500" prstMaterial="matte">
+      <a:bevelT w="25400" h="6350" prst="relaxedInset"/>
+      <a:contourClr>
+        <a:schemeClr val="bg1"/>
+      </a:contourClr>
+    </dgm:sp3d>
     <dgm:txPr/>
     <dgm:style>
       <a:lnRef idx="0">
@@ -8246,7 +9152,7 @@
       <a:fillRef idx="1">
         <a:scrgbClr r="0" g="0" b="0"/>
       </a:fillRef>
-      <a:effectRef idx="0">
+      <a:effectRef idx="2">
         <a:scrgbClr r="0" g="0" b="0"/>
       </a:effectRef>
       <a:fontRef idx="minor">
@@ -8257,9 +9163,16 @@
   <dgm:styleLbl name="fgSibTrans2D1">
     <dgm:scene3d>
       <a:camera prst="orthographicFront"/>
-      <a:lightRig rig="threePt" dir="t"/>
+      <a:lightRig rig="threePt" dir="t">
+        <a:rot lat="0" lon="0" rev="7500000"/>
+      </a:lightRig>
     </dgm:scene3d>
-    <dgm:sp3d/>
+    <dgm:sp3d z="152400" extrusionH="63500" prstMaterial="matte">
+      <a:bevelT w="25400" h="6350" prst="relaxedInset"/>
+      <a:contourClr>
+        <a:schemeClr val="bg1"/>
+      </a:contourClr>
+    </dgm:sp3d>
     <dgm:txPr/>
     <dgm:style>
       <a:lnRef idx="0">
@@ -8268,7 +9181,7 @@
       <a:fillRef idx="1">
         <a:scrgbClr r="0" g="0" b="0"/>
       </a:fillRef>
-      <a:effectRef idx="0">
+      <a:effectRef idx="2">
         <a:scrgbClr r="0" g="0" b="0"/>
       </a:effectRef>
       <a:fontRef idx="minor">
@@ -8279,9 +9192,16 @@
   <dgm:styleLbl name="bgSibTrans2D1">
     <dgm:scene3d>
       <a:camera prst="orthographicFront"/>
-      <a:lightRig rig="threePt" dir="t"/>
+      <a:lightRig rig="threePt" dir="t">
+        <a:rot lat="0" lon="0" rev="7500000"/>
+      </a:lightRig>
     </dgm:scene3d>
-    <dgm:sp3d/>
+    <dgm:sp3d z="-152400" extrusionH="63500" prstMaterial="matte">
+      <a:bevelT w="25400" h="6350" prst="relaxedInset"/>
+      <a:contourClr>
+        <a:schemeClr val="bg1"/>
+      </a:contourClr>
+    </dgm:sp3d>
     <dgm:txPr/>
     <dgm:style>
       <a:lnRef idx="0">
@@ -8290,7 +9210,7 @@
       <a:fillRef idx="1">
         <a:scrgbClr r="0" g="0" b="0"/>
       </a:fillRef>
-      <a:effectRef idx="0">
+      <a:effectRef idx="2">
         <a:scrgbClr r="0" g="0" b="0"/>
       </a:effectRef>
       <a:fontRef idx="minor">
@@ -8301,9 +9221,11 @@
   <dgm:styleLbl name="sibTrans1D1">
     <dgm:scene3d>
       <a:camera prst="orthographicFront"/>
-      <a:lightRig rig="threePt" dir="t"/>
+      <a:lightRig rig="threePt" dir="t">
+        <a:rot lat="0" lon="0" rev="7500000"/>
+      </a:lightRig>
     </dgm:scene3d>
-    <dgm:sp3d/>
+    <dgm:sp3d z="-40000" prstMaterial="matte"/>
     <dgm:txPr/>
     <dgm:style>
       <a:lnRef idx="1">
@@ -8321,9 +9243,11 @@
   <dgm:styleLbl name="callout">
     <dgm:scene3d>
       <a:camera prst="orthographicFront"/>
-      <a:lightRig rig="threePt" dir="t"/>
+      <a:lightRig rig="threePt" dir="t">
+        <a:rot lat="0" lon="0" rev="7500000"/>
+      </a:lightRig>
     </dgm:scene3d>
-    <dgm:sp3d/>
+    <dgm:sp3d z="127000" prstMaterial="matte"/>
     <dgm:txPr/>
     <dgm:style>
       <a:lnRef idx="2">
@@ -8341,18 +9265,22 @@
   <dgm:styleLbl name="asst0">
     <dgm:scene3d>
       <a:camera prst="orthographicFront"/>
-      <a:lightRig rig="threePt" dir="t"/>
+      <a:lightRig rig="threePt" dir="t">
+        <a:rot lat="0" lon="0" rev="7500000"/>
+      </a:lightRig>
     </dgm:scene3d>
-    <dgm:sp3d/>
+    <dgm:sp3d prstMaterial="plastic">
+      <a:bevelT w="127000" h="25400" prst="relaxedInset"/>
+    </dgm:sp3d>
     <dgm:txPr/>
     <dgm:style>
-      <a:lnRef idx="2">
+      <a:lnRef idx="0">
         <a:scrgbClr r="0" g="0" b="0"/>
       </a:lnRef>
-      <a:fillRef idx="1">
+      <a:fillRef idx="3">
         <a:scrgbClr r="0" g="0" b="0"/>
       </a:fillRef>
-      <a:effectRef idx="0">
+      <a:effectRef idx="2">
         <a:scrgbClr r="0" g="0" b="0"/>
       </a:effectRef>
       <a:fontRef idx="minor">
@@ -8363,18 +9291,22 @@
   <dgm:styleLbl name="asst1">
     <dgm:scene3d>
       <a:camera prst="orthographicFront"/>
-      <a:lightRig rig="threePt" dir="t"/>
+      <a:lightRig rig="threePt" dir="t">
+        <a:rot lat="0" lon="0" rev="7500000"/>
+      </a:lightRig>
     </dgm:scene3d>
-    <dgm:sp3d/>
+    <dgm:sp3d prstMaterial="plastic">
+      <a:bevelT w="127000" h="25400" prst="relaxedInset"/>
+    </dgm:sp3d>
     <dgm:txPr/>
     <dgm:style>
-      <a:lnRef idx="2">
+      <a:lnRef idx="0">
         <a:scrgbClr r="0" g="0" b="0"/>
       </a:lnRef>
-      <a:fillRef idx="1">
+      <a:fillRef idx="3">
         <a:scrgbClr r="0" g="0" b="0"/>
       </a:fillRef>
-      <a:effectRef idx="0">
+      <a:effectRef idx="2">
         <a:scrgbClr r="0" g="0" b="0"/>
       </a:effectRef>
       <a:fontRef idx="minor">
@@ -8385,18 +9317,22 @@
   <dgm:styleLbl name="asst2">
     <dgm:scene3d>
       <a:camera prst="orthographicFront"/>
-      <a:lightRig rig="threePt" dir="t"/>
+      <a:lightRig rig="threePt" dir="t">
+        <a:rot lat="0" lon="0" rev="7500000"/>
+      </a:lightRig>
     </dgm:scene3d>
-    <dgm:sp3d/>
+    <dgm:sp3d prstMaterial="plastic">
+      <a:bevelT w="127000" h="25400" prst="relaxedInset"/>
+    </dgm:sp3d>
     <dgm:txPr/>
     <dgm:style>
-      <a:lnRef idx="2">
+      <a:lnRef idx="0">
         <a:scrgbClr r="0" g="0" b="0"/>
       </a:lnRef>
-      <a:fillRef idx="1">
+      <a:fillRef idx="3">
         <a:scrgbClr r="0" g="0" b="0"/>
       </a:fillRef>
-      <a:effectRef idx="0">
+      <a:effectRef idx="2">
         <a:scrgbClr r="0" g="0" b="0"/>
       </a:effectRef>
       <a:fontRef idx="minor">
@@ -8407,40 +9343,22 @@
   <dgm:styleLbl name="asst3">
     <dgm:scene3d>
       <a:camera prst="orthographicFront"/>
-      <a:lightRig rig="threePt" dir="t"/>
+      <a:lightRig rig="threePt" dir="t">
+        <a:rot lat="0" lon="0" rev="7500000"/>
+      </a:lightRig>
     </dgm:scene3d>
-    <dgm:sp3d/>
+    <dgm:sp3d prstMaterial="plastic">
+      <a:bevelT w="127000" h="25400" prst="relaxedInset"/>
+    </dgm:sp3d>
     <dgm:txPr/>
     <dgm:style>
-      <a:lnRef idx="2">
+      <a:lnRef idx="0">
         <a:scrgbClr r="0" g="0" b="0"/>
       </a:lnRef>
-      <a:fillRef idx="1">
+      <a:fillRef idx="3">
         <a:scrgbClr r="0" g="0" b="0"/>
       </a:fillRef>
-      <a:effectRef idx="0">
-        <a:scrgbClr r="0" g="0" b="0"/>
-      </a:effectRef>
-      <a:fontRef idx="minor">
-        <a:schemeClr val="lt1"/>
-      </a:fontRef>
-    </dgm:style>
-  </dgm:styleLbl>
-  <dgm:styleLbl name="asst4">
-    <dgm:scene3d>
-      <a:camera prst="orthographicFront"/>
-      <a:lightRig rig="threePt" dir="t"/>
-    </dgm:scene3d>
-    <dgm:sp3d/>
-    <dgm:txPr/>
-    <dgm:style>
-      <a:lnRef idx="2">
-        <a:scrgbClr r="0" g="0" b="0"/>
-      </a:lnRef>
-      <a:fillRef idx="1">
-        <a:scrgbClr r="0" g="0" b="0"/>
-      </a:fillRef>
-      <a:effectRef idx="0">
+      <a:effectRef idx="2">
         <a:scrgbClr r="0" g="0" b="0"/>
       </a:effectRef>
       <a:fontRef idx="minor">
@@ -8451,18 +9369,25 @@
   <dgm:styleLbl name="parChTrans2D1">
     <dgm:scene3d>
       <a:camera prst="orthographicFront"/>
-      <a:lightRig rig="threePt" dir="t"/>
+      <a:lightRig rig="threePt" dir="t">
+        <a:rot lat="0" lon="0" rev="7500000"/>
+      </a:lightRig>
     </dgm:scene3d>
-    <dgm:sp3d/>
+    <dgm:sp3d extrusionH="63500" prstMaterial="matte">
+      <a:bevelT w="50800" h="19050" prst="relaxedInset"/>
+      <a:contourClr>
+        <a:schemeClr val="bg1"/>
+      </a:contourClr>
+    </dgm:sp3d>
     <dgm:txPr/>
     <dgm:style>
-      <a:lnRef idx="2">
+      <a:lnRef idx="0">
         <a:scrgbClr r="0" g="0" b="0"/>
       </a:lnRef>
       <a:fillRef idx="1">
         <a:scrgbClr r="0" g="0" b="0"/>
       </a:fillRef>
-      <a:effectRef idx="0">
+      <a:effectRef idx="2">
         <a:scrgbClr r="0" g="0" b="0"/>
       </a:effectRef>
       <a:fontRef idx="minor">
@@ -8473,12 +9398,19 @@
   <dgm:styleLbl name="parChTrans2D2">
     <dgm:scene3d>
       <a:camera prst="orthographicFront"/>
-      <a:lightRig rig="threePt" dir="t"/>
+      <a:lightRig rig="threePt" dir="t">
+        <a:rot lat="0" lon="0" rev="7500000"/>
+      </a:lightRig>
     </dgm:scene3d>
-    <dgm:sp3d/>
+    <dgm:sp3d extrusionH="63500" prstMaterial="matte">
+      <a:bevelT w="50800" h="19050" prst="relaxedInset"/>
+      <a:contourClr>
+        <a:schemeClr val="bg1"/>
+      </a:contourClr>
+    </dgm:sp3d>
     <dgm:txPr/>
     <dgm:style>
-      <a:lnRef idx="2">
+      <a:lnRef idx="0">
         <a:scrgbClr r="0" g="0" b="0"/>
       </a:lnRef>
       <a:fillRef idx="1">
@@ -8495,18 +9427,22 @@
   <dgm:styleLbl name="parChTrans2D3">
     <dgm:scene3d>
       <a:camera prst="orthographicFront"/>
-      <a:lightRig rig="threePt" dir="t"/>
+      <a:lightRig rig="threePt" dir="t">
+        <a:rot lat="0" lon="0" rev="7500000"/>
+      </a:lightRig>
     </dgm:scene3d>
-    <dgm:sp3d/>
+    <dgm:sp3d z="60000" prstMaterial="flat">
+      <a:bevelT w="120900" h="88900"/>
+    </dgm:sp3d>
     <dgm:txPr/>
     <dgm:style>
-      <a:lnRef idx="2">
+      <a:lnRef idx="0">
         <a:scrgbClr r="0" g="0" b="0"/>
       </a:lnRef>
-      <a:fillRef idx="1">
+      <a:fillRef idx="3">
         <a:scrgbClr r="0" g="0" b="0"/>
       </a:fillRef>
-      <a:effectRef idx="0">
+      <a:effectRef idx="1">
         <a:scrgbClr r="0" g="0" b="0"/>
       </a:effectRef>
       <a:fontRef idx="minor">
@@ -8517,18 +9453,22 @@
   <dgm:styleLbl name="parChTrans2D4">
     <dgm:scene3d>
       <a:camera prst="orthographicFront"/>
-      <a:lightRig rig="threePt" dir="t"/>
+      <a:lightRig rig="threePt" dir="t">
+        <a:rot lat="0" lon="0" rev="7500000"/>
+      </a:lightRig>
     </dgm:scene3d>
-    <dgm:sp3d/>
+    <dgm:sp3d z="60000" prstMaterial="flat">
+      <a:bevelT w="120900" h="88900"/>
+    </dgm:sp3d>
     <dgm:txPr/>
     <dgm:style>
-      <a:lnRef idx="2">
+      <a:lnRef idx="0">
         <a:scrgbClr r="0" g="0" b="0"/>
       </a:lnRef>
-      <a:fillRef idx="1">
+      <a:fillRef idx="3">
         <a:scrgbClr r="0" g="0" b="0"/>
       </a:fillRef>
-      <a:effectRef idx="0">
+      <a:effectRef idx="1">
         <a:scrgbClr r="0" g="0" b="0"/>
       </a:effectRef>
       <a:fontRef idx="minor">
@@ -8539,9 +9479,11 @@
   <dgm:styleLbl name="parChTrans1D1">
     <dgm:scene3d>
       <a:camera prst="orthographicFront"/>
-      <a:lightRig rig="threePt" dir="t"/>
+      <a:lightRig rig="threePt" dir="t">
+        <a:rot lat="0" lon="0" rev="7500000"/>
+      </a:lightRig>
     </dgm:scene3d>
-    <dgm:sp3d/>
+    <dgm:sp3d z="-40000" prstMaterial="matte"/>
     <dgm:txPr/>
     <dgm:style>
       <a:lnRef idx="2">
@@ -8559,9 +9501,11 @@
   <dgm:styleLbl name="parChTrans1D2">
     <dgm:scene3d>
       <a:camera prst="orthographicFront"/>
-      <a:lightRig rig="threePt" dir="t"/>
+      <a:lightRig rig="threePt" dir="t">
+        <a:rot lat="0" lon="0" rev="7500000"/>
+      </a:lightRig>
     </dgm:scene3d>
-    <dgm:sp3d/>
+    <dgm:sp3d z="-40000" prstMaterial="matte"/>
     <dgm:txPr/>
     <dgm:style>
       <a:lnRef idx="2">
@@ -8579,9 +9523,11 @@
   <dgm:styleLbl name="parChTrans1D3">
     <dgm:scene3d>
       <a:camera prst="orthographicFront"/>
-      <a:lightRig rig="threePt" dir="t"/>
+      <a:lightRig rig="threePt" dir="t">
+        <a:rot lat="0" lon="0" rev="7500000"/>
+      </a:lightRig>
     </dgm:scene3d>
-    <dgm:sp3d/>
+    <dgm:sp3d z="-40000" prstMaterial="matte"/>
     <dgm:txPr/>
     <dgm:style>
       <a:lnRef idx="2">
@@ -8599,9 +9545,11 @@
   <dgm:styleLbl name="parChTrans1D4">
     <dgm:scene3d>
       <a:camera prst="orthographicFront"/>
-      <a:lightRig rig="threePt" dir="t"/>
+      <a:lightRig rig="threePt" dir="t">
+        <a:rot lat="0" lon="0" rev="7500000"/>
+      </a:lightRig>
     </dgm:scene3d>
-    <dgm:sp3d/>
+    <dgm:sp3d z="-40000" prstMaterial="matte"/>
     <dgm:txPr/>
     <dgm:style>
       <a:lnRef idx="2">
@@ -8619,18 +9567,25 @@
   <dgm:styleLbl name="fgAcc1">
     <dgm:scene3d>
       <a:camera prst="orthographicFront"/>
-      <a:lightRig rig="threePt" dir="t"/>
+      <a:lightRig rig="threePt" dir="t">
+        <a:rot lat="0" lon="0" rev="7500000"/>
+      </a:lightRig>
     </dgm:scene3d>
-    <dgm:sp3d/>
+    <dgm:sp3d z="152400" extrusionH="63500" prstMaterial="dkEdge">
+      <a:bevelT w="135400" h="16350" prst="relaxedInset"/>
+      <a:contourClr>
+        <a:schemeClr val="bg1"/>
+      </a:contourClr>
+    </dgm:sp3d>
     <dgm:txPr/>
     <dgm:style>
-      <a:lnRef idx="2">
+      <a:lnRef idx="1">
         <a:scrgbClr r="0" g="0" b="0"/>
       </a:lnRef>
       <a:fillRef idx="1">
         <a:scrgbClr r="0" g="0" b="0"/>
       </a:fillRef>
-      <a:effectRef idx="0">
+      <a:effectRef idx="2">
         <a:scrgbClr r="0" g="0" b="0"/>
       </a:effectRef>
       <a:fontRef idx="minor"/>
@@ -8639,18 +9594,25 @@
   <dgm:styleLbl name="conFgAcc1">
     <dgm:scene3d>
       <a:camera prst="orthographicFront"/>
-      <a:lightRig rig="threePt" dir="t"/>
+      <a:lightRig rig="threePt" dir="t">
+        <a:rot lat="0" lon="0" rev="7500000"/>
+      </a:lightRig>
     </dgm:scene3d>
-    <dgm:sp3d/>
+    <dgm:sp3d z="152400" extrusionH="63500" prstMaterial="dkEdge">
+      <a:bevelT w="135400" h="16350" prst="relaxedInset"/>
+      <a:contourClr>
+        <a:schemeClr val="bg1"/>
+      </a:contourClr>
+    </dgm:sp3d>
     <dgm:txPr/>
     <dgm:style>
-      <a:lnRef idx="2">
+      <a:lnRef idx="1">
         <a:scrgbClr r="0" g="0" b="0"/>
       </a:lnRef>
       <a:fillRef idx="1">
         <a:scrgbClr r="0" g="0" b="0"/>
       </a:fillRef>
-      <a:effectRef idx="0">
+      <a:effectRef idx="2">
         <a:scrgbClr r="0" g="0" b="0"/>
       </a:effectRef>
       <a:fontRef idx="minor"/>
@@ -8659,18 +9621,25 @@
   <dgm:styleLbl name="alignAcc1">
     <dgm:scene3d>
       <a:camera prst="orthographicFront"/>
-      <a:lightRig rig="threePt" dir="t"/>
+      <a:lightRig rig="threePt" dir="t">
+        <a:rot lat="0" lon="0" rev="7500000"/>
+      </a:lightRig>
     </dgm:scene3d>
-    <dgm:sp3d/>
+    <dgm:sp3d extrusionH="190500" prstMaterial="dkEdge">
+      <a:bevelT w="135400" h="16350" prst="relaxedInset"/>
+      <a:contourClr>
+        <a:schemeClr val="bg1"/>
+      </a:contourClr>
+    </dgm:sp3d>
     <dgm:txPr/>
     <dgm:style>
-      <a:lnRef idx="2">
+      <a:lnRef idx="1">
         <a:scrgbClr r="0" g="0" b="0"/>
       </a:lnRef>
       <a:fillRef idx="1">
         <a:scrgbClr r="0" g="0" b="0"/>
       </a:fillRef>
-      <a:effectRef idx="0">
+      <a:effectRef idx="2">
         <a:scrgbClr r="0" g="0" b="0"/>
       </a:effectRef>
       <a:fontRef idx="minor"/>
@@ -8679,9 +9648,13 @@
   <dgm:styleLbl name="trAlignAcc1">
     <dgm:scene3d>
       <a:camera prst="orthographicFront"/>
-      <a:lightRig rig="threePt" dir="t"/>
+      <a:lightRig rig="threePt" dir="t">
+        <a:rot lat="0" lon="0" rev="7500000"/>
+      </a:lightRig>
     </dgm:scene3d>
-    <dgm:sp3d/>
+    <dgm:sp3d prstMaterial="plastic">
+      <a:bevelT w="127000" h="35400"/>
+    </dgm:sp3d>
     <dgm:txPr/>
     <dgm:style>
       <a:lnRef idx="1">
@@ -8690,21 +9663,30 @@
       <a:fillRef idx="1">
         <a:scrgbClr r="0" g="0" b="0"/>
       </a:fillRef>
-      <a:effectRef idx="0">
+      <a:effectRef idx="2">
         <a:scrgbClr r="0" g="0" b="0"/>
       </a:effectRef>
-      <a:fontRef idx="minor"/>
+      <a:fontRef idx="minor">
+        <a:schemeClr val="lt1"/>
+      </a:fontRef>
     </dgm:style>
   </dgm:styleLbl>
   <dgm:styleLbl name="bgAcc1">
     <dgm:scene3d>
       <a:camera prst="orthographicFront"/>
-      <a:lightRig rig="threePt" dir="t"/>
+      <a:lightRig rig="threePt" dir="t">
+        <a:rot lat="0" lon="0" rev="7500000"/>
+      </a:lightRig>
     </dgm:scene3d>
-    <dgm:sp3d/>
+    <dgm:sp3d z="-152400" extrusionH="63500" prstMaterial="dkEdge">
+      <a:bevelT w="124450" h="16350" prst="relaxedInset"/>
+      <a:contourClr>
+        <a:schemeClr val="bg1"/>
+      </a:contourClr>
+    </dgm:sp3d>
     <dgm:txPr/>
     <dgm:style>
-      <a:lnRef idx="2">
+      <a:lnRef idx="1">
         <a:scrgbClr r="0" g="0" b="0"/>
       </a:lnRef>
       <a:fillRef idx="1">
@@ -8719,18 +9701,25 @@
   <dgm:styleLbl name="solidFgAcc1">
     <dgm:scene3d>
       <a:camera prst="orthographicFront"/>
-      <a:lightRig rig="threePt" dir="t"/>
+      <a:lightRig rig="threePt" dir="t">
+        <a:rot lat="0" lon="0" rev="7500000"/>
+      </a:lightRig>
     </dgm:scene3d>
-    <dgm:sp3d/>
+    <dgm:sp3d z="152400" extrusionH="63500" prstMaterial="dkEdge">
+      <a:bevelT w="120800" h="19050" prst="relaxedInset"/>
+      <a:contourClr>
+        <a:schemeClr val="bg1"/>
+      </a:contourClr>
+    </dgm:sp3d>
     <dgm:txPr/>
     <dgm:style>
-      <a:lnRef idx="2">
+      <a:lnRef idx="1">
         <a:scrgbClr r="0" g="0" b="0"/>
       </a:lnRef>
       <a:fillRef idx="1">
         <a:scrgbClr r="0" g="0" b="0"/>
       </a:fillRef>
-      <a:effectRef idx="0">
+      <a:effectRef idx="2">
         <a:scrgbClr r="0" g="0" b="0"/>
       </a:effectRef>
       <a:fontRef idx="minor"/>
@@ -8739,18 +9728,25 @@
   <dgm:styleLbl name="solidAlignAcc1">
     <dgm:scene3d>
       <a:camera prst="orthographicFront"/>
-      <a:lightRig rig="threePt" dir="t"/>
+      <a:lightRig rig="threePt" dir="t">
+        <a:rot lat="0" lon="0" rev="7500000"/>
+      </a:lightRig>
     </dgm:scene3d>
-    <dgm:sp3d/>
+    <dgm:sp3d extrusionH="190500" prstMaterial="dkEdge">
+      <a:bevelT w="120650" h="38100" prst="relaxedInset"/>
+      <a:contourClr>
+        <a:schemeClr val="bg1"/>
+      </a:contourClr>
+    </dgm:sp3d>
     <dgm:txPr/>
     <dgm:style>
-      <a:lnRef idx="2">
+      <a:lnRef idx="1">
         <a:scrgbClr r="0" g="0" b="0"/>
       </a:lnRef>
       <a:fillRef idx="1">
         <a:scrgbClr r="0" g="0" b="0"/>
       </a:fillRef>
-      <a:effectRef idx="0">
+      <a:effectRef idx="2">
         <a:scrgbClr r="0" g="0" b="0"/>
       </a:effectRef>
       <a:fontRef idx="minor"/>
@@ -8759,12 +9755,19 @@
   <dgm:styleLbl name="solidBgAcc1">
     <dgm:scene3d>
       <a:camera prst="orthographicFront"/>
-      <a:lightRig rig="threePt" dir="t"/>
+      <a:lightRig rig="threePt" dir="t">
+        <a:rot lat="0" lon="0" rev="7500000"/>
+      </a:lightRig>
     </dgm:scene3d>
-    <dgm:sp3d/>
+    <dgm:sp3d z="-152400" extrusionH="63500" prstMaterial="dkEdge">
+      <a:bevelT w="144450" h="36350" prst="relaxedInset"/>
+      <a:contourClr>
+        <a:schemeClr val="bg1"/>
+      </a:contourClr>
+    </dgm:sp3d>
     <dgm:txPr/>
     <dgm:style>
-      <a:lnRef idx="2">
+      <a:lnRef idx="1">
         <a:scrgbClr r="0" g="0" b="0"/>
       </a:lnRef>
       <a:fillRef idx="1">
@@ -8779,12 +9782,19 @@
   <dgm:styleLbl name="fgAccFollowNode1">
     <dgm:scene3d>
       <a:camera prst="orthographicFront"/>
-      <a:lightRig rig="threePt" dir="t"/>
+      <a:lightRig rig="threePt" dir="t">
+        <a:rot lat="0" lon="0" rev="7500000"/>
+      </a:lightRig>
     </dgm:scene3d>
-    <dgm:sp3d/>
+    <dgm:sp3d z="152400" extrusionH="63500" prstMaterial="dkEdge">
+      <a:bevelT w="125400" h="36350" prst="relaxedInset"/>
+      <a:contourClr>
+        <a:schemeClr val="bg1"/>
+      </a:contourClr>
+    </dgm:sp3d>
     <dgm:txPr/>
     <dgm:style>
-      <a:lnRef idx="2">
+      <a:lnRef idx="1">
         <a:scrgbClr r="0" g="0" b="0"/>
       </a:lnRef>
       <a:fillRef idx="1">
@@ -8799,18 +9809,26 @@
   <dgm:styleLbl name="alignAccFollowNode1">
     <dgm:scene3d>
       <a:camera prst="orthographicFront"/>
-      <a:lightRig rig="threePt" dir="t"/>
+      <a:lightRig rig="threePt" dir="t">
+        <a:rot lat="0" lon="0" rev="7500000"/>
+      </a:lightRig>
     </dgm:scene3d>
-    <dgm:sp3d/>
+    <dgm:sp3d extrusionH="190500" prstMaterial="dkEdge">
+      <a:bevelT w="120650" h="38100" prst="relaxedInset"/>
+      <a:bevelB w="120650" h="57150" prst="relaxedInset"/>
+      <a:contourClr>
+        <a:schemeClr val="bg1"/>
+      </a:contourClr>
+    </dgm:sp3d>
     <dgm:txPr/>
     <dgm:style>
-      <a:lnRef idx="2">
+      <a:lnRef idx="1">
         <a:scrgbClr r="0" g="0" b="0"/>
       </a:lnRef>
       <a:fillRef idx="1">
         <a:scrgbClr r="0" g="0" b="0"/>
       </a:fillRef>
-      <a:effectRef idx="0">
+      <a:effectRef idx="2">
         <a:scrgbClr r="0" g="0" b="0"/>
       </a:effectRef>
       <a:fontRef idx="minor"/>
@@ -8819,18 +9837,25 @@
   <dgm:styleLbl name="bgAccFollowNode1">
     <dgm:scene3d>
       <a:camera prst="orthographicFront"/>
-      <a:lightRig rig="threePt" dir="t"/>
+      <a:lightRig rig="threePt" dir="t">
+        <a:rot lat="0" lon="0" rev="7500000"/>
+      </a:lightRig>
     </dgm:scene3d>
-    <dgm:sp3d/>
+    <dgm:sp3d z="-152400" extrusionH="63500" prstMaterial="dkEdge">
+      <a:bevelT w="144450" h="36350" prst="relaxedInset"/>
+      <a:contourClr>
+        <a:schemeClr val="bg1"/>
+      </a:contourClr>
+    </dgm:sp3d>
     <dgm:txPr/>
     <dgm:style>
-      <a:lnRef idx="2">
+      <a:lnRef idx="1">
         <a:scrgbClr r="0" g="0" b="0"/>
       </a:lnRef>
       <a:fillRef idx="1">
         <a:scrgbClr r="0" g="0" b="0"/>
       </a:fillRef>
-      <a:effectRef idx="0">
+      <a:effectRef idx="2">
         <a:scrgbClr r="0" g="0" b="0"/>
       </a:effectRef>
       <a:fontRef idx="minor"/>
@@ -8839,18 +9864,25 @@
   <dgm:styleLbl name="fgAcc0">
     <dgm:scene3d>
       <a:camera prst="orthographicFront"/>
-      <a:lightRig rig="threePt" dir="t"/>
+      <a:lightRig rig="threePt" dir="t">
+        <a:rot lat="0" lon="0" rev="7500000"/>
+      </a:lightRig>
     </dgm:scene3d>
-    <dgm:sp3d/>
+    <dgm:sp3d z="152400" extrusionH="63500" prstMaterial="dkEdge">
+      <a:bevelT w="125400" h="36350" prst="relaxedInset"/>
+      <a:contourClr>
+        <a:schemeClr val="bg1"/>
+      </a:contourClr>
+    </dgm:sp3d>
     <dgm:txPr/>
     <dgm:style>
-      <a:lnRef idx="2">
+      <a:lnRef idx="1">
         <a:scrgbClr r="0" g="0" b="0"/>
       </a:lnRef>
       <a:fillRef idx="1">
         <a:scrgbClr r="0" g="0" b="0"/>
       </a:fillRef>
-      <a:effectRef idx="0">
+      <a:effectRef idx="2">
         <a:scrgbClr r="0" g="0" b="0"/>
       </a:effectRef>
       <a:fontRef idx="minor"/>
@@ -8859,18 +9891,25 @@
   <dgm:styleLbl name="fgAcc2">
     <dgm:scene3d>
       <a:camera prst="orthographicFront"/>
-      <a:lightRig rig="threePt" dir="t"/>
+      <a:lightRig rig="threePt" dir="t">
+        <a:rot lat="0" lon="0" rev="7500000"/>
+      </a:lightRig>
     </dgm:scene3d>
-    <dgm:sp3d/>
+    <dgm:sp3d z="152400" extrusionH="63500" prstMaterial="dkEdge">
+      <a:bevelT w="125400" h="36350" prst="relaxedInset"/>
+      <a:contourClr>
+        <a:schemeClr val="bg1"/>
+      </a:contourClr>
+    </dgm:sp3d>
     <dgm:txPr/>
     <dgm:style>
-      <a:lnRef idx="2">
+      <a:lnRef idx="1">
         <a:scrgbClr r="0" g="0" b="0"/>
       </a:lnRef>
       <a:fillRef idx="1">
         <a:scrgbClr r="0" g="0" b="0"/>
       </a:fillRef>
-      <a:effectRef idx="0">
+      <a:effectRef idx="2">
         <a:scrgbClr r="0" g="0" b="0"/>
       </a:effectRef>
       <a:fontRef idx="minor"/>
@@ -8879,18 +9918,25 @@
   <dgm:styleLbl name="fgAcc3">
     <dgm:scene3d>
       <a:camera prst="orthographicFront"/>
-      <a:lightRig rig="threePt" dir="t"/>
+      <a:lightRig rig="threePt" dir="t">
+        <a:rot lat="0" lon="0" rev="7500000"/>
+      </a:lightRig>
     </dgm:scene3d>
-    <dgm:sp3d/>
+    <dgm:sp3d z="152400" extrusionH="63500" prstMaterial="dkEdge">
+      <a:bevelT w="125400" h="36350" prst="relaxedInset"/>
+      <a:contourClr>
+        <a:schemeClr val="bg1"/>
+      </a:contourClr>
+    </dgm:sp3d>
     <dgm:txPr/>
     <dgm:style>
-      <a:lnRef idx="2">
+      <a:lnRef idx="1">
         <a:scrgbClr r="0" g="0" b="0"/>
       </a:lnRef>
       <a:fillRef idx="1">
         <a:scrgbClr r="0" g="0" b="0"/>
       </a:fillRef>
-      <a:effectRef idx="0">
+      <a:effectRef idx="2">
         <a:scrgbClr r="0" g="0" b="0"/>
       </a:effectRef>
       <a:fontRef idx="minor"/>
@@ -8899,18 +9945,25 @@
   <dgm:styleLbl name="fgAcc4">
     <dgm:scene3d>
       <a:camera prst="orthographicFront"/>
-      <a:lightRig rig="threePt" dir="t"/>
+      <a:lightRig rig="threePt" dir="t">
+        <a:rot lat="0" lon="0" rev="7500000"/>
+      </a:lightRig>
     </dgm:scene3d>
-    <dgm:sp3d/>
+    <dgm:sp3d z="152400" extrusionH="63500" prstMaterial="dkEdge">
+      <a:bevelT w="125400" h="36350" prst="relaxedInset"/>
+      <a:contourClr>
+        <a:schemeClr val="bg1"/>
+      </a:contourClr>
+    </dgm:sp3d>
     <dgm:txPr/>
     <dgm:style>
-      <a:lnRef idx="2">
+      <a:lnRef idx="1">
         <a:scrgbClr r="0" g="0" b="0"/>
       </a:lnRef>
       <a:fillRef idx="1">
         <a:scrgbClr r="0" g="0" b="0"/>
       </a:fillRef>
-      <a:effectRef idx="0">
+      <a:effectRef idx="2">
         <a:scrgbClr r="0" g="0" b="0"/>
       </a:effectRef>
       <a:fontRef idx="minor"/>
@@ -8919,15 +9972,22 @@
   <dgm:styleLbl name="bgShp">
     <dgm:scene3d>
       <a:camera prst="orthographicFront"/>
-      <a:lightRig rig="threePt" dir="t"/>
+      <a:lightRig rig="threePt" dir="t">
+        <a:rot lat="0" lon="0" rev="7500000"/>
+      </a:lightRig>
     </dgm:scene3d>
-    <dgm:sp3d/>
+    <dgm:sp3d z="-152400" extrusionH="63500" prstMaterial="matte">
+      <a:bevelT w="144450" h="6350" prst="relaxedInset"/>
+      <a:contourClr>
+        <a:schemeClr val="bg1"/>
+      </a:contourClr>
+    </dgm:sp3d>
     <dgm:txPr/>
     <dgm:style>
       <a:lnRef idx="0">
         <a:scrgbClr r="0" g="0" b="0"/>
       </a:lnRef>
-      <a:fillRef idx="1">
+      <a:fillRef idx="3">
         <a:scrgbClr r="0" g="0" b="0"/>
       </a:fillRef>
       <a:effectRef idx="0">
@@ -8939,9 +9999,14 @@
   <dgm:styleLbl name="dkBgShp">
     <dgm:scene3d>
       <a:camera prst="orthographicFront"/>
-      <a:lightRig rig="threePt" dir="t"/>
+      <a:lightRig rig="threePt" dir="t">
+        <a:rot lat="0" lon="0" rev="7500000"/>
+      </a:lightRig>
     </dgm:scene3d>
-    <dgm:sp3d/>
+    <dgm:sp3d prstMaterial="plastic">
+      <a:bevelT w="127000" h="25400" prst="relaxedInset"/>
+      <a:bevelB w="88900" h="121750" prst="angle"/>
+    </dgm:sp3d>
     <dgm:txPr/>
     <dgm:style>
       <a:lnRef idx="0">
@@ -8950,10 +10015,12 @@
       <a:fillRef idx="1">
         <a:scrgbClr r="0" g="0" b="0"/>
       </a:fillRef>
-      <a:effectRef idx="0">
+      <a:effectRef idx="2">
         <a:scrgbClr r="0" g="0" b="0"/>
       </a:effectRef>
-      <a:fontRef idx="minor"/>
+      <a:fontRef idx="minor">
+        <a:schemeClr val="lt1"/>
+      </a:fontRef>
     </dgm:style>
   </dgm:styleLbl>
   <dgm:styleLbl name="trBgShp">
@@ -8961,7 +10028,7 @@
       <a:camera prst="orthographicFront"/>
       <a:lightRig rig="threePt" dir="t"/>
     </dgm:scene3d>
-    <dgm:sp3d/>
+    <dgm:sp3d z="-152400" prstMaterial="matte"/>
     <dgm:txPr/>
     <dgm:style>
       <a:lnRef idx="0">
@@ -8979,21 +10046,30 @@
   <dgm:styleLbl name="fgShp">
     <dgm:scene3d>
       <a:camera prst="orthographicFront"/>
-      <a:lightRig rig="threePt" dir="t"/>
+      <a:lightRig rig="threePt" dir="t">
+        <a:rot lat="0" lon="0" rev="7500000"/>
+      </a:lightRig>
     </dgm:scene3d>
-    <dgm:sp3d/>
+    <dgm:sp3d z="152400" extrusionH="63500" prstMaterial="matte">
+      <a:bevelT w="50800" h="19050" prst="relaxedInset"/>
+      <a:contourClr>
+        <a:schemeClr val="bg1"/>
+      </a:contourClr>
+    </dgm:sp3d>
     <dgm:txPr/>
     <dgm:style>
-      <a:lnRef idx="2">
+      <a:lnRef idx="0">
         <a:scrgbClr r="0" g="0" b="0"/>
       </a:lnRef>
       <a:fillRef idx="1">
         <a:scrgbClr r="0" g="0" b="0"/>
       </a:fillRef>
-      <a:effectRef idx="0">
+      <a:effectRef idx="2">
         <a:scrgbClr r="0" g="0" b="0"/>
       </a:effectRef>
-      <a:fontRef idx="minor"/>
+      <a:fontRef idx="minor">
+        <a:schemeClr val="lt1"/>
+      </a:fontRef>
     </dgm:style>
   </dgm:styleLbl>
   <dgm:styleLbl name="revTx">
@@ -10052,6 +11128,178 @@
 </p:notes>
 </file>
 
+<file path=ppt/notesSlides/notesSlide7.xml><?xml version="1.0" encoding="utf-8"?>
+<p:notes xmlns:a="http://schemas.openxmlformats.org/drawingml/2006/main" xmlns:r="http://schemas.openxmlformats.org/officeDocument/2006/relationships" xmlns:p="http://schemas.openxmlformats.org/presentationml/2006/main">
+  <p:cSld>
+    <p:spTree>
+      <p:nvGrpSpPr>
+        <p:cNvPr id="1" name=""/>
+        <p:cNvGrpSpPr/>
+        <p:nvPr/>
+      </p:nvGrpSpPr>
+      <p:grpSpPr>
+        <a:xfrm>
+          <a:off x="0" y="0"/>
+          <a:ext cx="0" cy="0"/>
+          <a:chOff x="0" y="0"/>
+          <a:chExt cx="0" cy="0"/>
+        </a:xfrm>
+      </p:grpSpPr>
+      <p:sp>
+        <p:nvSpPr>
+          <p:cNvPr id="2" name="Slide Image Placeholder 1"/>
+          <p:cNvSpPr>
+            <a:spLocks noGrp="1" noRot="1" noChangeAspect="1"/>
+          </p:cNvSpPr>
+          <p:nvPr>
+            <p:ph type="sldImg"/>
+          </p:nvPr>
+        </p:nvSpPr>
+        <p:spPr/>
+      </p:sp>
+      <p:sp>
+        <p:nvSpPr>
+          <p:cNvPr id="3" name="Notes Placeholder 2"/>
+          <p:cNvSpPr>
+            <a:spLocks noGrp="1"/>
+          </p:cNvSpPr>
+          <p:nvPr>
+            <p:ph type="body" idx="1"/>
+          </p:nvPr>
+        </p:nvSpPr>
+        <p:spPr/>
+        <p:txBody>
+          <a:bodyPr/>
+          <a:lstStyle/>
+          <a:p>
+            <a:endParaRPr lang="en-US" dirty="0"/>
+          </a:p>
+        </p:txBody>
+      </p:sp>
+      <p:sp>
+        <p:nvSpPr>
+          <p:cNvPr id="4" name="Slide Number Placeholder 3"/>
+          <p:cNvSpPr>
+            <a:spLocks noGrp="1"/>
+          </p:cNvSpPr>
+          <p:nvPr>
+            <p:ph type="sldNum" sz="quarter" idx="10"/>
+          </p:nvPr>
+        </p:nvSpPr>
+        <p:spPr/>
+        <p:txBody>
+          <a:bodyPr/>
+          <a:lstStyle/>
+          <a:p>
+            <a:fld id="{93B78BE6-869E-4805-8FDD-E2E37302AA03}" type="slidenum">
+              <a:rPr lang="en-US" smtClean="0"/>
+              <a:t>16</a:t>
+            </a:fld>
+            <a:endParaRPr lang="en-US"/>
+          </a:p>
+        </p:txBody>
+      </p:sp>
+    </p:spTree>
+    <p:extLst>
+      <p:ext uri="{BB962C8B-B14F-4D97-AF65-F5344CB8AC3E}">
+        <p14:creationId xmlns:p14="http://schemas.microsoft.com/office/powerpoint/2010/main" val="4056691590"/>
+      </p:ext>
+    </p:extLst>
+  </p:cSld>
+  <p:clrMapOvr>
+    <a:masterClrMapping/>
+  </p:clrMapOvr>
+</p:notes>
+</file>
+
+<file path=ppt/notesSlides/notesSlide8.xml><?xml version="1.0" encoding="utf-8"?>
+<p:notes xmlns:a="http://schemas.openxmlformats.org/drawingml/2006/main" xmlns:r="http://schemas.openxmlformats.org/officeDocument/2006/relationships" xmlns:p="http://schemas.openxmlformats.org/presentationml/2006/main">
+  <p:cSld>
+    <p:spTree>
+      <p:nvGrpSpPr>
+        <p:cNvPr id="1" name=""/>
+        <p:cNvGrpSpPr/>
+        <p:nvPr/>
+      </p:nvGrpSpPr>
+      <p:grpSpPr>
+        <a:xfrm>
+          <a:off x="0" y="0"/>
+          <a:ext cx="0" cy="0"/>
+          <a:chOff x="0" y="0"/>
+          <a:chExt cx="0" cy="0"/>
+        </a:xfrm>
+      </p:grpSpPr>
+      <p:sp>
+        <p:nvSpPr>
+          <p:cNvPr id="2" name="Slide Image Placeholder 1"/>
+          <p:cNvSpPr>
+            <a:spLocks noGrp="1" noRot="1" noChangeAspect="1"/>
+          </p:cNvSpPr>
+          <p:nvPr>
+            <p:ph type="sldImg"/>
+          </p:nvPr>
+        </p:nvSpPr>
+        <p:spPr/>
+      </p:sp>
+      <p:sp>
+        <p:nvSpPr>
+          <p:cNvPr id="3" name="Notes Placeholder 2"/>
+          <p:cNvSpPr>
+            <a:spLocks noGrp="1"/>
+          </p:cNvSpPr>
+          <p:nvPr>
+            <p:ph type="body" idx="1"/>
+          </p:nvPr>
+        </p:nvSpPr>
+        <p:spPr/>
+        <p:txBody>
+          <a:bodyPr/>
+          <a:lstStyle/>
+          <a:p>
+            <a:r>
+              <a:rPr lang="en-US" dirty="0" smtClean="0"/>
+              <a:t>Purpose</a:t>
+            </a:r>
+            <a:endParaRPr lang="en-US" dirty="0"/>
+          </a:p>
+        </p:txBody>
+      </p:sp>
+      <p:sp>
+        <p:nvSpPr>
+          <p:cNvPr id="4" name="Slide Number Placeholder 3"/>
+          <p:cNvSpPr>
+            <a:spLocks noGrp="1"/>
+          </p:cNvSpPr>
+          <p:nvPr>
+            <p:ph type="sldNum" sz="quarter" idx="10"/>
+          </p:nvPr>
+        </p:nvSpPr>
+        <p:spPr/>
+        <p:txBody>
+          <a:bodyPr/>
+          <a:lstStyle/>
+          <a:p>
+            <a:fld id="{93B78BE6-869E-4805-8FDD-E2E37302AA03}" type="slidenum">
+              <a:rPr lang="en-US" smtClean="0"/>
+              <a:t>17</a:t>
+            </a:fld>
+            <a:endParaRPr lang="en-US"/>
+          </a:p>
+        </p:txBody>
+      </p:sp>
+    </p:spTree>
+    <p:extLst>
+      <p:ext uri="{BB962C8B-B14F-4D97-AF65-F5344CB8AC3E}">
+        <p14:creationId xmlns:p14="http://schemas.microsoft.com/office/powerpoint/2010/main" val="1934112530"/>
+      </p:ext>
+    </p:extLst>
+  </p:cSld>
+  <p:clrMapOvr>
+    <a:masterClrMapping/>
+  </p:clrMapOvr>
+</p:notes>
+</file>
+
 <file path=ppt/slideLayouts/slideLayout1.xml><?xml version="1.0" encoding="utf-8"?>
 <p:sldLayout xmlns:a="http://schemas.openxmlformats.org/drawingml/2006/main" xmlns:r="http://schemas.openxmlformats.org/officeDocument/2006/relationships" xmlns:p="http://schemas.openxmlformats.org/presentationml/2006/main" showMasterSp="0" type="title" preserve="1">
   <p:cSld name="Title Slide">
@@ -10102,7 +11350,7 @@
           <a:noFill/>
           <a:extLst>
             <a:ext uri="{909E8E84-426E-40dd-AFC4-6F175D3DCCD1}">
-              <a14:hiddenFill xmlns="" xmlns:a14="http://schemas.microsoft.com/office/drawing/2010/main">
+              <a14:hiddenFill xmlns:a14="http://schemas.microsoft.com/office/drawing/2010/main" xmlns="">
                 <a:solidFill>
                   <a:srgbClr val="FFFFFF"/>
                 </a:solidFill>
@@ -10162,7 +11410,7 @@
             </a:ln>
             <a:extLst>
               <a:ext uri="{91240B29-F687-4f45-9708-019B960494DF}">
-                <a14:hiddenLine xmlns="" xmlns:a14="http://schemas.microsoft.com/office/drawing/2010/main" w="9525">
+                <a14:hiddenLine xmlns:a14="http://schemas.microsoft.com/office/drawing/2010/main" xmlns="" w="9525">
                   <a:solidFill>
                     <a:srgbClr val="000000"/>
                   </a:solidFill>
@@ -10252,7 +11500,7 @@
             </a:ln>
             <a:extLst>
               <a:ext uri="{91240B29-F687-4f45-9708-019B960494DF}">
-                <a14:hiddenLine xmlns="" xmlns:a14="http://schemas.microsoft.com/office/drawing/2010/main" w="9525">
+                <a14:hiddenLine xmlns:a14="http://schemas.microsoft.com/office/drawing/2010/main" xmlns="" w="9525">
                   <a:solidFill>
                     <a:srgbClr val="000000"/>
                   </a:solidFill>
@@ -10342,7 +11590,7 @@
             </a:ln>
             <a:extLst>
               <a:ext uri="{91240B29-F687-4f45-9708-019B960494DF}">
-                <a14:hiddenLine xmlns="" xmlns:a14="http://schemas.microsoft.com/office/drawing/2010/main" w="9525">
+                <a14:hiddenLine xmlns:a14="http://schemas.microsoft.com/office/drawing/2010/main" xmlns="" w="9525">
                   <a:solidFill>
                     <a:srgbClr val="000000"/>
                   </a:solidFill>
@@ -10376,7 +11624,7 @@
             </a:ln>
             <a:extLst>
               <a:ext uri="{91240B29-F687-4f45-9708-019B960494DF}">
-                <a14:hiddenLine xmlns="" xmlns:a14="http://schemas.microsoft.com/office/drawing/2010/main" w="9525">
+                <a14:hiddenLine xmlns:a14="http://schemas.microsoft.com/office/drawing/2010/main" xmlns="" w="9525">
                   <a:solidFill>
                     <a:srgbClr val="000000"/>
                   </a:solidFill>
@@ -10466,7 +11714,7 @@
             </a:ln>
             <a:extLst>
               <a:ext uri="{91240B29-F687-4f45-9708-019B960494DF}">
-                <a14:hiddenLine xmlns="" xmlns:a14="http://schemas.microsoft.com/office/drawing/2010/main" w="9525">
+                <a14:hiddenLine xmlns:a14="http://schemas.microsoft.com/office/drawing/2010/main" xmlns="" w="9525">
                   <a:solidFill>
                     <a:srgbClr val="000000"/>
                   </a:solidFill>
@@ -10528,7 +11776,7 @@
             </a:ln>
             <a:extLst>
               <a:ext uri="{91240B29-F687-4f45-9708-019B960494DF}">
-                <a14:hiddenLine xmlns="" xmlns:a14="http://schemas.microsoft.com/office/drawing/2010/main" w="9525">
+                <a14:hiddenLine xmlns:a14="http://schemas.microsoft.com/office/drawing/2010/main" xmlns="" w="9525">
                   <a:solidFill>
                     <a:srgbClr val="000000"/>
                   </a:solidFill>
@@ -10590,7 +11838,7 @@
             </a:ln>
             <a:extLst>
               <a:ext uri="{91240B29-F687-4f45-9708-019B960494DF}">
-                <a14:hiddenLine xmlns="" xmlns:a14="http://schemas.microsoft.com/office/drawing/2010/main" w="9525">
+                <a14:hiddenLine xmlns:a14="http://schemas.microsoft.com/office/drawing/2010/main" xmlns="" w="9525">
                   <a:solidFill>
                     <a:srgbClr val="000000"/>
                   </a:solidFill>
@@ -10680,7 +11928,7 @@
             </a:ln>
             <a:extLst>
               <a:ext uri="{91240B29-F687-4f45-9708-019B960494DF}">
-                <a14:hiddenLine xmlns="" xmlns:a14="http://schemas.microsoft.com/office/drawing/2010/main" w="9525">
+                <a14:hiddenLine xmlns:a14="http://schemas.microsoft.com/office/drawing/2010/main" xmlns="" w="9525">
                   <a:solidFill>
                     <a:srgbClr val="000000"/>
                   </a:solidFill>
@@ -10742,7 +11990,7 @@
             </a:ln>
             <a:extLst>
               <a:ext uri="{91240B29-F687-4f45-9708-019B960494DF}">
-                <a14:hiddenLine xmlns="" xmlns:a14="http://schemas.microsoft.com/office/drawing/2010/main" w="9525">
+                <a14:hiddenLine xmlns:a14="http://schemas.microsoft.com/office/drawing/2010/main" xmlns="" w="9525">
                   <a:solidFill>
                     <a:srgbClr val="000000"/>
                   </a:solidFill>
@@ -10804,7 +12052,7 @@
             </a:ln>
             <a:extLst>
               <a:ext uri="{91240B29-F687-4f45-9708-019B960494DF}">
-                <a14:hiddenLine xmlns="" xmlns:a14="http://schemas.microsoft.com/office/drawing/2010/main" w="9525">
+                <a14:hiddenLine xmlns:a14="http://schemas.microsoft.com/office/drawing/2010/main" xmlns="" w="9525">
                   <a:solidFill>
                     <a:srgbClr val="000000"/>
                   </a:solidFill>
@@ -10894,7 +12142,7 @@
             </a:ln>
             <a:extLst>
               <a:ext uri="{91240B29-F687-4f45-9708-019B960494DF}">
-                <a14:hiddenLine xmlns="" xmlns:a14="http://schemas.microsoft.com/office/drawing/2010/main" w="9525">
+                <a14:hiddenLine xmlns:a14="http://schemas.microsoft.com/office/drawing/2010/main" xmlns="" w="9525">
                   <a:solidFill>
                     <a:srgbClr val="000000"/>
                   </a:solidFill>
@@ -10984,7 +12232,7 @@
             </a:ln>
             <a:extLst>
               <a:ext uri="{91240B29-F687-4f45-9708-019B960494DF}">
-                <a14:hiddenLine xmlns="" xmlns:a14="http://schemas.microsoft.com/office/drawing/2010/main" w="9525">
+                <a14:hiddenLine xmlns:a14="http://schemas.microsoft.com/office/drawing/2010/main" xmlns="" w="9525">
                   <a:solidFill>
                     <a:srgbClr val="000000"/>
                   </a:solidFill>
@@ -11046,7 +12294,7 @@
             </a:ln>
             <a:extLst>
               <a:ext uri="{91240B29-F687-4f45-9708-019B960494DF}">
-                <a14:hiddenLine xmlns="" xmlns:a14="http://schemas.microsoft.com/office/drawing/2010/main" w="9525">
+                <a14:hiddenLine xmlns:a14="http://schemas.microsoft.com/office/drawing/2010/main" xmlns="" w="9525">
                   <a:solidFill>
                     <a:srgbClr val="000000"/>
                   </a:solidFill>
@@ -11156,7 +12404,7 @@
             </a:ln>
             <a:extLst>
               <a:ext uri="{91240B29-F687-4f45-9708-019B960494DF}">
-                <a14:hiddenLine xmlns="" xmlns:a14="http://schemas.microsoft.com/office/drawing/2010/main" w="9525">
+                <a14:hiddenLine xmlns:a14="http://schemas.microsoft.com/office/drawing/2010/main" xmlns="" w="9525">
                   <a:solidFill>
                     <a:srgbClr val="000000"/>
                   </a:solidFill>
@@ -11218,7 +12466,7 @@
             </a:ln>
             <a:extLst>
               <a:ext uri="{91240B29-F687-4f45-9708-019B960494DF}">
-                <a14:hiddenLine xmlns="" xmlns:a14="http://schemas.microsoft.com/office/drawing/2010/main" w="9525">
+                <a14:hiddenLine xmlns:a14="http://schemas.microsoft.com/office/drawing/2010/main" xmlns="" w="9525">
                   <a:solidFill>
                     <a:srgbClr val="000000"/>
                   </a:solidFill>
@@ -11308,7 +12556,7 @@
             </a:ln>
             <a:extLst>
               <a:ext uri="{91240B29-F687-4f45-9708-019B960494DF}">
-                <a14:hiddenLine xmlns="" xmlns:a14="http://schemas.microsoft.com/office/drawing/2010/main" w="9525">
+                <a14:hiddenLine xmlns:a14="http://schemas.microsoft.com/office/drawing/2010/main" xmlns="" w="9525">
                   <a:solidFill>
                     <a:srgbClr val="000000"/>
                   </a:solidFill>
@@ -11398,7 +12646,7 @@
             </a:ln>
             <a:extLst>
               <a:ext uri="{91240B29-F687-4f45-9708-019B960494DF}">
-                <a14:hiddenLine xmlns="" xmlns:a14="http://schemas.microsoft.com/office/drawing/2010/main" w="9525">
+                <a14:hiddenLine xmlns:a14="http://schemas.microsoft.com/office/drawing/2010/main" xmlns="" w="9525">
                   <a:solidFill>
                     <a:srgbClr val="000000"/>
                   </a:solidFill>
@@ -11460,7 +12708,7 @@
             </a:ln>
             <a:extLst>
               <a:ext uri="{91240B29-F687-4f45-9708-019B960494DF}">
-                <a14:hiddenLine xmlns="" xmlns:a14="http://schemas.microsoft.com/office/drawing/2010/main" w="9525">
+                <a14:hiddenLine xmlns:a14="http://schemas.microsoft.com/office/drawing/2010/main" xmlns="" w="9525">
                   <a:solidFill>
                     <a:srgbClr val="000000"/>
                   </a:solidFill>
@@ -11550,7 +12798,7 @@
             </a:ln>
             <a:extLst>
               <a:ext uri="{91240B29-F687-4f45-9708-019B960494DF}">
-                <a14:hiddenLine xmlns="" xmlns:a14="http://schemas.microsoft.com/office/drawing/2010/main" w="9525">
+                <a14:hiddenLine xmlns:a14="http://schemas.microsoft.com/office/drawing/2010/main" xmlns="" w="9525">
                   <a:solidFill>
                     <a:srgbClr val="000000"/>
                   </a:solidFill>
@@ -11640,7 +12888,7 @@
             </a:ln>
             <a:extLst>
               <a:ext uri="{91240B29-F687-4f45-9708-019B960494DF}">
-                <a14:hiddenLine xmlns="" xmlns:a14="http://schemas.microsoft.com/office/drawing/2010/main" w="9525">
+                <a14:hiddenLine xmlns:a14="http://schemas.microsoft.com/office/drawing/2010/main" xmlns="" w="9525">
                   <a:solidFill>
                     <a:srgbClr val="000000"/>
                   </a:solidFill>
@@ -11696,7 +12944,7 @@
             </a:ln>
             <a:extLst>
               <a:ext uri="{91240B29-F687-4f45-9708-019B960494DF}">
-                <a14:hiddenLine xmlns="" xmlns:a14="http://schemas.microsoft.com/office/drawing/2010/main" w="9525">
+                <a14:hiddenLine xmlns:a14="http://schemas.microsoft.com/office/drawing/2010/main" xmlns="" w="9525">
                   <a:solidFill>
                     <a:srgbClr val="000000"/>
                   </a:solidFill>
@@ -11786,7 +13034,7 @@
             </a:ln>
             <a:extLst>
               <a:ext uri="{91240B29-F687-4f45-9708-019B960494DF}">
-                <a14:hiddenLine xmlns="" xmlns:a14="http://schemas.microsoft.com/office/drawing/2010/main" w="9525">
+                <a14:hiddenLine xmlns:a14="http://schemas.microsoft.com/office/drawing/2010/main" xmlns="" w="9525">
                   <a:solidFill>
                     <a:srgbClr val="000000"/>
                   </a:solidFill>
@@ -11842,7 +13090,7 @@
             </a:ln>
             <a:extLst>
               <a:ext uri="{91240B29-F687-4f45-9708-019B960494DF}">
-                <a14:hiddenLine xmlns="" xmlns:a14="http://schemas.microsoft.com/office/drawing/2010/main" w="9525">
+                <a14:hiddenLine xmlns:a14="http://schemas.microsoft.com/office/drawing/2010/main" xmlns="" w="9525">
                   <a:solidFill>
                     <a:srgbClr val="000000"/>
                   </a:solidFill>
@@ -11932,7 +13180,7 @@
             </a:ln>
             <a:extLst>
               <a:ext uri="{91240B29-F687-4f45-9708-019B960494DF}">
-                <a14:hiddenLine xmlns="" xmlns:a14="http://schemas.microsoft.com/office/drawing/2010/main" w="9525">
+                <a14:hiddenLine xmlns:a14="http://schemas.microsoft.com/office/drawing/2010/main" xmlns="" w="9525">
                   <a:solidFill>
                     <a:srgbClr val="000000"/>
                   </a:solidFill>
@@ -12000,7 +13248,7 @@
             </a:ln>
             <a:extLst>
               <a:ext uri="{91240B29-F687-4f45-9708-019B960494DF}">
-                <a14:hiddenLine xmlns="" xmlns:a14="http://schemas.microsoft.com/office/drawing/2010/main" w="9525">
+                <a14:hiddenLine xmlns:a14="http://schemas.microsoft.com/office/drawing/2010/main" xmlns="" w="9525">
                   <a:solidFill>
                     <a:srgbClr val="000000"/>
                   </a:solidFill>
@@ -12090,7 +13338,7 @@
             </a:ln>
             <a:extLst>
               <a:ext uri="{91240B29-F687-4f45-9708-019B960494DF}">
-                <a14:hiddenLine xmlns="" xmlns:a14="http://schemas.microsoft.com/office/drawing/2010/main" w="9525">
+                <a14:hiddenLine xmlns:a14="http://schemas.microsoft.com/office/drawing/2010/main" xmlns="" w="9525">
                   <a:solidFill>
                     <a:srgbClr val="000000"/>
                   </a:solidFill>
@@ -12158,7 +13406,7 @@
             </a:ln>
             <a:extLst>
               <a:ext uri="{91240B29-F687-4f45-9708-019B960494DF}">
-                <a14:hiddenLine xmlns="" xmlns:a14="http://schemas.microsoft.com/office/drawing/2010/main" w="9525">
+                <a14:hiddenLine xmlns:a14="http://schemas.microsoft.com/office/drawing/2010/main" xmlns="" w="9525">
                   <a:solidFill>
                     <a:srgbClr val="000000"/>
                   </a:solidFill>
@@ -12248,7 +13496,7 @@
             </a:ln>
             <a:extLst>
               <a:ext uri="{91240B29-F687-4f45-9708-019B960494DF}">
-                <a14:hiddenLine xmlns="" xmlns:a14="http://schemas.microsoft.com/office/drawing/2010/main" w="9525">
+                <a14:hiddenLine xmlns:a14="http://schemas.microsoft.com/office/drawing/2010/main" xmlns="" w="9525">
                   <a:solidFill>
                     <a:srgbClr val="000000"/>
                   </a:solidFill>
@@ -12282,7 +13530,7 @@
             </a:ln>
             <a:extLst>
               <a:ext uri="{91240B29-F687-4f45-9708-019B960494DF}">
-                <a14:hiddenLine xmlns="" xmlns:a14="http://schemas.microsoft.com/office/drawing/2010/main" w="9525">
+                <a14:hiddenLine xmlns:a14="http://schemas.microsoft.com/office/drawing/2010/main" xmlns="" w="9525">
                   <a:solidFill>
                     <a:srgbClr val="000000"/>
                   </a:solidFill>
@@ -12372,7 +13620,7 @@
             </a:ln>
             <a:extLst>
               <a:ext uri="{91240B29-F687-4f45-9708-019B960494DF}">
-                <a14:hiddenLine xmlns="" xmlns:a14="http://schemas.microsoft.com/office/drawing/2010/main" w="9525">
+                <a14:hiddenLine xmlns:a14="http://schemas.microsoft.com/office/drawing/2010/main" xmlns="" w="9525">
                   <a:solidFill>
                     <a:srgbClr val="000000"/>
                   </a:solidFill>
@@ -12434,7 +13682,7 @@
             </a:ln>
             <a:extLst>
               <a:ext uri="{91240B29-F687-4f45-9708-019B960494DF}">
-                <a14:hiddenLine xmlns="" xmlns:a14="http://schemas.microsoft.com/office/drawing/2010/main" w="9525">
+                <a14:hiddenLine xmlns:a14="http://schemas.microsoft.com/office/drawing/2010/main" xmlns="" w="9525">
                   <a:solidFill>
                     <a:srgbClr val="000000"/>
                   </a:solidFill>
@@ -12496,7 +13744,7 @@
             </a:ln>
             <a:extLst>
               <a:ext uri="{91240B29-F687-4f45-9708-019B960494DF}">
-                <a14:hiddenLine xmlns="" xmlns:a14="http://schemas.microsoft.com/office/drawing/2010/main" w="9525">
+                <a14:hiddenLine xmlns:a14="http://schemas.microsoft.com/office/drawing/2010/main" xmlns="" w="9525">
                   <a:solidFill>
                     <a:srgbClr val="000000"/>
                   </a:solidFill>
@@ -12586,7 +13834,7 @@
             </a:ln>
             <a:extLst>
               <a:ext uri="{91240B29-F687-4f45-9708-019B960494DF}">
-                <a14:hiddenLine xmlns="" xmlns:a14="http://schemas.microsoft.com/office/drawing/2010/main" w="9525">
+                <a14:hiddenLine xmlns:a14="http://schemas.microsoft.com/office/drawing/2010/main" xmlns="" w="9525">
                   <a:solidFill>
                     <a:srgbClr val="000000"/>
                   </a:solidFill>
@@ -12654,7 +13902,7 @@
             </a:ln>
             <a:extLst>
               <a:ext uri="{91240B29-F687-4f45-9708-019B960494DF}">
-                <a14:hiddenLine xmlns="" xmlns:a14="http://schemas.microsoft.com/office/drawing/2010/main" w="9525">
+                <a14:hiddenLine xmlns:a14="http://schemas.microsoft.com/office/drawing/2010/main" xmlns="" w="9525">
                   <a:solidFill>
                     <a:srgbClr val="000000"/>
                   </a:solidFill>
@@ -12716,7 +13964,7 @@
             </a:ln>
             <a:extLst>
               <a:ext uri="{91240B29-F687-4f45-9708-019B960494DF}">
-                <a14:hiddenLine xmlns="" xmlns:a14="http://schemas.microsoft.com/office/drawing/2010/main" w="9525">
+                <a14:hiddenLine xmlns:a14="http://schemas.microsoft.com/office/drawing/2010/main" xmlns="" w="9525">
                   <a:solidFill>
                     <a:srgbClr val="000000"/>
                   </a:solidFill>
@@ -12806,7 +14054,7 @@
             </a:ln>
             <a:extLst>
               <a:ext uri="{91240B29-F687-4f45-9708-019B960494DF}">
-                <a14:hiddenLine xmlns="" xmlns:a14="http://schemas.microsoft.com/office/drawing/2010/main" w="9525">
+                <a14:hiddenLine xmlns:a14="http://schemas.microsoft.com/office/drawing/2010/main" xmlns="" w="9525">
                   <a:solidFill>
                     <a:srgbClr val="000000"/>
                   </a:solidFill>
@@ -12868,7 +14116,7 @@
             </a:ln>
             <a:extLst>
               <a:ext uri="{91240B29-F687-4f45-9708-019B960494DF}">
-                <a14:hiddenLine xmlns="" xmlns:a14="http://schemas.microsoft.com/office/drawing/2010/main" w="9525">
+                <a14:hiddenLine xmlns:a14="http://schemas.microsoft.com/office/drawing/2010/main" xmlns="" w="9525">
                   <a:solidFill>
                     <a:srgbClr val="000000"/>
                   </a:solidFill>
@@ -12958,7 +14206,7 @@
             </a:ln>
             <a:extLst>
               <a:ext uri="{91240B29-F687-4f45-9708-019B960494DF}">
-                <a14:hiddenLine xmlns="" xmlns:a14="http://schemas.microsoft.com/office/drawing/2010/main" w="9525">
+                <a14:hiddenLine xmlns:a14="http://schemas.microsoft.com/office/drawing/2010/main" xmlns="" w="9525">
                   <a:solidFill>
                     <a:srgbClr val="000000"/>
                   </a:solidFill>
@@ -13020,7 +14268,7 @@
             </a:ln>
             <a:extLst>
               <a:ext uri="{91240B29-F687-4f45-9708-019B960494DF}">
-                <a14:hiddenLine xmlns="" xmlns:a14="http://schemas.microsoft.com/office/drawing/2010/main" w="9525">
+                <a14:hiddenLine xmlns:a14="http://schemas.microsoft.com/office/drawing/2010/main" xmlns="" w="9525">
                   <a:solidFill>
                     <a:srgbClr val="000000"/>
                   </a:solidFill>
@@ -13110,7 +14358,7 @@
             </a:ln>
             <a:extLst>
               <a:ext uri="{91240B29-F687-4f45-9708-019B960494DF}">
-                <a14:hiddenLine xmlns="" xmlns:a14="http://schemas.microsoft.com/office/drawing/2010/main" w="9525">
+                <a14:hiddenLine xmlns:a14="http://schemas.microsoft.com/office/drawing/2010/main" xmlns="" w="9525">
                   <a:solidFill>
                     <a:srgbClr val="000000"/>
                   </a:solidFill>
@@ -13144,7 +14392,7 @@
             </a:ln>
             <a:extLst>
               <a:ext uri="{91240B29-F687-4f45-9708-019B960494DF}">
-                <a14:hiddenLine xmlns="" xmlns:a14="http://schemas.microsoft.com/office/drawing/2010/main" w="9525">
+                <a14:hiddenLine xmlns:a14="http://schemas.microsoft.com/office/drawing/2010/main" xmlns="" w="9525">
                   <a:solidFill>
                     <a:srgbClr val="000000"/>
                   </a:solidFill>
@@ -13209,7 +14457,7 @@
             </a:ln>
             <a:extLst>
               <a:ext uri="{91240B29-F687-4f45-9708-019B960494DF}">
-                <a14:hiddenLine xmlns="" xmlns:a14="http://schemas.microsoft.com/office/drawing/2010/main" w="9525">
+                <a14:hiddenLine xmlns:a14="http://schemas.microsoft.com/office/drawing/2010/main" xmlns="" w="9525">
                   <a:solidFill>
                     <a:srgbClr val="000000"/>
                   </a:solidFill>
@@ -13299,7 +14547,7 @@
             </a:ln>
             <a:extLst>
               <a:ext uri="{91240B29-F687-4f45-9708-019B960494DF}">
-                <a14:hiddenLine xmlns="" xmlns:a14="http://schemas.microsoft.com/office/drawing/2010/main" w="9525">
+                <a14:hiddenLine xmlns:a14="http://schemas.microsoft.com/office/drawing/2010/main" xmlns="" w="9525">
                   <a:solidFill>
                     <a:srgbClr val="000000"/>
                   </a:solidFill>
@@ -13361,7 +14609,7 @@
             </a:ln>
             <a:extLst>
               <a:ext uri="{91240B29-F687-4f45-9708-019B960494DF}">
-                <a14:hiddenLine xmlns="" xmlns:a14="http://schemas.microsoft.com/office/drawing/2010/main" w="9525">
+                <a14:hiddenLine xmlns:a14="http://schemas.microsoft.com/office/drawing/2010/main" xmlns="" w="9525">
                   <a:solidFill>
                     <a:srgbClr val="000000"/>
                   </a:solidFill>
@@ -13451,7 +14699,7 @@
             </a:ln>
             <a:extLst>
               <a:ext uri="{91240B29-F687-4f45-9708-019B960494DF}">
-                <a14:hiddenLine xmlns="" xmlns:a14="http://schemas.microsoft.com/office/drawing/2010/main" w="9525">
+                <a14:hiddenLine xmlns:a14="http://schemas.microsoft.com/office/drawing/2010/main" xmlns="" w="9525">
                   <a:solidFill>
                     <a:srgbClr val="000000"/>
                   </a:solidFill>
@@ -13541,7 +14789,7 @@
             </a:ln>
             <a:extLst>
               <a:ext uri="{91240B29-F687-4f45-9708-019B960494DF}">
-                <a14:hiddenLine xmlns="" xmlns:a14="http://schemas.microsoft.com/office/drawing/2010/main" w="9525">
+                <a14:hiddenLine xmlns:a14="http://schemas.microsoft.com/office/drawing/2010/main" xmlns="" w="9525">
                   <a:solidFill>
                     <a:srgbClr val="000000"/>
                   </a:solidFill>
@@ -13606,7 +14854,7 @@
             </a:ln>
             <a:extLst>
               <a:ext uri="{91240B29-F687-4f45-9708-019B960494DF}">
-                <a14:hiddenLine xmlns="" xmlns:a14="http://schemas.microsoft.com/office/drawing/2010/main" w="9525">
+                <a14:hiddenLine xmlns:a14="http://schemas.microsoft.com/office/drawing/2010/main" xmlns="" w="9525">
                   <a:solidFill>
                     <a:srgbClr val="000000"/>
                   </a:solidFill>
@@ -13668,7 +14916,7 @@
             </a:ln>
             <a:extLst>
               <a:ext uri="{91240B29-F687-4f45-9708-019B960494DF}">
-                <a14:hiddenLine xmlns="" xmlns:a14="http://schemas.microsoft.com/office/drawing/2010/main" w="9525">
+                <a14:hiddenLine xmlns:a14="http://schemas.microsoft.com/office/drawing/2010/main" xmlns="" w="9525">
                   <a:solidFill>
                     <a:srgbClr val="000000"/>
                   </a:solidFill>
@@ -13758,7 +15006,7 @@
             </a:ln>
             <a:extLst>
               <a:ext uri="{91240B29-F687-4f45-9708-019B960494DF}">
-                <a14:hiddenLine xmlns="" xmlns:a14="http://schemas.microsoft.com/office/drawing/2010/main" w="9525">
+                <a14:hiddenLine xmlns:a14="http://schemas.microsoft.com/office/drawing/2010/main" xmlns="" w="9525">
                   <a:solidFill>
                     <a:srgbClr val="000000"/>
                   </a:solidFill>
@@ -13848,7 +15096,7 @@
             </a:ln>
             <a:extLst>
               <a:ext uri="{91240B29-F687-4f45-9708-019B960494DF}">
-                <a14:hiddenLine xmlns="" xmlns:a14="http://schemas.microsoft.com/office/drawing/2010/main" w="9525">
+                <a14:hiddenLine xmlns:a14="http://schemas.microsoft.com/office/drawing/2010/main" xmlns="" w="9525">
                   <a:solidFill>
                     <a:srgbClr val="000000"/>
                   </a:solidFill>
@@ -13910,7 +15158,7 @@
             </a:ln>
             <a:extLst>
               <a:ext uri="{91240B29-F687-4f45-9708-019B960494DF}">
-                <a14:hiddenLine xmlns="" xmlns:a14="http://schemas.microsoft.com/office/drawing/2010/main" w="9525">
+                <a14:hiddenLine xmlns:a14="http://schemas.microsoft.com/office/drawing/2010/main" xmlns="" w="9525">
                   <a:solidFill>
                     <a:srgbClr val="000000"/>
                   </a:solidFill>
@@ -14030,7 +15278,7 @@
             </a:ln>
             <a:extLst>
               <a:ext uri="{91240B29-F687-4f45-9708-019B960494DF}">
-                <a14:hiddenLine xmlns="" xmlns:a14="http://schemas.microsoft.com/office/drawing/2010/main" w="9525">
+                <a14:hiddenLine xmlns:a14="http://schemas.microsoft.com/office/drawing/2010/main" xmlns="" w="9525">
                   <a:solidFill>
                     <a:srgbClr val="000000"/>
                   </a:solidFill>
@@ -14098,7 +15346,7 @@
             </a:ln>
             <a:extLst>
               <a:ext uri="{91240B29-F687-4f45-9708-019B960494DF}">
-                <a14:hiddenLine xmlns="" xmlns:a14="http://schemas.microsoft.com/office/drawing/2010/main" w="9525">
+                <a14:hiddenLine xmlns:a14="http://schemas.microsoft.com/office/drawing/2010/main" xmlns="" w="9525">
                   <a:solidFill>
                     <a:srgbClr val="000000"/>
                   </a:solidFill>
@@ -14188,7 +15436,7 @@
             </a:ln>
             <a:extLst>
               <a:ext uri="{91240B29-F687-4f45-9708-019B960494DF}">
-                <a14:hiddenLine xmlns="" xmlns:a14="http://schemas.microsoft.com/office/drawing/2010/main" w="9525">
+                <a14:hiddenLine xmlns:a14="http://schemas.microsoft.com/office/drawing/2010/main" xmlns="" w="9525">
                   <a:solidFill>
                     <a:srgbClr val="000000"/>
                   </a:solidFill>
@@ -18995,7 +20243,7 @@
           <a:noFill/>
           <a:extLst>
             <a:ext uri="{909E8E84-426E-40dd-AFC4-6F175D3DCCD1}">
-              <a14:hiddenFill xmlns="" xmlns:a14="http://schemas.microsoft.com/office/drawing/2010/main">
+              <a14:hiddenFill xmlns:a14="http://schemas.microsoft.com/office/drawing/2010/main" xmlns="">
                 <a:solidFill>
                   <a:srgbClr val="FFFFFF"/>
                 </a:solidFill>
@@ -19069,7 +20317,7 @@
               </a:ln>
               <a:extLst>
                 <a:ext uri="{91240B29-F687-4f45-9708-019B960494DF}">
-                  <a14:hiddenLine xmlns="" xmlns:a14="http://schemas.microsoft.com/office/drawing/2010/main" w="9525">
+                  <a14:hiddenLine xmlns:a14="http://schemas.microsoft.com/office/drawing/2010/main" xmlns="" w="9525">
                     <a:solidFill>
                       <a:srgbClr val="000000"/>
                     </a:solidFill>
@@ -19159,7 +20407,7 @@
               </a:ln>
               <a:extLst>
                 <a:ext uri="{91240B29-F687-4f45-9708-019B960494DF}">
-                  <a14:hiddenLine xmlns="" xmlns:a14="http://schemas.microsoft.com/office/drawing/2010/main" w="9525">
+                  <a14:hiddenLine xmlns:a14="http://schemas.microsoft.com/office/drawing/2010/main" xmlns="" w="9525">
                     <a:solidFill>
                       <a:srgbClr val="000000"/>
                     </a:solidFill>
@@ -19249,7 +20497,7 @@
               </a:ln>
               <a:extLst>
                 <a:ext uri="{91240B29-F687-4f45-9708-019B960494DF}">
-                  <a14:hiddenLine xmlns="" xmlns:a14="http://schemas.microsoft.com/office/drawing/2010/main" w="9525">
+                  <a14:hiddenLine xmlns:a14="http://schemas.microsoft.com/office/drawing/2010/main" xmlns="" w="9525">
                     <a:solidFill>
                       <a:srgbClr val="000000"/>
                     </a:solidFill>
@@ -19311,7 +20559,7 @@
               </a:ln>
               <a:extLst>
                 <a:ext uri="{91240B29-F687-4f45-9708-019B960494DF}">
-                  <a14:hiddenLine xmlns="" xmlns:a14="http://schemas.microsoft.com/office/drawing/2010/main" w="9525">
+                  <a14:hiddenLine xmlns:a14="http://schemas.microsoft.com/office/drawing/2010/main" xmlns="" w="9525">
                     <a:solidFill>
                       <a:srgbClr val="000000"/>
                     </a:solidFill>
@@ -19401,7 +20649,7 @@
               </a:ln>
               <a:extLst>
                 <a:ext uri="{91240B29-F687-4f45-9708-019B960494DF}">
-                  <a14:hiddenLine xmlns="" xmlns:a14="http://schemas.microsoft.com/office/drawing/2010/main" w="9525">
+                  <a14:hiddenLine xmlns:a14="http://schemas.microsoft.com/office/drawing/2010/main" xmlns="" w="9525">
                     <a:solidFill>
                       <a:srgbClr val="000000"/>
                     </a:solidFill>
@@ -19463,7 +20711,7 @@
               </a:ln>
               <a:extLst>
                 <a:ext uri="{91240B29-F687-4f45-9708-019B960494DF}">
-                  <a14:hiddenLine xmlns="" xmlns:a14="http://schemas.microsoft.com/office/drawing/2010/main" w="9525">
+                  <a14:hiddenLine xmlns:a14="http://schemas.microsoft.com/office/drawing/2010/main" xmlns="" w="9525">
                     <a:solidFill>
                       <a:srgbClr val="000000"/>
                     </a:solidFill>
@@ -19525,7 +20773,7 @@
               </a:ln>
               <a:extLst>
                 <a:ext uri="{91240B29-F687-4f45-9708-019B960494DF}">
-                  <a14:hiddenLine xmlns="" xmlns:a14="http://schemas.microsoft.com/office/drawing/2010/main" w="9525">
+                  <a14:hiddenLine xmlns:a14="http://schemas.microsoft.com/office/drawing/2010/main" xmlns="" w="9525">
                     <a:solidFill>
                       <a:srgbClr val="000000"/>
                     </a:solidFill>
@@ -19615,7 +20863,7 @@
               </a:ln>
               <a:extLst>
                 <a:ext uri="{91240B29-F687-4f45-9708-019B960494DF}">
-                  <a14:hiddenLine xmlns="" xmlns:a14="http://schemas.microsoft.com/office/drawing/2010/main" w="9525">
+                  <a14:hiddenLine xmlns:a14="http://schemas.microsoft.com/office/drawing/2010/main" xmlns="" w="9525">
                     <a:solidFill>
                       <a:srgbClr val="000000"/>
                     </a:solidFill>
@@ -19705,7 +20953,7 @@
               </a:ln>
               <a:extLst>
                 <a:ext uri="{91240B29-F687-4f45-9708-019B960494DF}">
-                  <a14:hiddenLine xmlns="" xmlns:a14="http://schemas.microsoft.com/office/drawing/2010/main" w="9525">
+                  <a14:hiddenLine xmlns:a14="http://schemas.microsoft.com/office/drawing/2010/main" xmlns="" w="9525">
                     <a:solidFill>
                       <a:srgbClr val="000000"/>
                     </a:solidFill>
@@ -19767,7 +21015,7 @@
               </a:ln>
               <a:extLst>
                 <a:ext uri="{91240B29-F687-4f45-9708-019B960494DF}">
-                  <a14:hiddenLine xmlns="" xmlns:a14="http://schemas.microsoft.com/office/drawing/2010/main" w="9525">
+                  <a14:hiddenLine xmlns:a14="http://schemas.microsoft.com/office/drawing/2010/main" xmlns="" w="9525">
                     <a:solidFill>
                       <a:srgbClr val="000000"/>
                     </a:solidFill>
@@ -19877,7 +21125,7 @@
               </a:ln>
               <a:extLst>
                 <a:ext uri="{91240B29-F687-4f45-9708-019B960494DF}">
-                  <a14:hiddenLine xmlns="" xmlns:a14="http://schemas.microsoft.com/office/drawing/2010/main" w="9525">
+                  <a14:hiddenLine xmlns:a14="http://schemas.microsoft.com/office/drawing/2010/main" xmlns="" w="9525">
                     <a:solidFill>
                       <a:srgbClr val="000000"/>
                     </a:solidFill>
@@ -19961,7 +21209,7 @@
               </a:ln>
               <a:extLst>
                 <a:ext uri="{91240B29-F687-4f45-9708-019B960494DF}">
-                  <a14:hiddenLine xmlns="" xmlns:a14="http://schemas.microsoft.com/office/drawing/2010/main" w="9525">
+                  <a14:hiddenLine xmlns:a14="http://schemas.microsoft.com/office/drawing/2010/main" xmlns="" w="9525">
                     <a:solidFill>
                       <a:srgbClr val="000000"/>
                     </a:solidFill>
@@ -20023,7 +21271,7 @@
               </a:ln>
               <a:extLst>
                 <a:ext uri="{91240B29-F687-4f45-9708-019B960494DF}">
-                  <a14:hiddenLine xmlns="" xmlns:a14="http://schemas.microsoft.com/office/drawing/2010/main" w="9525">
+                  <a14:hiddenLine xmlns:a14="http://schemas.microsoft.com/office/drawing/2010/main" xmlns="" w="9525">
                     <a:solidFill>
                       <a:srgbClr val="000000"/>
                     </a:solidFill>
@@ -20085,7 +21333,7 @@
               </a:ln>
               <a:extLst>
                 <a:ext uri="{91240B29-F687-4f45-9708-019B960494DF}">
-                  <a14:hiddenLine xmlns="" xmlns:a14="http://schemas.microsoft.com/office/drawing/2010/main" w="9525">
+                  <a14:hiddenLine xmlns:a14="http://schemas.microsoft.com/office/drawing/2010/main" xmlns="" w="9525">
                     <a:solidFill>
                       <a:srgbClr val="000000"/>
                     </a:solidFill>
@@ -20175,7 +21423,7 @@
               </a:ln>
               <a:extLst>
                 <a:ext uri="{91240B29-F687-4f45-9708-019B960494DF}">
-                  <a14:hiddenLine xmlns="" xmlns:a14="http://schemas.microsoft.com/office/drawing/2010/main" w="9525">
+                  <a14:hiddenLine xmlns:a14="http://schemas.microsoft.com/office/drawing/2010/main" xmlns="" w="9525">
                     <a:solidFill>
                       <a:srgbClr val="000000"/>
                     </a:solidFill>
@@ -20209,7 +21457,7 @@
               </a:ln>
               <a:extLst>
                 <a:ext uri="{91240B29-F687-4f45-9708-019B960494DF}">
-                  <a14:hiddenLine xmlns="" xmlns:a14="http://schemas.microsoft.com/office/drawing/2010/main" w="9525">
+                  <a14:hiddenLine xmlns:a14="http://schemas.microsoft.com/office/drawing/2010/main" xmlns="" w="9525">
                     <a:solidFill>
                       <a:srgbClr val="000000"/>
                     </a:solidFill>
@@ -20274,7 +21522,7 @@
               </a:ln>
               <a:extLst>
                 <a:ext uri="{91240B29-F687-4f45-9708-019B960494DF}">
-                  <a14:hiddenLine xmlns="" xmlns:a14="http://schemas.microsoft.com/office/drawing/2010/main" w="9525">
+                  <a14:hiddenLine xmlns:a14="http://schemas.microsoft.com/office/drawing/2010/main" xmlns="" w="9525">
                     <a:solidFill>
                       <a:srgbClr val="000000"/>
                     </a:solidFill>
@@ -20364,7 +21612,7 @@
               </a:ln>
               <a:extLst>
                 <a:ext uri="{91240B29-F687-4f45-9708-019B960494DF}">
-                  <a14:hiddenLine xmlns="" xmlns:a14="http://schemas.microsoft.com/office/drawing/2010/main" w="9525">
+                  <a14:hiddenLine xmlns:a14="http://schemas.microsoft.com/office/drawing/2010/main" xmlns="" w="9525">
                     <a:solidFill>
                       <a:srgbClr val="000000"/>
                     </a:solidFill>
@@ -20426,7 +21674,7 @@
               </a:ln>
               <a:extLst>
                 <a:ext uri="{91240B29-F687-4f45-9708-019B960494DF}">
-                  <a14:hiddenLine xmlns="" xmlns:a14="http://schemas.microsoft.com/office/drawing/2010/main" w="9525">
+                  <a14:hiddenLine xmlns:a14="http://schemas.microsoft.com/office/drawing/2010/main" xmlns="" w="9525">
                     <a:solidFill>
                       <a:srgbClr val="000000"/>
                     </a:solidFill>
@@ -20516,7 +21764,7 @@
               </a:ln>
               <a:extLst>
                 <a:ext uri="{91240B29-F687-4f45-9708-019B960494DF}">
-                  <a14:hiddenLine xmlns="" xmlns:a14="http://schemas.microsoft.com/office/drawing/2010/main" w="9525">
+                  <a14:hiddenLine xmlns:a14="http://schemas.microsoft.com/office/drawing/2010/main" xmlns="" w="9525">
                     <a:solidFill>
                       <a:srgbClr val="000000"/>
                     </a:solidFill>
@@ -20581,7 +21829,7 @@
               </a:ln>
               <a:extLst>
                 <a:ext uri="{91240B29-F687-4f45-9708-019B960494DF}">
-                  <a14:hiddenLine xmlns="" xmlns:a14="http://schemas.microsoft.com/office/drawing/2010/main" w="9525">
+                  <a14:hiddenLine xmlns:a14="http://schemas.microsoft.com/office/drawing/2010/main" xmlns="" w="9525">
                     <a:solidFill>
                       <a:srgbClr val="000000"/>
                     </a:solidFill>
@@ -20643,7 +21891,7 @@
               </a:ln>
               <a:extLst>
                 <a:ext uri="{91240B29-F687-4f45-9708-019B960494DF}">
-                  <a14:hiddenLine xmlns="" xmlns:a14="http://schemas.microsoft.com/office/drawing/2010/main" w="9525">
+                  <a14:hiddenLine xmlns:a14="http://schemas.microsoft.com/office/drawing/2010/main" xmlns="" w="9525">
                     <a:solidFill>
                       <a:srgbClr val="000000"/>
                     </a:solidFill>
@@ -20733,7 +21981,7 @@
               </a:ln>
               <a:extLst>
                 <a:ext uri="{91240B29-F687-4f45-9708-019B960494DF}">
-                  <a14:hiddenLine xmlns="" xmlns:a14="http://schemas.microsoft.com/office/drawing/2010/main" w="9525">
+                  <a14:hiddenLine xmlns:a14="http://schemas.microsoft.com/office/drawing/2010/main" xmlns="" w="9525">
                     <a:solidFill>
                       <a:srgbClr val="000000"/>
                     </a:solidFill>
@@ -20823,7 +22071,7 @@
               </a:ln>
               <a:extLst>
                 <a:ext uri="{91240B29-F687-4f45-9708-019B960494DF}">
-                  <a14:hiddenLine xmlns="" xmlns:a14="http://schemas.microsoft.com/office/drawing/2010/main" w="9525">
+                  <a14:hiddenLine xmlns:a14="http://schemas.microsoft.com/office/drawing/2010/main" xmlns="" w="9525">
                     <a:solidFill>
                       <a:srgbClr val="000000"/>
                     </a:solidFill>
@@ -20888,7 +22136,7 @@
               </a:ln>
               <a:extLst>
                 <a:ext uri="{91240B29-F687-4f45-9708-019B960494DF}">
-                  <a14:hiddenLine xmlns="" xmlns:a14="http://schemas.microsoft.com/office/drawing/2010/main" w="9525">
+                  <a14:hiddenLine xmlns:a14="http://schemas.microsoft.com/office/drawing/2010/main" xmlns="" w="9525">
                     <a:solidFill>
                       <a:srgbClr val="000000"/>
                     </a:solidFill>
@@ -21008,7 +22256,7 @@
               </a:ln>
               <a:extLst>
                 <a:ext uri="{91240B29-F687-4f45-9708-019B960494DF}">
-                  <a14:hiddenLine xmlns="" xmlns:a14="http://schemas.microsoft.com/office/drawing/2010/main" w="9525">
+                  <a14:hiddenLine xmlns:a14="http://schemas.microsoft.com/office/drawing/2010/main" xmlns="" w="9525">
                     <a:solidFill>
                       <a:srgbClr val="000000"/>
                     </a:solidFill>
@@ -21106,7 +22354,7 @@
               </a:ln>
               <a:extLst>
                 <a:ext uri="{91240B29-F687-4f45-9708-019B960494DF}">
-                  <a14:hiddenLine xmlns="" xmlns:a14="http://schemas.microsoft.com/office/drawing/2010/main" w="9525">
+                  <a14:hiddenLine xmlns:a14="http://schemas.microsoft.com/office/drawing/2010/main" xmlns="" w="9525">
                     <a:solidFill>
                       <a:srgbClr val="000000"/>
                     </a:solidFill>
@@ -21221,7 +22469,7 @@
               </a:ln>
               <a:extLst>
                 <a:ext uri="{91240B29-F687-4f45-9708-019B960494DF}">
-                  <a14:hiddenLine xmlns="" xmlns:a14="http://schemas.microsoft.com/office/drawing/2010/main" w="9525">
+                  <a14:hiddenLine xmlns:a14="http://schemas.microsoft.com/office/drawing/2010/main" xmlns="" w="9525">
                     <a:solidFill>
                       <a:srgbClr val="000000"/>
                     </a:solidFill>
@@ -21311,7 +22559,7 @@
               </a:ln>
               <a:extLst>
                 <a:ext uri="{91240B29-F687-4f45-9708-019B960494DF}">
-                  <a14:hiddenLine xmlns="" xmlns:a14="http://schemas.microsoft.com/office/drawing/2010/main" w="9525">
+                  <a14:hiddenLine xmlns:a14="http://schemas.microsoft.com/office/drawing/2010/main" xmlns="" w="9525">
                     <a:solidFill>
                       <a:srgbClr val="000000"/>
                     </a:solidFill>
@@ -21376,7 +22624,7 @@
               </a:ln>
               <a:extLst>
                 <a:ext uri="{91240B29-F687-4f45-9708-019B960494DF}">
-                  <a14:hiddenLine xmlns="" xmlns:a14="http://schemas.microsoft.com/office/drawing/2010/main" w="9525">
+                  <a14:hiddenLine xmlns:a14="http://schemas.microsoft.com/office/drawing/2010/main" xmlns="" w="9525">
                     <a:solidFill>
                       <a:srgbClr val="000000"/>
                     </a:solidFill>
@@ -21466,7 +22714,7 @@
               </a:ln>
               <a:extLst>
                 <a:ext uri="{91240B29-F687-4f45-9708-019B960494DF}">
-                  <a14:hiddenLine xmlns="" xmlns:a14="http://schemas.microsoft.com/office/drawing/2010/main" w="9525">
+                  <a14:hiddenLine xmlns:a14="http://schemas.microsoft.com/office/drawing/2010/main" xmlns="" w="9525">
                     <a:solidFill>
                       <a:srgbClr val="000000"/>
                     </a:solidFill>
@@ -21534,7 +22782,7 @@
               </a:ln>
               <a:extLst>
                 <a:ext uri="{91240B29-F687-4f45-9708-019B960494DF}">
-                  <a14:hiddenLine xmlns="" xmlns:a14="http://schemas.microsoft.com/office/drawing/2010/main" w="9525">
+                  <a14:hiddenLine xmlns:a14="http://schemas.microsoft.com/office/drawing/2010/main" xmlns="" w="9525">
                     <a:solidFill>
                       <a:srgbClr val="000000"/>
                     </a:solidFill>
@@ -21624,7 +22872,7 @@
               </a:ln>
               <a:extLst>
                 <a:ext uri="{91240B29-F687-4f45-9708-019B960494DF}">
-                  <a14:hiddenLine xmlns="" xmlns:a14="http://schemas.microsoft.com/office/drawing/2010/main" w="9525">
+                  <a14:hiddenLine xmlns:a14="http://schemas.microsoft.com/office/drawing/2010/main" xmlns="" w="9525">
                     <a:solidFill>
                       <a:srgbClr val="000000"/>
                     </a:solidFill>
@@ -21692,7 +22940,7 @@
               </a:ln>
               <a:extLst>
                 <a:ext uri="{91240B29-F687-4f45-9708-019B960494DF}">
-                  <a14:hiddenLine xmlns="" xmlns:a14="http://schemas.microsoft.com/office/drawing/2010/main" w="9525">
+                  <a14:hiddenLine xmlns:a14="http://schemas.microsoft.com/office/drawing/2010/main" xmlns="" w="9525">
                     <a:solidFill>
                       <a:srgbClr val="000000"/>
                     </a:solidFill>
@@ -21782,7 +23030,7 @@
               </a:ln>
               <a:extLst>
                 <a:ext uri="{91240B29-F687-4f45-9708-019B960494DF}">
-                  <a14:hiddenLine xmlns="" xmlns:a14="http://schemas.microsoft.com/office/drawing/2010/main" w="9525">
+                  <a14:hiddenLine xmlns:a14="http://schemas.microsoft.com/office/drawing/2010/main" xmlns="" w="9525">
                     <a:solidFill>
                       <a:srgbClr val="000000"/>
                     </a:solidFill>
@@ -21816,7 +23064,7 @@
               </a:ln>
               <a:extLst>
                 <a:ext uri="{91240B29-F687-4f45-9708-019B960494DF}">
-                  <a14:hiddenLine xmlns="" xmlns:a14="http://schemas.microsoft.com/office/drawing/2010/main" w="9525">
+                  <a14:hiddenLine xmlns:a14="http://schemas.microsoft.com/office/drawing/2010/main" xmlns="" w="9525">
                     <a:solidFill>
                       <a:srgbClr val="000000"/>
                     </a:solidFill>
@@ -28931,7 +30179,895 @@
           <a:p>
             <a:r>
               <a:rPr lang="en-US" dirty="0" smtClean="0"/>
-              <a:t>Sprint Events</a:t>
+              <a:t>Scrum </a:t>
+            </a:r>
+            <a:r>
+              <a:rPr lang="en-US" dirty="0" smtClean="0"/>
+              <a:t>Events</a:t>
+            </a:r>
+            <a:endParaRPr lang="en-US" dirty="0"/>
+          </a:p>
+        </p:txBody>
+      </p:sp>
+      <p:grpSp>
+        <p:nvGrpSpPr>
+          <p:cNvPr id="8" name="Group 7"/>
+          <p:cNvGrpSpPr/>
+          <p:nvPr/>
+        </p:nvGrpSpPr>
+        <p:grpSpPr>
+          <a:xfrm>
+            <a:off x="4246047" y="1308609"/>
+            <a:ext cx="5307856" cy="5307855"/>
+            <a:chOff x="4246047" y="1608154"/>
+            <a:chExt cx="4657221" cy="4657220"/>
+          </a:xfrm>
+        </p:grpSpPr>
+        <p:sp>
+          <p:nvSpPr>
+            <p:cNvPr id="9" name="Freeform 8"/>
+            <p:cNvSpPr/>
+            <p:nvPr/>
+          </p:nvSpPr>
+          <p:spPr>
+            <a:xfrm>
+              <a:off x="4246047" y="1608154"/>
+              <a:ext cx="2276045" cy="2276045"/>
+            </a:xfrm>
+            <a:custGeom>
+              <a:avLst/>
+              <a:gdLst>
+                <a:gd name="connsiteX0" fmla="*/ 0 w 2276045"/>
+                <a:gd name="connsiteY0" fmla="*/ 2276045 h 2276045"/>
+                <a:gd name="connsiteX1" fmla="*/ 2276045 w 2276045"/>
+                <a:gd name="connsiteY1" fmla="*/ 0 h 2276045"/>
+                <a:gd name="connsiteX2" fmla="*/ 2276045 w 2276045"/>
+                <a:gd name="connsiteY2" fmla="*/ 2276045 h 2276045"/>
+                <a:gd name="connsiteX3" fmla="*/ 0 w 2276045"/>
+                <a:gd name="connsiteY3" fmla="*/ 2276045 h 2276045"/>
+              </a:gdLst>
+              <a:ahLst/>
+              <a:cxnLst>
+                <a:cxn ang="0">
+                  <a:pos x="connsiteX0" y="connsiteY0"/>
+                </a:cxn>
+                <a:cxn ang="0">
+                  <a:pos x="connsiteX1" y="connsiteY1"/>
+                </a:cxn>
+                <a:cxn ang="0">
+                  <a:pos x="connsiteX2" y="connsiteY2"/>
+                </a:cxn>
+                <a:cxn ang="0">
+                  <a:pos x="connsiteX3" y="connsiteY3"/>
+                </a:cxn>
+              </a:cxnLst>
+              <a:rect l="l" t="t" r="r" b="b"/>
+              <a:pathLst>
+                <a:path w="2276045" h="2276045">
+                  <a:moveTo>
+                    <a:pt x="0" y="2276045"/>
+                  </a:moveTo>
+                  <a:cubicBezTo>
+                    <a:pt x="0" y="1019020"/>
+                    <a:pt x="1019020" y="0"/>
+                    <a:pt x="2276045" y="0"/>
+                  </a:cubicBezTo>
+                  <a:lnTo>
+                    <a:pt x="2276045" y="2276045"/>
+                  </a:lnTo>
+                  <a:lnTo>
+                    <a:pt x="0" y="2276045"/>
+                  </a:lnTo>
+                  <a:close/>
+                </a:path>
+              </a:pathLst>
+            </a:custGeom>
+            <a:scene3d>
+              <a:camera prst="orthographicFront"/>
+              <a:lightRig rig="threePt" dir="t">
+                <a:rot lat="0" lon="0" rev="7500000"/>
+              </a:lightRig>
+            </a:scene3d>
+            <a:sp3d prstMaterial="plastic">
+              <a:bevelT w="127000" h="25400" prst="relaxedInset"/>
+            </a:sp3d>
+          </p:spPr>
+          <p:style>
+            <a:lnRef idx="0">
+              <a:schemeClr val="lt1">
+                <a:hueOff val="0"/>
+                <a:satOff val="0"/>
+                <a:lumOff val="0"/>
+                <a:alphaOff val="0"/>
+              </a:schemeClr>
+            </a:lnRef>
+            <a:fillRef idx="3">
+              <a:schemeClr val="accent3">
+                <a:hueOff val="0"/>
+                <a:satOff val="0"/>
+                <a:lumOff val="0"/>
+                <a:alphaOff val="0"/>
+              </a:schemeClr>
+            </a:fillRef>
+            <a:effectRef idx="2">
+              <a:schemeClr val="accent3">
+                <a:hueOff val="0"/>
+                <a:satOff val="0"/>
+                <a:lumOff val="0"/>
+                <a:alphaOff val="0"/>
+              </a:schemeClr>
+            </a:effectRef>
+            <a:fontRef idx="minor">
+              <a:schemeClr val="lt1"/>
+            </a:fontRef>
+          </p:style>
+          <p:txBody>
+            <a:bodyPr spcFirstLastPara="0" vert="horz" wrap="square" lIns="830214" tIns="830214" rIns="163576" bIns="163576" numCol="1" spcCol="1270" anchor="ctr" anchorCtr="0">
+              <a:noAutofit/>
+            </a:bodyPr>
+            <a:lstStyle/>
+            <a:p>
+              <a:pPr lvl="0" algn="ctr" defTabSz="1022350">
+                <a:lnSpc>
+                  <a:spcPct val="90000"/>
+                </a:lnSpc>
+                <a:spcBef>
+                  <a:spcPct val="0"/>
+                </a:spcBef>
+                <a:spcAft>
+                  <a:spcPct val="35000"/>
+                </a:spcAft>
+              </a:pPr>
+              <a:r>
+                <a:rPr lang="en-US" sz="2300" kern="1200" dirty="0" smtClean="0"/>
+                <a:t>Sprint</a:t>
+              </a:r>
+            </a:p>
+            <a:p>
+              <a:pPr lvl="0" algn="ctr" defTabSz="1022350">
+                <a:lnSpc>
+                  <a:spcPct val="90000"/>
+                </a:lnSpc>
+                <a:spcBef>
+                  <a:spcPct val="0"/>
+                </a:spcBef>
+                <a:spcAft>
+                  <a:spcPct val="35000"/>
+                </a:spcAft>
+              </a:pPr>
+              <a:r>
+                <a:rPr lang="en-US" sz="2300" kern="1200" dirty="0" smtClean="0"/>
+                <a:t>Planning</a:t>
+              </a:r>
+              <a:endParaRPr lang="en-US" sz="2300" kern="1200" dirty="0"/>
+            </a:p>
+          </p:txBody>
+        </p:sp>
+        <p:sp>
+          <p:nvSpPr>
+            <p:cNvPr id="10" name="Freeform 9"/>
+            <p:cNvSpPr/>
+            <p:nvPr/>
+          </p:nvSpPr>
+          <p:spPr>
+            <a:xfrm>
+              <a:off x="6627222" y="1608154"/>
+              <a:ext cx="2276045" cy="2276045"/>
+            </a:xfrm>
+            <a:custGeom>
+              <a:avLst/>
+              <a:gdLst>
+                <a:gd name="connsiteX0" fmla="*/ 0 w 2276045"/>
+                <a:gd name="connsiteY0" fmla="*/ 2276045 h 2276045"/>
+                <a:gd name="connsiteX1" fmla="*/ 2276045 w 2276045"/>
+                <a:gd name="connsiteY1" fmla="*/ 0 h 2276045"/>
+                <a:gd name="connsiteX2" fmla="*/ 2276045 w 2276045"/>
+                <a:gd name="connsiteY2" fmla="*/ 2276045 h 2276045"/>
+                <a:gd name="connsiteX3" fmla="*/ 0 w 2276045"/>
+                <a:gd name="connsiteY3" fmla="*/ 2276045 h 2276045"/>
+              </a:gdLst>
+              <a:ahLst/>
+              <a:cxnLst>
+                <a:cxn ang="0">
+                  <a:pos x="connsiteX0" y="connsiteY0"/>
+                </a:cxn>
+                <a:cxn ang="0">
+                  <a:pos x="connsiteX1" y="connsiteY1"/>
+                </a:cxn>
+                <a:cxn ang="0">
+                  <a:pos x="connsiteX2" y="connsiteY2"/>
+                </a:cxn>
+                <a:cxn ang="0">
+                  <a:pos x="connsiteX3" y="connsiteY3"/>
+                </a:cxn>
+              </a:cxnLst>
+              <a:rect l="l" t="t" r="r" b="b"/>
+              <a:pathLst>
+                <a:path w="2276045" h="2276045">
+                  <a:moveTo>
+                    <a:pt x="0" y="0"/>
+                  </a:moveTo>
+                  <a:cubicBezTo>
+                    <a:pt x="1257025" y="0"/>
+                    <a:pt x="2276045" y="1019020"/>
+                    <a:pt x="2276045" y="2276045"/>
+                  </a:cubicBezTo>
+                  <a:lnTo>
+                    <a:pt x="0" y="2276045"/>
+                  </a:lnTo>
+                  <a:lnTo>
+                    <a:pt x="0" y="0"/>
+                  </a:lnTo>
+                  <a:close/>
+                </a:path>
+              </a:pathLst>
+            </a:custGeom>
+            <a:scene3d>
+              <a:camera prst="orthographicFront"/>
+              <a:lightRig rig="threePt" dir="t">
+                <a:rot lat="0" lon="0" rev="7500000"/>
+              </a:lightRig>
+            </a:scene3d>
+            <a:sp3d prstMaterial="plastic">
+              <a:bevelT w="127000" h="25400" prst="relaxedInset"/>
+            </a:sp3d>
+          </p:spPr>
+          <p:style>
+            <a:lnRef idx="0">
+              <a:schemeClr val="lt1">
+                <a:hueOff val="0"/>
+                <a:satOff val="0"/>
+                <a:lumOff val="0"/>
+                <a:alphaOff val="0"/>
+              </a:schemeClr>
+            </a:lnRef>
+            <a:fillRef idx="3">
+              <a:schemeClr val="accent3">
+                <a:hueOff val="5473956"/>
+                <a:satOff val="-1420"/>
+                <a:lumOff val="1569"/>
+                <a:alphaOff val="0"/>
+              </a:schemeClr>
+            </a:fillRef>
+            <a:effectRef idx="2">
+              <a:schemeClr val="accent3">
+                <a:hueOff val="5473956"/>
+                <a:satOff val="-1420"/>
+                <a:lumOff val="1569"/>
+                <a:alphaOff val="0"/>
+              </a:schemeClr>
+            </a:effectRef>
+            <a:fontRef idx="minor">
+              <a:schemeClr val="lt1"/>
+            </a:fontRef>
+          </p:style>
+          <p:txBody>
+            <a:bodyPr spcFirstLastPara="0" vert="horz" wrap="square" lIns="163576" tIns="830214" rIns="830214" bIns="163576" numCol="1" spcCol="1270" anchor="ctr" anchorCtr="0">
+              <a:noAutofit/>
+            </a:bodyPr>
+            <a:lstStyle/>
+            <a:p>
+              <a:pPr lvl="0" algn="ctr" defTabSz="1022350">
+                <a:lnSpc>
+                  <a:spcPct val="90000"/>
+                </a:lnSpc>
+                <a:spcBef>
+                  <a:spcPct val="0"/>
+                </a:spcBef>
+                <a:spcAft>
+                  <a:spcPct val="35000"/>
+                </a:spcAft>
+              </a:pPr>
+              <a:r>
+                <a:rPr lang="en-US" sz="2300" kern="1200" dirty="0" smtClean="0"/>
+                <a:t>Daily Scrum</a:t>
+              </a:r>
+              <a:endParaRPr lang="en-US" sz="2300" kern="1200" dirty="0"/>
+            </a:p>
+          </p:txBody>
+        </p:sp>
+        <p:sp>
+          <p:nvSpPr>
+            <p:cNvPr id="11" name="Freeform 10"/>
+            <p:cNvSpPr/>
+            <p:nvPr/>
+          </p:nvSpPr>
+          <p:spPr>
+            <a:xfrm rot="21600000">
+              <a:off x="6627222" y="3989329"/>
+              <a:ext cx="2276046" cy="2276045"/>
+            </a:xfrm>
+            <a:custGeom>
+              <a:avLst/>
+              <a:gdLst>
+                <a:gd name="connsiteX0" fmla="*/ 0 w 2276045"/>
+                <a:gd name="connsiteY0" fmla="*/ 2276045 h 2276045"/>
+                <a:gd name="connsiteX1" fmla="*/ 2276045 w 2276045"/>
+                <a:gd name="connsiteY1" fmla="*/ 0 h 2276045"/>
+                <a:gd name="connsiteX2" fmla="*/ 2276045 w 2276045"/>
+                <a:gd name="connsiteY2" fmla="*/ 2276045 h 2276045"/>
+                <a:gd name="connsiteX3" fmla="*/ 0 w 2276045"/>
+                <a:gd name="connsiteY3" fmla="*/ 2276045 h 2276045"/>
+              </a:gdLst>
+              <a:ahLst/>
+              <a:cxnLst>
+                <a:cxn ang="0">
+                  <a:pos x="connsiteX0" y="connsiteY0"/>
+                </a:cxn>
+                <a:cxn ang="0">
+                  <a:pos x="connsiteX1" y="connsiteY1"/>
+                </a:cxn>
+                <a:cxn ang="0">
+                  <a:pos x="connsiteX2" y="connsiteY2"/>
+                </a:cxn>
+                <a:cxn ang="0">
+                  <a:pos x="connsiteX3" y="connsiteY3"/>
+                </a:cxn>
+              </a:cxnLst>
+              <a:rect l="l" t="t" r="r" b="b"/>
+              <a:pathLst>
+                <a:path w="2276045" h="2276045">
+                  <a:moveTo>
+                    <a:pt x="2276045" y="0"/>
+                  </a:moveTo>
+                  <a:cubicBezTo>
+                    <a:pt x="2276045" y="1257025"/>
+                    <a:pt x="1257025" y="2276045"/>
+                    <a:pt x="0" y="2276045"/>
+                  </a:cubicBezTo>
+                  <a:lnTo>
+                    <a:pt x="0" y="0"/>
+                  </a:lnTo>
+                  <a:lnTo>
+                    <a:pt x="2276045" y="0"/>
+                  </a:lnTo>
+                  <a:close/>
+                </a:path>
+              </a:pathLst>
+            </a:custGeom>
+            <a:scene3d>
+              <a:camera prst="orthographicFront"/>
+              <a:lightRig rig="threePt" dir="t">
+                <a:rot lat="0" lon="0" rev="7500000"/>
+              </a:lightRig>
+            </a:scene3d>
+            <a:sp3d prstMaterial="plastic">
+              <a:bevelT w="127000" h="25400" prst="relaxedInset"/>
+            </a:sp3d>
+          </p:spPr>
+          <p:style>
+            <a:lnRef idx="0">
+              <a:schemeClr val="lt1">
+                <a:hueOff val="0"/>
+                <a:satOff val="0"/>
+                <a:lumOff val="0"/>
+                <a:alphaOff val="0"/>
+              </a:schemeClr>
+            </a:lnRef>
+            <a:fillRef idx="3">
+              <a:schemeClr val="accent3">
+                <a:hueOff val="10947913"/>
+                <a:satOff val="-2840"/>
+                <a:lumOff val="3137"/>
+                <a:alphaOff val="0"/>
+              </a:schemeClr>
+            </a:fillRef>
+            <a:effectRef idx="2">
+              <a:schemeClr val="accent3">
+                <a:hueOff val="10947913"/>
+                <a:satOff val="-2840"/>
+                <a:lumOff val="3137"/>
+                <a:alphaOff val="0"/>
+              </a:schemeClr>
+            </a:effectRef>
+            <a:fontRef idx="minor">
+              <a:schemeClr val="lt1"/>
+            </a:fontRef>
+          </p:style>
+          <p:txBody>
+            <a:bodyPr spcFirstLastPara="0" vert="horz" wrap="square" lIns="163576" tIns="163576" rIns="830215" bIns="830214" numCol="1" spcCol="1270" anchor="ctr" anchorCtr="0">
+              <a:noAutofit/>
+            </a:bodyPr>
+            <a:lstStyle/>
+            <a:p>
+              <a:pPr lvl="0" algn="ctr" defTabSz="1022350">
+                <a:lnSpc>
+                  <a:spcPct val="90000"/>
+                </a:lnSpc>
+                <a:spcBef>
+                  <a:spcPct val="0"/>
+                </a:spcBef>
+                <a:spcAft>
+                  <a:spcPct val="35000"/>
+                </a:spcAft>
+              </a:pPr>
+              <a:r>
+                <a:rPr lang="en-US" sz="2300" kern="1200" dirty="0" smtClean="0"/>
+                <a:t>Sprint Review</a:t>
+              </a:r>
+              <a:endParaRPr lang="en-US" sz="2300" kern="1200" dirty="0"/>
+            </a:p>
+          </p:txBody>
+        </p:sp>
+        <p:sp>
+          <p:nvSpPr>
+            <p:cNvPr id="12" name="Freeform 11"/>
+            <p:cNvSpPr/>
+            <p:nvPr/>
+          </p:nvSpPr>
+          <p:spPr>
+            <a:xfrm rot="21600000">
+              <a:off x="4246047" y="3989329"/>
+              <a:ext cx="2276045" cy="2276045"/>
+            </a:xfrm>
+            <a:custGeom>
+              <a:avLst/>
+              <a:gdLst>
+                <a:gd name="connsiteX0" fmla="*/ 0 w 2276045"/>
+                <a:gd name="connsiteY0" fmla="*/ 2276045 h 2276045"/>
+                <a:gd name="connsiteX1" fmla="*/ 2276045 w 2276045"/>
+                <a:gd name="connsiteY1" fmla="*/ 0 h 2276045"/>
+                <a:gd name="connsiteX2" fmla="*/ 2276045 w 2276045"/>
+                <a:gd name="connsiteY2" fmla="*/ 2276045 h 2276045"/>
+                <a:gd name="connsiteX3" fmla="*/ 0 w 2276045"/>
+                <a:gd name="connsiteY3" fmla="*/ 2276045 h 2276045"/>
+              </a:gdLst>
+              <a:ahLst/>
+              <a:cxnLst>
+                <a:cxn ang="0">
+                  <a:pos x="connsiteX0" y="connsiteY0"/>
+                </a:cxn>
+                <a:cxn ang="0">
+                  <a:pos x="connsiteX1" y="connsiteY1"/>
+                </a:cxn>
+                <a:cxn ang="0">
+                  <a:pos x="connsiteX2" y="connsiteY2"/>
+                </a:cxn>
+                <a:cxn ang="0">
+                  <a:pos x="connsiteX3" y="connsiteY3"/>
+                </a:cxn>
+              </a:cxnLst>
+              <a:rect l="l" t="t" r="r" b="b"/>
+              <a:pathLst>
+                <a:path w="2276045" h="2276045">
+                  <a:moveTo>
+                    <a:pt x="2276045" y="2276045"/>
+                  </a:moveTo>
+                  <a:cubicBezTo>
+                    <a:pt x="1019020" y="2276045"/>
+                    <a:pt x="0" y="1257025"/>
+                    <a:pt x="0" y="0"/>
+                  </a:cubicBezTo>
+                  <a:lnTo>
+                    <a:pt x="2276045" y="0"/>
+                  </a:lnTo>
+                  <a:lnTo>
+                    <a:pt x="2276045" y="2276045"/>
+                  </a:lnTo>
+                  <a:close/>
+                </a:path>
+              </a:pathLst>
+            </a:custGeom>
+            <a:scene3d>
+              <a:camera prst="orthographicFront"/>
+              <a:lightRig rig="threePt" dir="t">
+                <a:rot lat="0" lon="0" rev="7500000"/>
+              </a:lightRig>
+            </a:scene3d>
+            <a:sp3d prstMaterial="plastic">
+              <a:bevelT w="127000" h="25400" prst="relaxedInset"/>
+            </a:sp3d>
+          </p:spPr>
+          <p:style>
+            <a:lnRef idx="0">
+              <a:schemeClr val="lt1">
+                <a:hueOff val="0"/>
+                <a:satOff val="0"/>
+                <a:lumOff val="0"/>
+                <a:alphaOff val="0"/>
+              </a:schemeClr>
+            </a:lnRef>
+            <a:fillRef idx="3">
+              <a:schemeClr val="accent3">
+                <a:hueOff val="16421869"/>
+                <a:satOff val="-4260"/>
+                <a:lumOff val="4706"/>
+                <a:alphaOff val="0"/>
+              </a:schemeClr>
+            </a:fillRef>
+            <a:effectRef idx="2">
+              <a:schemeClr val="accent3">
+                <a:hueOff val="16421869"/>
+                <a:satOff val="-4260"/>
+                <a:lumOff val="4706"/>
+                <a:alphaOff val="0"/>
+              </a:schemeClr>
+            </a:effectRef>
+            <a:fontRef idx="minor">
+              <a:schemeClr val="lt1"/>
+            </a:fontRef>
+          </p:style>
+          <p:txBody>
+            <a:bodyPr spcFirstLastPara="0" vert="horz" wrap="square" lIns="794654" tIns="128016" rIns="128016" bIns="794654" numCol="1" spcCol="1270" anchor="ctr" anchorCtr="0">
+              <a:noAutofit/>
+            </a:bodyPr>
+            <a:lstStyle/>
+            <a:p>
+              <a:pPr lvl="0" algn="l" defTabSz="800100">
+                <a:lnSpc>
+                  <a:spcPct val="90000"/>
+                </a:lnSpc>
+                <a:spcBef>
+                  <a:spcPct val="0"/>
+                </a:spcBef>
+                <a:spcAft>
+                  <a:spcPct val="35000"/>
+                </a:spcAft>
+              </a:pPr>
+              <a:r>
+                <a:rPr lang="en-US" sz="2000" kern="1200" dirty="0" smtClean="0"/>
+                <a:t>Sprint Retrospective</a:t>
+              </a:r>
+              <a:endParaRPr lang="en-US" sz="2000" kern="1200" dirty="0"/>
+            </a:p>
+          </p:txBody>
+        </p:sp>
+        <p:sp>
+          <p:nvSpPr>
+            <p:cNvPr id="13" name="Circular Arrow 12"/>
+            <p:cNvSpPr/>
+            <p:nvPr/>
+          </p:nvSpPr>
+          <p:spPr>
+            <a:xfrm>
+              <a:off x="6181737" y="3463683"/>
+              <a:ext cx="785840" cy="683339"/>
+            </a:xfrm>
+            <a:prstGeom prst="circularArrow">
+              <a:avLst/>
+            </a:prstGeom>
+            <a:scene3d>
+              <a:camera prst="orthographicFront"/>
+              <a:lightRig rig="threePt" dir="t">
+                <a:rot lat="0" lon="0" rev="7500000"/>
+              </a:lightRig>
+            </a:scene3d>
+            <a:sp3d z="152400" extrusionH="63500" prstMaterial="matte">
+              <a:bevelT w="50800" h="19050" prst="relaxedInset"/>
+              <a:contourClr>
+                <a:schemeClr val="bg1"/>
+              </a:contourClr>
+            </a:sp3d>
+          </p:spPr>
+          <p:style>
+            <a:lnRef idx="0">
+              <a:schemeClr val="lt1">
+                <a:hueOff val="0"/>
+                <a:satOff val="0"/>
+                <a:lumOff val="0"/>
+                <a:alphaOff val="0"/>
+              </a:schemeClr>
+            </a:lnRef>
+            <a:fillRef idx="1">
+              <a:schemeClr val="accent3">
+                <a:tint val="40000"/>
+                <a:hueOff val="0"/>
+                <a:satOff val="0"/>
+                <a:lumOff val="0"/>
+                <a:alphaOff val="0"/>
+              </a:schemeClr>
+            </a:fillRef>
+            <a:effectRef idx="2">
+              <a:schemeClr val="accent3">
+                <a:tint val="40000"/>
+                <a:hueOff val="0"/>
+                <a:satOff val="0"/>
+                <a:lumOff val="0"/>
+                <a:alphaOff val="0"/>
+              </a:schemeClr>
+            </a:effectRef>
+            <a:fontRef idx="minor">
+              <a:schemeClr val="dk1">
+                <a:hueOff val="0"/>
+                <a:satOff val="0"/>
+                <a:lumOff val="0"/>
+                <a:alphaOff val="0"/>
+              </a:schemeClr>
+            </a:fontRef>
+          </p:style>
+        </p:sp>
+        <p:sp>
+          <p:nvSpPr>
+            <p:cNvPr id="14" name="Circular Arrow 13"/>
+            <p:cNvSpPr/>
+            <p:nvPr/>
+          </p:nvSpPr>
+          <p:spPr>
+            <a:xfrm rot="10800000">
+              <a:off x="6181737" y="3726506"/>
+              <a:ext cx="785840" cy="683339"/>
+            </a:xfrm>
+            <a:prstGeom prst="circularArrow">
+              <a:avLst/>
+            </a:prstGeom>
+            <a:scene3d>
+              <a:camera prst="orthographicFront"/>
+              <a:lightRig rig="threePt" dir="t">
+                <a:rot lat="0" lon="0" rev="7500000"/>
+              </a:lightRig>
+            </a:scene3d>
+            <a:sp3d z="152400" extrusionH="63500" prstMaterial="matte">
+              <a:bevelT w="50800" h="19050" prst="relaxedInset"/>
+              <a:contourClr>
+                <a:schemeClr val="bg1"/>
+              </a:contourClr>
+            </a:sp3d>
+          </p:spPr>
+          <p:style>
+            <a:lnRef idx="0">
+              <a:schemeClr val="lt1">
+                <a:hueOff val="0"/>
+                <a:satOff val="0"/>
+                <a:lumOff val="0"/>
+                <a:alphaOff val="0"/>
+              </a:schemeClr>
+            </a:lnRef>
+            <a:fillRef idx="1">
+              <a:schemeClr val="accent3">
+                <a:tint val="40000"/>
+                <a:hueOff val="0"/>
+                <a:satOff val="0"/>
+                <a:lumOff val="0"/>
+                <a:alphaOff val="0"/>
+              </a:schemeClr>
+            </a:fillRef>
+            <a:effectRef idx="2">
+              <a:schemeClr val="accent3">
+                <a:tint val="40000"/>
+                <a:hueOff val="0"/>
+                <a:satOff val="0"/>
+                <a:lumOff val="0"/>
+                <a:alphaOff val="0"/>
+              </a:schemeClr>
+            </a:effectRef>
+            <a:fontRef idx="minor">
+              <a:schemeClr val="dk1">
+                <a:hueOff val="0"/>
+                <a:satOff val="0"/>
+                <a:lumOff val="0"/>
+                <a:alphaOff val="0"/>
+              </a:schemeClr>
+            </a:fontRef>
+          </p:style>
+        </p:sp>
+      </p:grpSp>
+      <p:sp>
+        <p:nvSpPr>
+          <p:cNvPr id="3" name="Rounded Rectangle 2"/>
+          <p:cNvSpPr/>
+          <p:nvPr/>
+        </p:nvSpPr>
+        <p:spPr>
+          <a:xfrm>
+            <a:off x="961697" y="2222938"/>
+            <a:ext cx="1986455" cy="756745"/>
+          </a:xfrm>
+          <a:prstGeom prst="roundRect">
+            <a:avLst/>
+          </a:prstGeom>
+        </p:spPr>
+        <p:style>
+          <a:lnRef idx="3">
+            <a:schemeClr val="lt1"/>
+          </a:lnRef>
+          <a:fillRef idx="1">
+            <a:schemeClr val="accent2"/>
+          </a:fillRef>
+          <a:effectRef idx="1">
+            <a:schemeClr val="accent2"/>
+          </a:effectRef>
+          <a:fontRef idx="minor">
+            <a:schemeClr val="lt1"/>
+          </a:fontRef>
+        </p:style>
+        <p:txBody>
+          <a:bodyPr rtlCol="0" anchor="ctr"/>
+          <a:lstStyle/>
+          <a:p>
+            <a:pPr algn="ctr"/>
+            <a:r>
+              <a:rPr lang="en-US" dirty="0" smtClean="0"/>
+              <a:t>Time-box</a:t>
+            </a:r>
+            <a:endParaRPr lang="en-US" dirty="0"/>
+          </a:p>
+        </p:txBody>
+      </p:sp>
+      <p:sp>
+        <p:nvSpPr>
+          <p:cNvPr id="5" name="Rounded Rectangle 4"/>
+          <p:cNvSpPr/>
+          <p:nvPr/>
+        </p:nvSpPr>
+        <p:spPr>
+          <a:xfrm>
+            <a:off x="961693" y="4107370"/>
+            <a:ext cx="1986455" cy="756745"/>
+          </a:xfrm>
+          <a:prstGeom prst="roundRect">
+            <a:avLst/>
+          </a:prstGeom>
+        </p:spPr>
+        <p:style>
+          <a:lnRef idx="3">
+            <a:schemeClr val="lt1"/>
+          </a:lnRef>
+          <a:fillRef idx="1">
+            <a:schemeClr val="accent2"/>
+          </a:fillRef>
+          <a:effectRef idx="1">
+            <a:schemeClr val="accent2"/>
+          </a:effectRef>
+          <a:fontRef idx="minor">
+            <a:schemeClr val="lt1"/>
+          </a:fontRef>
+        </p:style>
+        <p:txBody>
+          <a:bodyPr rtlCol="0" anchor="ctr"/>
+          <a:lstStyle/>
+          <a:p>
+            <a:pPr algn="ctr"/>
+            <a:r>
+              <a:rPr lang="en-US" dirty="0" smtClean="0"/>
+              <a:t>Inspection</a:t>
+            </a:r>
+            <a:endParaRPr lang="en-US" dirty="0"/>
+          </a:p>
+        </p:txBody>
+      </p:sp>
+      <p:sp>
+        <p:nvSpPr>
+          <p:cNvPr id="6" name="Rounded Rectangle 5"/>
+          <p:cNvSpPr/>
+          <p:nvPr/>
+        </p:nvSpPr>
+        <p:spPr>
+          <a:xfrm>
+            <a:off x="961693" y="5049586"/>
+            <a:ext cx="1986455" cy="756745"/>
+          </a:xfrm>
+          <a:prstGeom prst="roundRect">
+            <a:avLst/>
+          </a:prstGeom>
+        </p:spPr>
+        <p:style>
+          <a:lnRef idx="3">
+            <a:schemeClr val="lt1"/>
+          </a:lnRef>
+          <a:fillRef idx="1">
+            <a:schemeClr val="accent2"/>
+          </a:fillRef>
+          <a:effectRef idx="1">
+            <a:schemeClr val="accent2"/>
+          </a:effectRef>
+          <a:fontRef idx="minor">
+            <a:schemeClr val="lt1"/>
+          </a:fontRef>
+        </p:style>
+        <p:txBody>
+          <a:bodyPr rtlCol="0" anchor="ctr"/>
+          <a:lstStyle/>
+          <a:p>
+            <a:pPr algn="ctr"/>
+            <a:r>
+              <a:rPr lang="en-US" dirty="0" smtClean="0"/>
+              <a:t>Adaptation</a:t>
+            </a:r>
+            <a:endParaRPr lang="en-US" dirty="0"/>
+          </a:p>
+        </p:txBody>
+      </p:sp>
+      <p:sp>
+        <p:nvSpPr>
+          <p:cNvPr id="7" name="Rounded Rectangle 6"/>
+          <p:cNvSpPr/>
+          <p:nvPr/>
+        </p:nvSpPr>
+        <p:spPr>
+          <a:xfrm>
+            <a:off x="961693" y="3165154"/>
+            <a:ext cx="1986455" cy="756745"/>
+          </a:xfrm>
+          <a:prstGeom prst="roundRect">
+            <a:avLst/>
+          </a:prstGeom>
+        </p:spPr>
+        <p:style>
+          <a:lnRef idx="3">
+            <a:schemeClr val="lt1"/>
+          </a:lnRef>
+          <a:fillRef idx="1">
+            <a:schemeClr val="accent2"/>
+          </a:fillRef>
+          <a:effectRef idx="1">
+            <a:schemeClr val="accent2"/>
+          </a:effectRef>
+          <a:fontRef idx="minor">
+            <a:schemeClr val="lt1"/>
+          </a:fontRef>
+        </p:style>
+        <p:txBody>
+          <a:bodyPr rtlCol="0" anchor="ctr"/>
+          <a:lstStyle/>
+          <a:p>
+            <a:pPr algn="ctr"/>
+            <a:r>
+              <a:rPr lang="en-US" dirty="0" smtClean="0"/>
+              <a:t>Transparency</a:t>
+            </a:r>
+            <a:endParaRPr lang="en-US" dirty="0"/>
+          </a:p>
+        </p:txBody>
+      </p:sp>
+    </p:spTree>
+    <p:extLst>
+      <p:ext uri="{BB962C8B-B14F-4D97-AF65-F5344CB8AC3E}">
+        <p14:creationId xmlns:p14="http://schemas.microsoft.com/office/powerpoint/2010/main" val="1184575682"/>
+      </p:ext>
+    </p:extLst>
+  </p:cSld>
+  <p:clrMapOvr>
+    <a:masterClrMapping/>
+  </p:clrMapOvr>
+  <p:timing>
+    <p:tnLst>
+      <p:par>
+        <p:cTn id="1" dur="indefinite" restart="never" nodeType="tmRoot"/>
+      </p:par>
+    </p:tnLst>
+  </p:timing>
+</p:sld>
+</file>
+
+<file path=ppt/slides/slide17.xml><?xml version="1.0" encoding="utf-8"?>
+<p:sld xmlns:a="http://schemas.openxmlformats.org/drawingml/2006/main" xmlns:r="http://schemas.openxmlformats.org/officeDocument/2006/relationships" xmlns:p="http://schemas.openxmlformats.org/presentationml/2006/main">
+  <p:cSld>
+    <p:spTree>
+      <p:nvGrpSpPr>
+        <p:cNvPr id="1" name=""/>
+        <p:cNvGrpSpPr/>
+        <p:nvPr/>
+      </p:nvGrpSpPr>
+      <p:grpSpPr>
+        <a:xfrm>
+          <a:off x="0" y="0"/>
+          <a:ext cx="0" cy="0"/>
+          <a:chOff x="0" y="0"/>
+          <a:chExt cx="0" cy="0"/>
+        </a:xfrm>
+      </p:grpSpPr>
+      <p:sp>
+        <p:nvSpPr>
+          <p:cNvPr id="2" name="Title 1"/>
+          <p:cNvSpPr>
+            <a:spLocks noGrp="1"/>
+          </p:cNvSpPr>
+          <p:nvPr>
+            <p:ph type="title"/>
+          </p:nvPr>
+        </p:nvSpPr>
+        <p:spPr/>
+        <p:txBody>
+          <a:bodyPr/>
+          <a:lstStyle/>
+          <a:p>
+            <a:r>
+              <a:rPr lang="en-US" dirty="0" smtClean="0"/>
+              <a:t>Sprint </a:t>
+            </a:r>
+            <a:r>
+              <a:rPr lang="en-US" dirty="0" err="1" smtClean="0"/>
+              <a:t>PLanNing</a:t>
             </a:r>
             <a:endParaRPr lang="en-US" dirty="0"/>
           </a:p>
@@ -28939,33 +31075,512 @@
       </p:sp>
       <p:graphicFrame>
         <p:nvGraphicFramePr>
-          <p:cNvPr id="4" name="Content Placeholder 3"/>
-          <p:cNvGraphicFramePr>
-            <a:graphicFrameLocks noGrp="1"/>
-          </p:cNvGraphicFramePr>
+          <p:cNvPr id="7" name="Diagram 6"/>
+          <p:cNvGraphicFramePr/>
           <p:nvPr>
-            <p:ph idx="1"/>
             <p:extLst>
               <p:ext uri="{D42A27DB-BD31-4B8C-83A1-F6EECF244321}">
-                <p14:modId xmlns:p14="http://schemas.microsoft.com/office/powerpoint/2010/main" val="3604195800"/>
+                <p14:modId xmlns:p14="http://schemas.microsoft.com/office/powerpoint/2010/main" val="2757893392"/>
               </p:ext>
             </p:extLst>
           </p:nvPr>
         </p:nvGraphicFramePr>
         <p:xfrm>
-          <a:off x="1099205" y="1357803"/>
-          <a:ext cx="9990413" cy="5254487"/>
+          <a:off x="2428053" y="1718442"/>
+          <a:ext cx="7332717" cy="4498719"/>
         </p:xfrm>
         <a:graphic>
           <a:graphicData uri="http://schemas.openxmlformats.org/drawingml/2006/diagram">
-            <dgm:relIds xmlns:dgm="http://schemas.openxmlformats.org/drawingml/2006/diagram" xmlns:r="http://schemas.openxmlformats.org/officeDocument/2006/relationships" r:dm="rId2" r:lo="rId3" r:qs="rId4" r:cs="rId5"/>
+            <dgm:relIds xmlns:dgm="http://schemas.openxmlformats.org/drawingml/2006/diagram" xmlns:r="http://schemas.openxmlformats.org/officeDocument/2006/relationships" r:dm="rId3" r:lo="rId4" r:qs="rId5" r:cs="rId6"/>
           </a:graphicData>
         </a:graphic>
       </p:graphicFrame>
     </p:spTree>
     <p:extLst>
       <p:ext uri="{BB962C8B-B14F-4D97-AF65-F5344CB8AC3E}">
-        <p14:creationId xmlns:p14="http://schemas.microsoft.com/office/powerpoint/2010/main" val="1184575682"/>
+        <p14:creationId xmlns:p14="http://schemas.microsoft.com/office/powerpoint/2010/main" val="1324968026"/>
+      </p:ext>
+    </p:extLst>
+  </p:cSld>
+  <p:clrMapOvr>
+    <a:masterClrMapping/>
+  </p:clrMapOvr>
+  <p:timing>
+    <p:tnLst>
+      <p:par>
+        <p:cTn id="1" dur="indefinite" restart="never" nodeType="tmRoot">
+          <p:childTnLst>
+            <p:seq concurrent="1" nextAc="seek">
+              <p:cTn id="2" dur="indefinite" nodeType="mainSeq">
+                <p:childTnLst>
+                  <p:par>
+                    <p:cTn id="3" fill="hold">
+                      <p:stCondLst>
+                        <p:cond delay="indefinite"/>
+                      </p:stCondLst>
+                      <p:childTnLst>
+                        <p:par>
+                          <p:cTn id="4" fill="hold">
+                            <p:stCondLst>
+                              <p:cond delay="0"/>
+                            </p:stCondLst>
+                            <p:childTnLst>
+                              <p:par>
+                                <p:cTn id="5" presetID="10" presetClass="entr" presetSubtype="0" fill="hold" grpId="0" nodeType="clickEffect">
+                                  <p:stCondLst>
+                                    <p:cond delay="0"/>
+                                  </p:stCondLst>
+                                  <p:childTnLst>
+                                    <p:set>
+                                      <p:cBhvr>
+                                        <p:cTn id="6" dur="1" fill="hold">
+                                          <p:stCondLst>
+                                            <p:cond delay="0"/>
+                                          </p:stCondLst>
+                                        </p:cTn>
+                                        <p:tgtEl>
+                                          <p:spTgt spid="7">
+                                            <p:graphicEl>
+                                              <a:dgm id="{A22305C3-E7A5-426C-A4E4-F63814C38729}"/>
+                                            </p:graphicEl>
+                                          </p:spTgt>
+                                        </p:tgtEl>
+                                        <p:attrNameLst>
+                                          <p:attrName>style.visibility</p:attrName>
+                                        </p:attrNameLst>
+                                      </p:cBhvr>
+                                      <p:to>
+                                        <p:strVal val="visible"/>
+                                      </p:to>
+                                    </p:set>
+                                    <p:animEffect transition="in" filter="fade">
+                                      <p:cBhvr>
+                                        <p:cTn id="7" dur="500"/>
+                                        <p:tgtEl>
+                                          <p:spTgt spid="7">
+                                            <p:graphicEl>
+                                              <a:dgm id="{A22305C3-E7A5-426C-A4E4-F63814C38729}"/>
+                                            </p:graphicEl>
+                                          </p:spTgt>
+                                        </p:tgtEl>
+                                      </p:cBhvr>
+                                    </p:animEffect>
+                                  </p:childTnLst>
+                                </p:cTn>
+                              </p:par>
+                            </p:childTnLst>
+                          </p:cTn>
+                        </p:par>
+                      </p:childTnLst>
+                    </p:cTn>
+                  </p:par>
+                  <p:par>
+                    <p:cTn id="8" fill="hold">
+                      <p:stCondLst>
+                        <p:cond delay="indefinite"/>
+                      </p:stCondLst>
+                      <p:childTnLst>
+                        <p:par>
+                          <p:cTn id="9" fill="hold">
+                            <p:stCondLst>
+                              <p:cond delay="0"/>
+                            </p:stCondLst>
+                            <p:childTnLst>
+                              <p:par>
+                                <p:cTn id="10" presetID="10" presetClass="entr" presetSubtype="0" fill="hold" grpId="0" nodeType="clickEffect">
+                                  <p:stCondLst>
+                                    <p:cond delay="0"/>
+                                  </p:stCondLst>
+                                  <p:childTnLst>
+                                    <p:set>
+                                      <p:cBhvr>
+                                        <p:cTn id="11" dur="1" fill="hold">
+                                          <p:stCondLst>
+                                            <p:cond delay="0"/>
+                                          </p:stCondLst>
+                                        </p:cTn>
+                                        <p:tgtEl>
+                                          <p:spTgt spid="7">
+                                            <p:graphicEl>
+                                              <a:dgm id="{1A5317DD-FFFD-4236-BB31-4466225F2260}"/>
+                                            </p:graphicEl>
+                                          </p:spTgt>
+                                        </p:tgtEl>
+                                        <p:attrNameLst>
+                                          <p:attrName>style.visibility</p:attrName>
+                                        </p:attrNameLst>
+                                      </p:cBhvr>
+                                      <p:to>
+                                        <p:strVal val="visible"/>
+                                      </p:to>
+                                    </p:set>
+                                    <p:animEffect transition="in" filter="fade">
+                                      <p:cBhvr>
+                                        <p:cTn id="12" dur="500"/>
+                                        <p:tgtEl>
+                                          <p:spTgt spid="7">
+                                            <p:graphicEl>
+                                              <a:dgm id="{1A5317DD-FFFD-4236-BB31-4466225F2260}"/>
+                                            </p:graphicEl>
+                                          </p:spTgt>
+                                        </p:tgtEl>
+                                      </p:cBhvr>
+                                    </p:animEffect>
+                                  </p:childTnLst>
+                                </p:cTn>
+                              </p:par>
+                              <p:par>
+                                <p:cTn id="13" presetID="10" presetClass="entr" presetSubtype="0" fill="hold" grpId="0" nodeType="withEffect">
+                                  <p:stCondLst>
+                                    <p:cond delay="0"/>
+                                  </p:stCondLst>
+                                  <p:childTnLst>
+                                    <p:set>
+                                      <p:cBhvr>
+                                        <p:cTn id="14" dur="1" fill="hold">
+                                          <p:stCondLst>
+                                            <p:cond delay="0"/>
+                                          </p:stCondLst>
+                                        </p:cTn>
+                                        <p:tgtEl>
+                                          <p:spTgt spid="7">
+                                            <p:graphicEl>
+                                              <a:dgm id="{A83CDA18-3FF9-493C-AE94-D33A5D14434F}"/>
+                                            </p:graphicEl>
+                                          </p:spTgt>
+                                        </p:tgtEl>
+                                        <p:attrNameLst>
+                                          <p:attrName>style.visibility</p:attrName>
+                                        </p:attrNameLst>
+                                      </p:cBhvr>
+                                      <p:to>
+                                        <p:strVal val="visible"/>
+                                      </p:to>
+                                    </p:set>
+                                    <p:animEffect transition="in" filter="fade">
+                                      <p:cBhvr>
+                                        <p:cTn id="15" dur="500"/>
+                                        <p:tgtEl>
+                                          <p:spTgt spid="7">
+                                            <p:graphicEl>
+                                              <a:dgm id="{A83CDA18-3FF9-493C-AE94-D33A5D14434F}"/>
+                                            </p:graphicEl>
+                                          </p:spTgt>
+                                        </p:tgtEl>
+                                      </p:cBhvr>
+                                    </p:animEffect>
+                                  </p:childTnLst>
+                                </p:cTn>
+                              </p:par>
+                            </p:childTnLst>
+                          </p:cTn>
+                        </p:par>
+                      </p:childTnLst>
+                    </p:cTn>
+                  </p:par>
+                  <p:par>
+                    <p:cTn id="16" fill="hold">
+                      <p:stCondLst>
+                        <p:cond delay="indefinite"/>
+                      </p:stCondLst>
+                      <p:childTnLst>
+                        <p:par>
+                          <p:cTn id="17" fill="hold">
+                            <p:stCondLst>
+                              <p:cond delay="0"/>
+                            </p:stCondLst>
+                            <p:childTnLst>
+                              <p:par>
+                                <p:cTn id="18" presetID="10" presetClass="entr" presetSubtype="0" fill="hold" grpId="0" nodeType="clickEffect">
+                                  <p:stCondLst>
+                                    <p:cond delay="0"/>
+                                  </p:stCondLst>
+                                  <p:childTnLst>
+                                    <p:set>
+                                      <p:cBhvr>
+                                        <p:cTn id="19" dur="1" fill="hold">
+                                          <p:stCondLst>
+                                            <p:cond delay="0"/>
+                                          </p:stCondLst>
+                                        </p:cTn>
+                                        <p:tgtEl>
+                                          <p:spTgt spid="7">
+                                            <p:graphicEl>
+                                              <a:dgm id="{D7F12B09-241E-4645-9C63-0167A9E20654}"/>
+                                            </p:graphicEl>
+                                          </p:spTgt>
+                                        </p:tgtEl>
+                                        <p:attrNameLst>
+                                          <p:attrName>style.visibility</p:attrName>
+                                        </p:attrNameLst>
+                                      </p:cBhvr>
+                                      <p:to>
+                                        <p:strVal val="visible"/>
+                                      </p:to>
+                                    </p:set>
+                                    <p:animEffect transition="in" filter="fade">
+                                      <p:cBhvr>
+                                        <p:cTn id="20" dur="500"/>
+                                        <p:tgtEl>
+                                          <p:spTgt spid="7">
+                                            <p:graphicEl>
+                                              <a:dgm id="{D7F12B09-241E-4645-9C63-0167A9E20654}"/>
+                                            </p:graphicEl>
+                                          </p:spTgt>
+                                        </p:tgtEl>
+                                      </p:cBhvr>
+                                    </p:animEffect>
+                                  </p:childTnLst>
+                                </p:cTn>
+                              </p:par>
+                              <p:par>
+                                <p:cTn id="21" presetID="10" presetClass="entr" presetSubtype="0" fill="hold" grpId="0" nodeType="withEffect">
+                                  <p:stCondLst>
+                                    <p:cond delay="0"/>
+                                  </p:stCondLst>
+                                  <p:childTnLst>
+                                    <p:set>
+                                      <p:cBhvr>
+                                        <p:cTn id="22" dur="1" fill="hold">
+                                          <p:stCondLst>
+                                            <p:cond delay="0"/>
+                                          </p:stCondLst>
+                                        </p:cTn>
+                                        <p:tgtEl>
+                                          <p:spTgt spid="7">
+                                            <p:graphicEl>
+                                              <a:dgm id="{77A6A6FF-AE70-4884-9C48-0927A731410B}"/>
+                                            </p:graphicEl>
+                                          </p:spTgt>
+                                        </p:tgtEl>
+                                        <p:attrNameLst>
+                                          <p:attrName>style.visibility</p:attrName>
+                                        </p:attrNameLst>
+                                      </p:cBhvr>
+                                      <p:to>
+                                        <p:strVal val="visible"/>
+                                      </p:to>
+                                    </p:set>
+                                    <p:animEffect transition="in" filter="fade">
+                                      <p:cBhvr>
+                                        <p:cTn id="23" dur="500"/>
+                                        <p:tgtEl>
+                                          <p:spTgt spid="7">
+                                            <p:graphicEl>
+                                              <a:dgm id="{77A6A6FF-AE70-4884-9C48-0927A731410B}"/>
+                                            </p:graphicEl>
+                                          </p:spTgt>
+                                        </p:tgtEl>
+                                      </p:cBhvr>
+                                    </p:animEffect>
+                                  </p:childTnLst>
+                                </p:cTn>
+                              </p:par>
+                            </p:childTnLst>
+                          </p:cTn>
+                        </p:par>
+                      </p:childTnLst>
+                    </p:cTn>
+                  </p:par>
+                  <p:par>
+                    <p:cTn id="24" fill="hold">
+                      <p:stCondLst>
+                        <p:cond delay="indefinite"/>
+                      </p:stCondLst>
+                      <p:childTnLst>
+                        <p:par>
+                          <p:cTn id="25" fill="hold">
+                            <p:stCondLst>
+                              <p:cond delay="0"/>
+                            </p:stCondLst>
+                            <p:childTnLst>
+                              <p:par>
+                                <p:cTn id="26" presetID="10" presetClass="entr" presetSubtype="0" fill="hold" grpId="0" nodeType="clickEffect">
+                                  <p:stCondLst>
+                                    <p:cond delay="0"/>
+                                  </p:stCondLst>
+                                  <p:childTnLst>
+                                    <p:set>
+                                      <p:cBhvr>
+                                        <p:cTn id="27" dur="1" fill="hold">
+                                          <p:stCondLst>
+                                            <p:cond delay="0"/>
+                                          </p:stCondLst>
+                                        </p:cTn>
+                                        <p:tgtEl>
+                                          <p:spTgt spid="7">
+                                            <p:graphicEl>
+                                              <a:dgm id="{B9E3A3DE-A54C-4C5E-9FB7-68BF97238880}"/>
+                                            </p:graphicEl>
+                                          </p:spTgt>
+                                        </p:tgtEl>
+                                        <p:attrNameLst>
+                                          <p:attrName>style.visibility</p:attrName>
+                                        </p:attrNameLst>
+                                      </p:cBhvr>
+                                      <p:to>
+                                        <p:strVal val="visible"/>
+                                      </p:to>
+                                    </p:set>
+                                    <p:animEffect transition="in" filter="fade">
+                                      <p:cBhvr>
+                                        <p:cTn id="28" dur="500"/>
+                                        <p:tgtEl>
+                                          <p:spTgt spid="7">
+                                            <p:graphicEl>
+                                              <a:dgm id="{B9E3A3DE-A54C-4C5E-9FB7-68BF97238880}"/>
+                                            </p:graphicEl>
+                                          </p:spTgt>
+                                        </p:tgtEl>
+                                      </p:cBhvr>
+                                    </p:animEffect>
+                                  </p:childTnLst>
+                                </p:cTn>
+                              </p:par>
+                              <p:par>
+                                <p:cTn id="29" presetID="10" presetClass="entr" presetSubtype="0" fill="hold" grpId="0" nodeType="withEffect">
+                                  <p:stCondLst>
+                                    <p:cond delay="0"/>
+                                  </p:stCondLst>
+                                  <p:childTnLst>
+                                    <p:set>
+                                      <p:cBhvr>
+                                        <p:cTn id="30" dur="1" fill="hold">
+                                          <p:stCondLst>
+                                            <p:cond delay="0"/>
+                                          </p:stCondLst>
+                                        </p:cTn>
+                                        <p:tgtEl>
+                                          <p:spTgt spid="7">
+                                            <p:graphicEl>
+                                              <a:dgm id="{9AD0B442-3710-4DF6-A7AB-E72AE33BDAAA}"/>
+                                            </p:graphicEl>
+                                          </p:spTgt>
+                                        </p:tgtEl>
+                                        <p:attrNameLst>
+                                          <p:attrName>style.visibility</p:attrName>
+                                        </p:attrNameLst>
+                                      </p:cBhvr>
+                                      <p:to>
+                                        <p:strVal val="visible"/>
+                                      </p:to>
+                                    </p:set>
+                                    <p:animEffect transition="in" filter="fade">
+                                      <p:cBhvr>
+                                        <p:cTn id="31" dur="500"/>
+                                        <p:tgtEl>
+                                          <p:spTgt spid="7">
+                                            <p:graphicEl>
+                                              <a:dgm id="{9AD0B442-3710-4DF6-A7AB-E72AE33BDAAA}"/>
+                                            </p:graphicEl>
+                                          </p:spTgt>
+                                        </p:tgtEl>
+                                      </p:cBhvr>
+                                    </p:animEffect>
+                                  </p:childTnLst>
+                                </p:cTn>
+                              </p:par>
+                            </p:childTnLst>
+                          </p:cTn>
+                        </p:par>
+                      </p:childTnLst>
+                    </p:cTn>
+                  </p:par>
+                </p:childTnLst>
+              </p:cTn>
+              <p:prevCondLst>
+                <p:cond evt="onPrev" delay="0">
+                  <p:tgtEl>
+                    <p:sldTgt/>
+                  </p:tgtEl>
+                </p:cond>
+              </p:prevCondLst>
+              <p:nextCondLst>
+                <p:cond evt="onNext" delay="0">
+                  <p:tgtEl>
+                    <p:sldTgt/>
+                  </p:tgtEl>
+                </p:cond>
+              </p:nextCondLst>
+            </p:seq>
+          </p:childTnLst>
+        </p:cTn>
+      </p:par>
+    </p:tnLst>
+    <p:bldLst>
+      <p:bldGraphic spid="7" grpId="0" uiExpand="1">
+        <p:bldSub>
+          <a:bldDgm bld="one"/>
+        </p:bldSub>
+      </p:bldGraphic>
+    </p:bldLst>
+  </p:timing>
+</p:sld>
+</file>
+
+<file path=ppt/slides/slide18.xml><?xml version="1.0" encoding="utf-8"?>
+<p:sld xmlns:a="http://schemas.openxmlformats.org/drawingml/2006/main" xmlns:r="http://schemas.openxmlformats.org/officeDocument/2006/relationships" xmlns:p="http://schemas.openxmlformats.org/presentationml/2006/main">
+  <p:cSld>
+    <p:spTree>
+      <p:nvGrpSpPr>
+        <p:cNvPr id="1" name=""/>
+        <p:cNvGrpSpPr/>
+        <p:nvPr/>
+      </p:nvGrpSpPr>
+      <p:grpSpPr>
+        <a:xfrm>
+          <a:off x="0" y="0"/>
+          <a:ext cx="0" cy="0"/>
+          <a:chOff x="0" y="0"/>
+          <a:chExt cx="0" cy="0"/>
+        </a:xfrm>
+      </p:grpSpPr>
+      <p:sp>
+        <p:nvSpPr>
+          <p:cNvPr id="2" name="Title 1"/>
+          <p:cNvSpPr>
+            <a:spLocks noGrp="1"/>
+          </p:cNvSpPr>
+          <p:nvPr>
+            <p:ph type="title"/>
+          </p:nvPr>
+        </p:nvSpPr>
+        <p:spPr/>
+        <p:txBody>
+          <a:bodyPr/>
+          <a:lstStyle/>
+          <a:p>
+            <a:r>
+              <a:rPr lang="en-US" dirty="0" smtClean="0"/>
+              <a:t>Sprint Retrospective</a:t>
+            </a:r>
+            <a:endParaRPr lang="en-US" dirty="0"/>
+          </a:p>
+        </p:txBody>
+      </p:sp>
+      <p:sp>
+        <p:nvSpPr>
+          <p:cNvPr id="3" name="Content Placeholder 2"/>
+          <p:cNvSpPr>
+            <a:spLocks noGrp="1"/>
+          </p:cNvSpPr>
+          <p:nvPr>
+            <p:ph idx="1"/>
+          </p:nvPr>
+        </p:nvSpPr>
+        <p:spPr/>
+        <p:txBody>
+          <a:bodyPr/>
+          <a:lstStyle/>
+          <a:p>
+            <a:endParaRPr lang="en-US" dirty="0"/>
+          </a:p>
+        </p:txBody>
+      </p:sp>
+    </p:spTree>
+    <p:extLst>
+      <p:ext uri="{BB962C8B-B14F-4D97-AF65-F5344CB8AC3E}">
+        <p14:creationId xmlns:p14="http://schemas.microsoft.com/office/powerpoint/2010/main" val="2381630965"/>
       </p:ext>
     </p:extLst>
   </p:cSld>
